--- a/AI Friendly APIs.pptx
+++ b/AI Friendly APIs.pptx
@@ -6,6 +6,7 @@
   </p:sldMasterIdLst>
   <p:sldIdLst>
     <p:sldId id="256" r:id="rId2"/>
+    <p:sldId id="257" r:id="rId3"/>
   </p:sldIdLst>
   <p:sldSz cx="12192000" cy="6858000"/>
   <p:notesSz cx="6858000" cy="9144000"/>
@@ -104,6 +105,11 @@
       </a:defRPr>
     </a:lvl9pPr>
   </p:defaultTextStyle>
+  <p:extLst>
+    <p:ext uri="{EFAFB233-063F-42B5-8137-9DF3F51BA10A}">
+      <p15:sldGuideLst xmlns:p15="http://schemas.microsoft.com/office/powerpoint/2012/main"/>
+    </p:ext>
+  </p:extLst>
 </p:presentation>
 </file>
 
@@ -254,7 +260,7 @@
           <a:p>
             <a:fld id="{9564C4B6-AF8B-47D1-A3BA-C9921D51DAF6}" type="datetimeFigureOut">
               <a:rPr lang="en-US" smtClean="0"/>
-              <a:t>1/29/2025</a:t>
+              <a:t>2/1/2025</a:t>
             </a:fld>
             <a:endParaRPr lang="en-US"/>
           </a:p>
@@ -452,7 +458,7 @@
           <a:p>
             <a:fld id="{9564C4B6-AF8B-47D1-A3BA-C9921D51DAF6}" type="datetimeFigureOut">
               <a:rPr lang="en-US" smtClean="0"/>
-              <a:t>1/29/2025</a:t>
+              <a:t>2/1/2025</a:t>
             </a:fld>
             <a:endParaRPr lang="en-US"/>
           </a:p>
@@ -660,7 +666,7 @@
           <a:p>
             <a:fld id="{9564C4B6-AF8B-47D1-A3BA-C9921D51DAF6}" type="datetimeFigureOut">
               <a:rPr lang="en-US" smtClean="0"/>
-              <a:t>1/29/2025</a:t>
+              <a:t>2/1/2025</a:t>
             </a:fld>
             <a:endParaRPr lang="en-US"/>
           </a:p>
@@ -858,7 +864,7 @@
           <a:p>
             <a:fld id="{9564C4B6-AF8B-47D1-A3BA-C9921D51DAF6}" type="datetimeFigureOut">
               <a:rPr lang="en-US" smtClean="0"/>
-              <a:t>1/29/2025</a:t>
+              <a:t>2/1/2025</a:t>
             </a:fld>
             <a:endParaRPr lang="en-US"/>
           </a:p>
@@ -1133,7 +1139,7 @@
           <a:p>
             <a:fld id="{9564C4B6-AF8B-47D1-A3BA-C9921D51DAF6}" type="datetimeFigureOut">
               <a:rPr lang="en-US" smtClean="0"/>
-              <a:t>1/29/2025</a:t>
+              <a:t>2/1/2025</a:t>
             </a:fld>
             <a:endParaRPr lang="en-US"/>
           </a:p>
@@ -1398,7 +1404,7 @@
           <a:p>
             <a:fld id="{9564C4B6-AF8B-47D1-A3BA-C9921D51DAF6}" type="datetimeFigureOut">
               <a:rPr lang="en-US" smtClean="0"/>
-              <a:t>1/29/2025</a:t>
+              <a:t>2/1/2025</a:t>
             </a:fld>
             <a:endParaRPr lang="en-US"/>
           </a:p>
@@ -1810,7 +1816,7 @@
           <a:p>
             <a:fld id="{9564C4B6-AF8B-47D1-A3BA-C9921D51DAF6}" type="datetimeFigureOut">
               <a:rPr lang="en-US" smtClean="0"/>
-              <a:t>1/29/2025</a:t>
+              <a:t>2/1/2025</a:t>
             </a:fld>
             <a:endParaRPr lang="en-US"/>
           </a:p>
@@ -1951,7 +1957,7 @@
           <a:p>
             <a:fld id="{9564C4B6-AF8B-47D1-A3BA-C9921D51DAF6}" type="datetimeFigureOut">
               <a:rPr lang="en-US" smtClean="0"/>
-              <a:t>1/29/2025</a:t>
+              <a:t>2/1/2025</a:t>
             </a:fld>
             <a:endParaRPr lang="en-US"/>
           </a:p>
@@ -2064,7 +2070,7 @@
           <a:p>
             <a:fld id="{9564C4B6-AF8B-47D1-A3BA-C9921D51DAF6}" type="datetimeFigureOut">
               <a:rPr lang="en-US" smtClean="0"/>
-              <a:t>1/29/2025</a:t>
+              <a:t>2/1/2025</a:t>
             </a:fld>
             <a:endParaRPr lang="en-US"/>
           </a:p>
@@ -2375,7 +2381,7 @@
           <a:p>
             <a:fld id="{9564C4B6-AF8B-47D1-A3BA-C9921D51DAF6}" type="datetimeFigureOut">
               <a:rPr lang="en-US" smtClean="0"/>
-              <a:t>1/29/2025</a:t>
+              <a:t>2/1/2025</a:t>
             </a:fld>
             <a:endParaRPr lang="en-US"/>
           </a:p>
@@ -2663,7 +2669,7 @@
           <a:p>
             <a:fld id="{9564C4B6-AF8B-47D1-A3BA-C9921D51DAF6}" type="datetimeFigureOut">
               <a:rPr lang="en-US" smtClean="0"/>
-              <a:t>1/29/2025</a:t>
+              <a:t>2/1/2025</a:t>
             </a:fld>
             <a:endParaRPr lang="en-US"/>
           </a:p>
@@ -2904,7 +2910,7 @@
           <a:p>
             <a:fld id="{9564C4B6-AF8B-47D1-A3BA-C9921D51DAF6}" type="datetimeFigureOut">
               <a:rPr lang="en-US" smtClean="0"/>
-              <a:t>1/29/2025</a:t>
+              <a:t>2/1/2025</a:t>
             </a:fld>
             <a:endParaRPr lang="en-US"/>
           </a:p>
@@ -3335,7 +3341,7 @@
         </p:nvSpPr>
         <p:spPr>
           <a:xfrm>
-            <a:off x="2011146" y="1219735"/>
+            <a:off x="2280386" y="2123975"/>
             <a:ext cx="1196282" cy="1134406"/>
           </a:xfrm>
           <a:prstGeom prst="flowChartConnector">
@@ -3384,7 +3390,7 @@
         </p:nvSpPr>
         <p:spPr>
           <a:xfrm>
-            <a:off x="2011146" y="3052392"/>
+            <a:off x="2280386" y="3956632"/>
             <a:ext cx="1223784" cy="1134406"/>
           </a:xfrm>
           <a:prstGeom prst="ellipse">
@@ -3438,7 +3444,7 @@
         </p:nvSpPr>
         <p:spPr>
           <a:xfrm>
-            <a:off x="2986849" y="1374426"/>
+            <a:off x="3256089" y="2278666"/>
             <a:ext cx="773459" cy="825023"/>
           </a:xfrm>
           <a:prstGeom prst="flowChartConnector">
@@ -3487,7 +3493,7 @@
         </p:nvSpPr>
         <p:spPr>
           <a:xfrm>
-            <a:off x="5564472" y="1219735"/>
+            <a:off x="5833712" y="2123975"/>
             <a:ext cx="1196282" cy="1134406"/>
           </a:xfrm>
           <a:prstGeom prst="flowChartConnector">
@@ -3536,12 +3542,18 @@
         </p:nvSpPr>
         <p:spPr>
           <a:xfrm>
-            <a:off x="5564472" y="2485189"/>
+            <a:off x="5833712" y="3389429"/>
             <a:ext cx="1196282" cy="1134406"/>
           </a:xfrm>
           <a:prstGeom prst="flowChartConnector">
             <a:avLst/>
           </a:prstGeom>
+          <a:solidFill>
+            <a:schemeClr val="accent6">
+              <a:lumMod val="60000"/>
+              <a:lumOff val="40000"/>
+            </a:schemeClr>
+          </a:solidFill>
         </p:spPr>
         <p:style>
           <a:lnRef idx="2">
@@ -3571,12 +3583,896 @@
           </a:p>
         </p:txBody>
       </p:sp>
+      <p:sp>
+        <p:nvSpPr>
+          <p:cNvPr id="4" name="Flowchart: Connector 3">
+            <a:extLst>
+              <a:ext uri="{FF2B5EF4-FFF2-40B4-BE49-F238E27FC236}">
+                <a16:creationId xmlns:a16="http://schemas.microsoft.com/office/drawing/2014/main" id="{65740EC3-4A52-287D-E0CF-EDF61766324C}"/>
+              </a:ext>
+            </a:extLst>
+          </p:cNvPr>
+          <p:cNvSpPr/>
+          <p:nvPr/>
+        </p:nvSpPr>
+        <p:spPr>
+          <a:xfrm>
+            <a:off x="4029548" y="4807056"/>
+            <a:ext cx="1196282" cy="1134406"/>
+          </a:xfrm>
+          <a:prstGeom prst="flowChartConnector">
+            <a:avLst/>
+          </a:prstGeom>
+        </p:spPr>
+        <p:style>
+          <a:lnRef idx="2">
+            <a:schemeClr val="accent2">
+              <a:shade val="15000"/>
+            </a:schemeClr>
+          </a:lnRef>
+          <a:fillRef idx="1">
+            <a:schemeClr val="accent2"/>
+          </a:fillRef>
+          <a:effectRef idx="0">
+            <a:schemeClr val="accent2"/>
+          </a:effectRef>
+          <a:fontRef idx="minor">
+            <a:schemeClr val="lt1"/>
+          </a:fontRef>
+        </p:style>
+        <p:txBody>
+          <a:bodyPr rtlCol="0" anchor="ctr"/>
+          <a:lstStyle/>
+          <a:p>
+            <a:pPr algn="ctr"/>
+            <a:r>
+              <a:rPr lang="en-US" sz="1600" dirty="0"/>
+              <a:t>Service </a:t>
+            </a:r>
+          </a:p>
+        </p:txBody>
+      </p:sp>
+      <p:sp>
+        <p:nvSpPr>
+          <p:cNvPr id="10" name="Flowchart: Connector 9">
+            <a:extLst>
+              <a:ext uri="{FF2B5EF4-FFF2-40B4-BE49-F238E27FC236}">
+                <a16:creationId xmlns:a16="http://schemas.microsoft.com/office/drawing/2014/main" id="{608CE41C-2FB8-21CA-2264-711C3EF43E77}"/>
+              </a:ext>
+            </a:extLst>
+          </p:cNvPr>
+          <p:cNvSpPr/>
+          <p:nvPr/>
+        </p:nvSpPr>
+        <p:spPr>
+          <a:xfrm>
+            <a:off x="4493622" y="4342982"/>
+            <a:ext cx="268133" cy="288757"/>
+          </a:xfrm>
+          <a:prstGeom prst="flowChartConnector">
+            <a:avLst/>
+          </a:prstGeom>
+          <a:solidFill>
+            <a:schemeClr val="accent2"/>
+          </a:solidFill>
+        </p:spPr>
+        <p:style>
+          <a:lnRef idx="2">
+            <a:schemeClr val="accent1">
+              <a:shade val="15000"/>
+            </a:schemeClr>
+          </a:lnRef>
+          <a:fillRef idx="1">
+            <a:schemeClr val="accent1"/>
+          </a:fillRef>
+          <a:effectRef idx="0">
+            <a:schemeClr val="accent1"/>
+          </a:effectRef>
+          <a:fontRef idx="minor">
+            <a:schemeClr val="lt1"/>
+          </a:fontRef>
+        </p:style>
+        <p:txBody>
+          <a:bodyPr rtlCol="0" anchor="ctr"/>
+          <a:lstStyle/>
+          <a:p>
+            <a:pPr algn="ctr"/>
+            <a:endParaRPr lang="en-US"/>
+          </a:p>
+        </p:txBody>
+      </p:sp>
+      <p:cxnSp>
+        <p:nvCxnSpPr>
+          <p:cNvPr id="12" name="Straight Connector 11">
+            <a:extLst>
+              <a:ext uri="{FF2B5EF4-FFF2-40B4-BE49-F238E27FC236}">
+                <a16:creationId xmlns:a16="http://schemas.microsoft.com/office/drawing/2014/main" id="{9128A815-CD7C-4342-D0F5-602A25BA6EA0}"/>
+              </a:ext>
+            </a:extLst>
+          </p:cNvPr>
+          <p:cNvCxnSpPr>
+            <a:cxnSpLocks/>
+            <a:endCxn id="4" idx="0"/>
+          </p:cNvCxnSpPr>
+          <p:nvPr/>
+        </p:nvCxnSpPr>
+        <p:spPr>
+          <a:xfrm>
+            <a:off x="4627688" y="4631739"/>
+            <a:ext cx="1" cy="175317"/>
+          </a:xfrm>
+          <a:prstGeom prst="line">
+            <a:avLst/>
+          </a:prstGeom>
+        </p:spPr>
+        <p:style>
+          <a:lnRef idx="2">
+            <a:schemeClr val="accent1"/>
+          </a:lnRef>
+          <a:fillRef idx="0">
+            <a:schemeClr val="accent1"/>
+          </a:fillRef>
+          <a:effectRef idx="1">
+            <a:schemeClr val="accent1"/>
+          </a:effectRef>
+          <a:fontRef idx="minor">
+            <a:schemeClr val="tx1"/>
+          </a:fontRef>
+        </p:style>
+      </p:cxnSp>
+      <p:cxnSp>
+        <p:nvCxnSpPr>
+          <p:cNvPr id="16" name="Straight Arrow Connector 15">
+            <a:extLst>
+              <a:ext uri="{FF2B5EF4-FFF2-40B4-BE49-F238E27FC236}">
+                <a16:creationId xmlns:a16="http://schemas.microsoft.com/office/drawing/2014/main" id="{AC6ECD2E-5205-21AF-3DCA-9E60A6F3C52D}"/>
+              </a:ext>
+            </a:extLst>
+          </p:cNvPr>
+          <p:cNvCxnSpPr>
+            <a:cxnSpLocks/>
+            <a:stCxn id="10" idx="2"/>
+            <a:endCxn id="5" idx="6"/>
+          </p:cNvCxnSpPr>
+          <p:nvPr/>
+        </p:nvCxnSpPr>
+        <p:spPr>
+          <a:xfrm flipH="1">
+            <a:off x="3504170" y="4487361"/>
+            <a:ext cx="989452" cy="36474"/>
+          </a:xfrm>
+          <a:prstGeom prst="straightConnector1">
+            <a:avLst/>
+          </a:prstGeom>
+          <a:ln>
+            <a:tailEnd type="triangle"/>
+          </a:ln>
+        </p:spPr>
+        <p:style>
+          <a:lnRef idx="2">
+            <a:schemeClr val="accent1"/>
+          </a:lnRef>
+          <a:fillRef idx="0">
+            <a:schemeClr val="accent1"/>
+          </a:fillRef>
+          <a:effectRef idx="1">
+            <a:schemeClr val="accent1"/>
+          </a:effectRef>
+          <a:fontRef idx="minor">
+            <a:schemeClr val="tx1"/>
+          </a:fontRef>
+        </p:style>
+      </p:cxnSp>
+      <p:cxnSp>
+        <p:nvCxnSpPr>
+          <p:cNvPr id="18" name="Straight Arrow Connector 17">
+            <a:extLst>
+              <a:ext uri="{FF2B5EF4-FFF2-40B4-BE49-F238E27FC236}">
+                <a16:creationId xmlns:a16="http://schemas.microsoft.com/office/drawing/2014/main" id="{F339B734-0745-C2D0-01E9-4C9161B30F1F}"/>
+              </a:ext>
+            </a:extLst>
+          </p:cNvPr>
+          <p:cNvCxnSpPr>
+            <a:stCxn id="6" idx="6"/>
+            <a:endCxn id="7" idx="2"/>
+          </p:cNvCxnSpPr>
+          <p:nvPr/>
+        </p:nvCxnSpPr>
+        <p:spPr>
+          <a:xfrm>
+            <a:off x="4029548" y="2691178"/>
+            <a:ext cx="1804164" cy="0"/>
+          </a:xfrm>
+          <a:prstGeom prst="straightConnector1">
+            <a:avLst/>
+          </a:prstGeom>
+          <a:ln>
+            <a:headEnd type="triangle"/>
+            <a:tailEnd type="triangle"/>
+          </a:ln>
+        </p:spPr>
+        <p:style>
+          <a:lnRef idx="2">
+            <a:schemeClr val="accent1"/>
+          </a:lnRef>
+          <a:fillRef idx="0">
+            <a:schemeClr val="accent1"/>
+          </a:fillRef>
+          <a:effectRef idx="1">
+            <a:schemeClr val="accent1"/>
+          </a:effectRef>
+          <a:fontRef idx="minor">
+            <a:schemeClr val="tx1"/>
+          </a:fontRef>
+        </p:style>
+      </p:cxnSp>
+      <p:cxnSp>
+        <p:nvCxnSpPr>
+          <p:cNvPr id="20" name="Straight Arrow Connector 19">
+            <a:extLst>
+              <a:ext uri="{FF2B5EF4-FFF2-40B4-BE49-F238E27FC236}">
+                <a16:creationId xmlns:a16="http://schemas.microsoft.com/office/drawing/2014/main" id="{802C092D-AEDB-A5FC-8F11-A463874C936A}"/>
+              </a:ext>
+            </a:extLst>
+          </p:cNvPr>
+          <p:cNvCxnSpPr>
+            <a:cxnSpLocks/>
+            <a:stCxn id="6" idx="5"/>
+            <a:endCxn id="10" idx="1"/>
+          </p:cNvCxnSpPr>
+          <p:nvPr/>
+        </p:nvCxnSpPr>
+        <p:spPr>
+          <a:xfrm>
+            <a:off x="3916278" y="2982867"/>
+            <a:ext cx="616611" cy="1402402"/>
+          </a:xfrm>
+          <a:prstGeom prst="straightConnector1">
+            <a:avLst/>
+          </a:prstGeom>
+          <a:ln>
+            <a:headEnd type="triangle"/>
+            <a:tailEnd type="triangle"/>
+          </a:ln>
+        </p:spPr>
+        <p:style>
+          <a:lnRef idx="2">
+            <a:schemeClr val="accent1"/>
+          </a:lnRef>
+          <a:fillRef idx="0">
+            <a:schemeClr val="accent1"/>
+          </a:fillRef>
+          <a:effectRef idx="1">
+            <a:schemeClr val="accent1"/>
+          </a:effectRef>
+          <a:fontRef idx="minor">
+            <a:schemeClr val="tx1"/>
+          </a:fontRef>
+        </p:style>
+      </p:cxnSp>
+      <p:sp>
+        <p:nvSpPr>
+          <p:cNvPr id="24" name="Flowchart: Connector 23">
+            <a:extLst>
+              <a:ext uri="{FF2B5EF4-FFF2-40B4-BE49-F238E27FC236}">
+                <a16:creationId xmlns:a16="http://schemas.microsoft.com/office/drawing/2014/main" id="{7C2147B3-E070-B0E7-0702-6F1507F0D7EC}"/>
+              </a:ext>
+            </a:extLst>
+          </p:cNvPr>
+          <p:cNvSpPr/>
+          <p:nvPr/>
+        </p:nvSpPr>
+        <p:spPr>
+          <a:xfrm>
+            <a:off x="5986112" y="3541829"/>
+            <a:ext cx="1196282" cy="1134406"/>
+          </a:xfrm>
+          <a:prstGeom prst="flowChartConnector">
+            <a:avLst/>
+          </a:prstGeom>
+          <a:solidFill>
+            <a:schemeClr val="accent6">
+              <a:lumMod val="60000"/>
+              <a:lumOff val="40000"/>
+            </a:schemeClr>
+          </a:solidFill>
+        </p:spPr>
+        <p:style>
+          <a:lnRef idx="2">
+            <a:schemeClr val="accent2">
+              <a:shade val="15000"/>
+            </a:schemeClr>
+          </a:lnRef>
+          <a:fillRef idx="1">
+            <a:schemeClr val="accent2"/>
+          </a:fillRef>
+          <a:effectRef idx="0">
+            <a:schemeClr val="accent2"/>
+          </a:effectRef>
+          <a:fontRef idx="minor">
+            <a:schemeClr val="lt1"/>
+          </a:fontRef>
+        </p:style>
+        <p:txBody>
+          <a:bodyPr rtlCol="0" anchor="ctr"/>
+          <a:lstStyle/>
+          <a:p>
+            <a:pPr algn="ctr"/>
+            <a:r>
+              <a:rPr lang="en-US" sz="1600" dirty="0"/>
+              <a:t>LLM </a:t>
+            </a:r>
+          </a:p>
+        </p:txBody>
+      </p:sp>
+      <p:sp>
+        <p:nvSpPr>
+          <p:cNvPr id="25" name="Flowchart: Connector 24">
+            <a:extLst>
+              <a:ext uri="{FF2B5EF4-FFF2-40B4-BE49-F238E27FC236}">
+                <a16:creationId xmlns:a16="http://schemas.microsoft.com/office/drawing/2014/main" id="{561D299E-4498-D11F-FCE8-2181549A5D4A}"/>
+              </a:ext>
+            </a:extLst>
+          </p:cNvPr>
+          <p:cNvSpPr/>
+          <p:nvPr/>
+        </p:nvSpPr>
+        <p:spPr>
+          <a:xfrm>
+            <a:off x="6138512" y="3694229"/>
+            <a:ext cx="1196282" cy="1134406"/>
+          </a:xfrm>
+          <a:prstGeom prst="flowChartConnector">
+            <a:avLst/>
+          </a:prstGeom>
+          <a:solidFill>
+            <a:schemeClr val="accent6">
+              <a:lumMod val="60000"/>
+              <a:lumOff val="40000"/>
+            </a:schemeClr>
+          </a:solidFill>
+        </p:spPr>
+        <p:style>
+          <a:lnRef idx="2">
+            <a:schemeClr val="accent2">
+              <a:shade val="15000"/>
+            </a:schemeClr>
+          </a:lnRef>
+          <a:fillRef idx="1">
+            <a:schemeClr val="accent2"/>
+          </a:fillRef>
+          <a:effectRef idx="0">
+            <a:schemeClr val="accent2"/>
+          </a:effectRef>
+          <a:fontRef idx="minor">
+            <a:schemeClr val="lt1"/>
+          </a:fontRef>
+        </p:style>
+        <p:txBody>
+          <a:bodyPr rtlCol="0" anchor="ctr"/>
+          <a:lstStyle/>
+          <a:p>
+            <a:pPr algn="ctr"/>
+            <a:r>
+              <a:rPr lang="en-US" sz="1600" dirty="0"/>
+              <a:t>LLM </a:t>
+            </a:r>
+          </a:p>
+        </p:txBody>
+      </p:sp>
+      <p:sp>
+        <p:nvSpPr>
+          <p:cNvPr id="26" name="Title 25">
+            <a:extLst>
+              <a:ext uri="{FF2B5EF4-FFF2-40B4-BE49-F238E27FC236}">
+                <a16:creationId xmlns:a16="http://schemas.microsoft.com/office/drawing/2014/main" id="{37B2E8B5-2048-C69A-7E08-BABE8BCC8F84}"/>
+              </a:ext>
+            </a:extLst>
+          </p:cNvPr>
+          <p:cNvSpPr>
+            <a:spLocks noGrp="1"/>
+          </p:cNvSpPr>
+          <p:nvPr>
+            <p:ph type="title"/>
+          </p:nvPr>
+        </p:nvSpPr>
+        <p:spPr/>
+        <p:txBody>
+          <a:bodyPr/>
+          <a:lstStyle/>
+          <a:p>
+            <a:r>
+              <a:rPr lang="en-US" dirty="0"/>
+              <a:t>Demo Architecture</a:t>
+            </a:r>
+          </a:p>
+        </p:txBody>
+      </p:sp>
+      <p:cxnSp>
+        <p:nvCxnSpPr>
+          <p:cNvPr id="27" name="Straight Arrow Connector 26">
+            <a:extLst>
+              <a:ext uri="{FF2B5EF4-FFF2-40B4-BE49-F238E27FC236}">
+                <a16:creationId xmlns:a16="http://schemas.microsoft.com/office/drawing/2014/main" id="{BD1BA78F-8189-91BF-EC65-61D762BAD9A1}"/>
+              </a:ext>
+            </a:extLst>
+          </p:cNvPr>
+          <p:cNvCxnSpPr>
+            <a:cxnSpLocks/>
+            <a:stCxn id="6" idx="6"/>
+            <a:endCxn id="9" idx="1"/>
+          </p:cNvCxnSpPr>
+          <p:nvPr/>
+        </p:nvCxnSpPr>
+        <p:spPr>
+          <a:xfrm>
+            <a:off x="4029548" y="2691178"/>
+            <a:ext cx="1979355" cy="864381"/>
+          </a:xfrm>
+          <a:prstGeom prst="straightConnector1">
+            <a:avLst/>
+          </a:prstGeom>
+          <a:ln>
+            <a:headEnd type="triangle"/>
+            <a:tailEnd type="triangle"/>
+          </a:ln>
+        </p:spPr>
+        <p:style>
+          <a:lnRef idx="2">
+            <a:schemeClr val="accent1"/>
+          </a:lnRef>
+          <a:fillRef idx="0">
+            <a:schemeClr val="accent1"/>
+          </a:fillRef>
+          <a:effectRef idx="1">
+            <a:schemeClr val="accent1"/>
+          </a:effectRef>
+          <a:fontRef idx="minor">
+            <a:schemeClr val="tx1"/>
+          </a:fontRef>
+        </p:style>
+      </p:cxnSp>
+      <p:sp>
+        <p:nvSpPr>
+          <p:cNvPr id="30" name="TextBox 29">
+            <a:extLst>
+              <a:ext uri="{FF2B5EF4-FFF2-40B4-BE49-F238E27FC236}">
+                <a16:creationId xmlns:a16="http://schemas.microsoft.com/office/drawing/2014/main" id="{D7280BAD-DE7F-9C53-0345-4B409203D7BD}"/>
+              </a:ext>
+            </a:extLst>
+          </p:cNvPr>
+          <p:cNvSpPr txBox="1"/>
+          <p:nvPr/>
+        </p:nvSpPr>
+        <p:spPr>
+          <a:xfrm>
+            <a:off x="8366760" y="492760"/>
+            <a:ext cx="3426650" cy="1200329"/>
+          </a:xfrm>
+          <a:prstGeom prst="rect">
+            <a:avLst/>
+          </a:prstGeom>
+          <a:noFill/>
+        </p:spPr>
+        <p:txBody>
+          <a:bodyPr wrap="square" rtlCol="0">
+            <a:spAutoFit/>
+          </a:bodyPr>
+          <a:lstStyle/>
+          <a:p>
+            <a:r>
+              <a:rPr lang="en-US" dirty="0" err="1"/>
+              <a:t>OpenAPI</a:t>
+            </a:r>
+            <a:endParaRPr lang="en-US" dirty="0"/>
+          </a:p>
+          <a:p>
+            <a:r>
+              <a:rPr lang="en-US" dirty="0"/>
+              <a:t>Semantic Kernel</a:t>
+            </a:r>
+          </a:p>
+          <a:p>
+            <a:r>
+              <a:rPr lang="en-US" dirty="0"/>
+              <a:t>Chat GPT</a:t>
+            </a:r>
+          </a:p>
+          <a:p>
+            <a:r>
+              <a:rPr lang="en-US" dirty="0"/>
+              <a:t>Copilot GPT</a:t>
+            </a:r>
+          </a:p>
+        </p:txBody>
+      </p:sp>
+      <p:sp>
+        <p:nvSpPr>
+          <p:cNvPr id="31" name="Flowchart: Connector 30">
+            <a:extLst>
+              <a:ext uri="{FF2B5EF4-FFF2-40B4-BE49-F238E27FC236}">
+                <a16:creationId xmlns:a16="http://schemas.microsoft.com/office/drawing/2014/main" id="{F01D0EA4-0051-399D-7E42-B7B4CD9CF432}"/>
+              </a:ext>
+            </a:extLst>
+          </p:cNvPr>
+          <p:cNvSpPr/>
+          <p:nvPr/>
+        </p:nvSpPr>
+        <p:spPr>
+          <a:xfrm>
+            <a:off x="4781101" y="4351003"/>
+            <a:ext cx="268133" cy="288757"/>
+          </a:xfrm>
+          <a:prstGeom prst="flowChartConnector">
+            <a:avLst/>
+          </a:prstGeom>
+          <a:solidFill>
+            <a:schemeClr val="accent2">
+              <a:lumMod val="60000"/>
+              <a:lumOff val="40000"/>
+            </a:schemeClr>
+          </a:solidFill>
+        </p:spPr>
+        <p:style>
+          <a:lnRef idx="2">
+            <a:schemeClr val="accent1">
+              <a:shade val="15000"/>
+            </a:schemeClr>
+          </a:lnRef>
+          <a:fillRef idx="1">
+            <a:schemeClr val="accent1"/>
+          </a:fillRef>
+          <a:effectRef idx="0">
+            <a:schemeClr val="accent1"/>
+          </a:effectRef>
+          <a:fontRef idx="minor">
+            <a:schemeClr val="lt1"/>
+          </a:fontRef>
+        </p:style>
+        <p:txBody>
+          <a:bodyPr rtlCol="0" anchor="ctr"/>
+          <a:lstStyle/>
+          <a:p>
+            <a:pPr algn="ctr"/>
+            <a:endParaRPr lang="en-US"/>
+          </a:p>
+        </p:txBody>
+      </p:sp>
+      <p:cxnSp>
+        <p:nvCxnSpPr>
+          <p:cNvPr id="32" name="Straight Arrow Connector 31">
+            <a:extLst>
+              <a:ext uri="{FF2B5EF4-FFF2-40B4-BE49-F238E27FC236}">
+                <a16:creationId xmlns:a16="http://schemas.microsoft.com/office/drawing/2014/main" id="{AE0D0D00-42C9-4955-16C2-F0FD724DE75B}"/>
+              </a:ext>
+            </a:extLst>
+          </p:cNvPr>
+          <p:cNvCxnSpPr>
+            <a:cxnSpLocks/>
+            <a:stCxn id="6" idx="5"/>
+            <a:endCxn id="31" idx="0"/>
+          </p:cNvCxnSpPr>
+          <p:nvPr/>
+        </p:nvCxnSpPr>
+        <p:spPr>
+          <a:xfrm>
+            <a:off x="3916278" y="2982867"/>
+            <a:ext cx="998890" cy="1368136"/>
+          </a:xfrm>
+          <a:prstGeom prst="straightConnector1">
+            <a:avLst/>
+          </a:prstGeom>
+          <a:ln>
+            <a:headEnd type="triangle"/>
+            <a:tailEnd type="triangle"/>
+          </a:ln>
+        </p:spPr>
+        <p:style>
+          <a:lnRef idx="2">
+            <a:schemeClr val="accent1"/>
+          </a:lnRef>
+          <a:fillRef idx="0">
+            <a:schemeClr val="accent1"/>
+          </a:fillRef>
+          <a:effectRef idx="1">
+            <a:schemeClr val="accent1"/>
+          </a:effectRef>
+          <a:fontRef idx="minor">
+            <a:schemeClr val="tx1"/>
+          </a:fontRef>
+        </p:style>
+      </p:cxnSp>
+      <p:sp>
+        <p:nvSpPr>
+          <p:cNvPr id="36" name="TextBox 35">
+            <a:extLst>
+              <a:ext uri="{FF2B5EF4-FFF2-40B4-BE49-F238E27FC236}">
+                <a16:creationId xmlns:a16="http://schemas.microsoft.com/office/drawing/2014/main" id="{B0F7B519-F416-399B-D122-16B1BBB59AE9}"/>
+              </a:ext>
+            </a:extLst>
+          </p:cNvPr>
+          <p:cNvSpPr txBox="1"/>
+          <p:nvPr/>
+        </p:nvSpPr>
+        <p:spPr>
+          <a:xfrm>
+            <a:off x="5000734" y="4249948"/>
+            <a:ext cx="859531" cy="415498"/>
+          </a:xfrm>
+          <a:prstGeom prst="rect">
+            <a:avLst/>
+          </a:prstGeom>
+          <a:noFill/>
+        </p:spPr>
+        <p:txBody>
+          <a:bodyPr wrap="none" rtlCol="0">
+            <a:spAutoFit/>
+          </a:bodyPr>
+          <a:lstStyle/>
+          <a:p>
+            <a:r>
+              <a:rPr lang="en-US" sz="1050" dirty="0" err="1"/>
+              <a:t>OpenAPI</a:t>
+            </a:r>
+            <a:endParaRPr lang="en-US" sz="1050" dirty="0"/>
+          </a:p>
+          <a:p>
+            <a:r>
+              <a:rPr lang="en-US" sz="1050" dirty="0"/>
+              <a:t>Description</a:t>
+            </a:r>
+          </a:p>
+        </p:txBody>
+      </p:sp>
+    </p:spTree>
+    <p:extLst>
+      <p:ext uri="{BB962C8B-B14F-4D97-AF65-F5344CB8AC3E}">
+        <p14:creationId xmlns:p14="http://schemas.microsoft.com/office/powerpoint/2010/main" val="2821312262"/>
+      </p:ext>
+    </p:extLst>
+  </p:cSld>
+  <p:clrMapOvr>
+    <a:masterClrMapping/>
+  </p:clrMapOvr>
+</p:sld>
+</file>
+
+<file path=ppt/slides/slide2.xml><?xml version="1.0" encoding="utf-8"?>
+<p:sld xmlns:a="http://schemas.openxmlformats.org/drawingml/2006/main" xmlns:r="http://schemas.openxmlformats.org/officeDocument/2006/relationships" xmlns:p="http://schemas.openxmlformats.org/presentationml/2006/main">
+  <p:cSld>
+    <p:spTree>
+      <p:nvGrpSpPr>
+        <p:cNvPr id="1" name="">
+          <a:extLst>
+            <a:ext uri="{FF2B5EF4-FFF2-40B4-BE49-F238E27FC236}">
+              <a16:creationId xmlns:a16="http://schemas.microsoft.com/office/drawing/2014/main" id="{8FCAAE7E-4F3A-3A2C-F751-1811D44F5FD3}"/>
+            </a:ext>
+          </a:extLst>
+        </p:cNvPr>
+        <p:cNvGrpSpPr/>
+        <p:nvPr/>
+      </p:nvGrpSpPr>
+      <p:grpSpPr>
+        <a:xfrm>
+          <a:off x="0" y="0"/>
+          <a:ext cx="0" cy="0"/>
+          <a:chOff x="0" y="0"/>
+          <a:chExt cx="0" cy="0"/>
+        </a:xfrm>
+      </p:grpSpPr>
+      <p:sp>
+        <p:nvSpPr>
+          <p:cNvPr id="8" name="Flowchart: Connector 7">
+            <a:extLst>
+              <a:ext uri="{FF2B5EF4-FFF2-40B4-BE49-F238E27FC236}">
+                <a16:creationId xmlns:a16="http://schemas.microsoft.com/office/drawing/2014/main" id="{279E0C81-6286-82C7-48A1-AA555C76711D}"/>
+              </a:ext>
+            </a:extLst>
+          </p:cNvPr>
+          <p:cNvSpPr/>
+          <p:nvPr/>
+        </p:nvSpPr>
+        <p:spPr>
+          <a:xfrm>
+            <a:off x="1084104" y="1935634"/>
+            <a:ext cx="1196282" cy="1134406"/>
+          </a:xfrm>
+          <a:prstGeom prst="flowChartConnector">
+            <a:avLst/>
+          </a:prstGeom>
+        </p:spPr>
+        <p:style>
+          <a:lnRef idx="2">
+            <a:schemeClr val="accent4">
+              <a:shade val="15000"/>
+            </a:schemeClr>
+          </a:lnRef>
+          <a:fillRef idx="1">
+            <a:schemeClr val="accent4"/>
+          </a:fillRef>
+          <a:effectRef idx="0">
+            <a:schemeClr val="accent4"/>
+          </a:effectRef>
+          <a:fontRef idx="minor">
+            <a:schemeClr val="lt1"/>
+          </a:fontRef>
+        </p:style>
+        <p:txBody>
+          <a:bodyPr rtlCol="0" anchor="ctr"/>
+          <a:lstStyle/>
+          <a:p>
+            <a:pPr algn="ctr"/>
+            <a:r>
+              <a:rPr lang="en-US" dirty="0"/>
+              <a:t>Smart Client</a:t>
+            </a:r>
+          </a:p>
+        </p:txBody>
+      </p:sp>
+      <p:sp>
+        <p:nvSpPr>
+          <p:cNvPr id="5" name="Oval 4">
+            <a:extLst>
+              <a:ext uri="{FF2B5EF4-FFF2-40B4-BE49-F238E27FC236}">
+                <a16:creationId xmlns:a16="http://schemas.microsoft.com/office/drawing/2014/main" id="{898B606B-EBAA-7C2C-90E3-4E2AB4C6CC50}"/>
+              </a:ext>
+            </a:extLst>
+          </p:cNvPr>
+          <p:cNvSpPr/>
+          <p:nvPr/>
+        </p:nvSpPr>
+        <p:spPr>
+          <a:xfrm>
+            <a:off x="2280386" y="3956632"/>
+            <a:ext cx="1223784" cy="1134406"/>
+          </a:xfrm>
+          <a:prstGeom prst="ellipse">
+            <a:avLst/>
+          </a:prstGeom>
+          <a:solidFill>
+            <a:schemeClr val="bg1">
+              <a:lumMod val="75000"/>
+            </a:schemeClr>
+          </a:solidFill>
+        </p:spPr>
+        <p:style>
+          <a:lnRef idx="2">
+            <a:schemeClr val="accent4">
+              <a:shade val="15000"/>
+            </a:schemeClr>
+          </a:lnRef>
+          <a:fillRef idx="1">
+            <a:schemeClr val="accent4"/>
+          </a:fillRef>
+          <a:effectRef idx="0">
+            <a:schemeClr val="accent4"/>
+          </a:effectRef>
+          <a:fontRef idx="minor">
+            <a:schemeClr val="lt1"/>
+          </a:fontRef>
+        </p:style>
+        <p:txBody>
+          <a:bodyPr rtlCol="0" anchor="ctr"/>
+          <a:lstStyle/>
+          <a:p>
+            <a:pPr algn="ctr"/>
+            <a:r>
+              <a:rPr lang="en-US" dirty="0"/>
+              <a:t>Visual Client</a:t>
+            </a:r>
+          </a:p>
+        </p:txBody>
+      </p:sp>
+      <p:sp>
+        <p:nvSpPr>
+          <p:cNvPr id="7" name="Flowchart: Connector 6">
+            <a:extLst>
+              <a:ext uri="{FF2B5EF4-FFF2-40B4-BE49-F238E27FC236}">
+                <a16:creationId xmlns:a16="http://schemas.microsoft.com/office/drawing/2014/main" id="{78A0A5CF-3ABF-55FB-6E83-AA58E0B5BABC}"/>
+              </a:ext>
+            </a:extLst>
+          </p:cNvPr>
+          <p:cNvSpPr/>
+          <p:nvPr/>
+        </p:nvSpPr>
+        <p:spPr>
+          <a:xfrm>
+            <a:off x="5833712" y="2123975"/>
+            <a:ext cx="1196282" cy="1134406"/>
+          </a:xfrm>
+          <a:prstGeom prst="flowChartConnector">
+            <a:avLst/>
+          </a:prstGeom>
+        </p:spPr>
+        <p:style>
+          <a:lnRef idx="2">
+            <a:schemeClr val="accent6">
+              <a:shade val="15000"/>
+            </a:schemeClr>
+          </a:lnRef>
+          <a:fillRef idx="1">
+            <a:schemeClr val="accent6"/>
+          </a:fillRef>
+          <a:effectRef idx="0">
+            <a:schemeClr val="accent6"/>
+          </a:effectRef>
+          <a:fontRef idx="minor">
+            <a:schemeClr val="lt1"/>
+          </a:fontRef>
+        </p:style>
+        <p:txBody>
+          <a:bodyPr rtlCol="0" anchor="ctr"/>
+          <a:lstStyle/>
+          <a:p>
+            <a:pPr algn="ctr"/>
+            <a:r>
+              <a:rPr lang="en-US" sz="1200" dirty="0"/>
+              <a:t>Azure Semantic Kernel</a:t>
+            </a:r>
+          </a:p>
+        </p:txBody>
+      </p:sp>
+      <p:sp>
+        <p:nvSpPr>
+          <p:cNvPr id="9" name="Flowchart: Connector 8">
+            <a:extLst>
+              <a:ext uri="{FF2B5EF4-FFF2-40B4-BE49-F238E27FC236}">
+                <a16:creationId xmlns:a16="http://schemas.microsoft.com/office/drawing/2014/main" id="{5C81687D-9073-850F-2709-FCC2BF2ECA82}"/>
+              </a:ext>
+            </a:extLst>
+          </p:cNvPr>
+          <p:cNvSpPr/>
+          <p:nvPr/>
+        </p:nvSpPr>
+        <p:spPr>
+          <a:xfrm>
+            <a:off x="5833712" y="3389429"/>
+            <a:ext cx="1196282" cy="1134406"/>
+          </a:xfrm>
+          <a:prstGeom prst="flowChartConnector">
+            <a:avLst/>
+          </a:prstGeom>
+          <a:solidFill>
+            <a:schemeClr val="accent6">
+              <a:lumMod val="60000"/>
+              <a:lumOff val="40000"/>
+            </a:schemeClr>
+          </a:solidFill>
+        </p:spPr>
+        <p:style>
+          <a:lnRef idx="2">
+            <a:schemeClr val="accent2">
+              <a:shade val="15000"/>
+            </a:schemeClr>
+          </a:lnRef>
+          <a:fillRef idx="1">
+            <a:schemeClr val="accent2"/>
+          </a:fillRef>
+          <a:effectRef idx="0">
+            <a:schemeClr val="accent2"/>
+          </a:effectRef>
+          <a:fontRef idx="minor">
+            <a:schemeClr val="lt1"/>
+          </a:fontRef>
+        </p:style>
+        <p:txBody>
+          <a:bodyPr rtlCol="0" anchor="ctr"/>
+          <a:lstStyle/>
+          <a:p>
+            <a:pPr algn="ctr"/>
+            <a:r>
+              <a:rPr lang="en-US" sz="1600" dirty="0"/>
+              <a:t>LLM </a:t>
+            </a:r>
+          </a:p>
+        </p:txBody>
+      </p:sp>
       <p:grpSp>
         <p:nvGrpSpPr>
           <p:cNvPr id="14" name="Group 13">
             <a:extLst>
               <a:ext uri="{FF2B5EF4-FFF2-40B4-BE49-F238E27FC236}">
-                <a16:creationId xmlns:a16="http://schemas.microsoft.com/office/drawing/2014/main" id="{3D6D7B9A-4E94-46C2-9F7B-20C0CD57957E}"/>
+                <a16:creationId xmlns:a16="http://schemas.microsoft.com/office/drawing/2014/main" id="{0C4C34EC-5CE6-8A56-7D79-26D29AFD4700}"/>
               </a:ext>
             </a:extLst>
           </p:cNvPr>
@@ -3585,7 +4481,7 @@
         </p:nvGrpSpPr>
         <p:grpSpPr>
           <a:xfrm>
-            <a:off x="3760308" y="3438742"/>
+            <a:off x="4029548" y="4342982"/>
             <a:ext cx="1196282" cy="1598480"/>
             <a:chOff x="4183552" y="1914742"/>
             <a:chExt cx="1196282" cy="1598480"/>
@@ -3596,7 +4492,7 @@
             <p:cNvPr id="4" name="Flowchart: Connector 3">
               <a:extLst>
                 <a:ext uri="{FF2B5EF4-FFF2-40B4-BE49-F238E27FC236}">
-                  <a16:creationId xmlns:a16="http://schemas.microsoft.com/office/drawing/2014/main" id="{65740EC3-4A52-287D-E0CF-EDF61766324C}"/>
+                  <a16:creationId xmlns:a16="http://schemas.microsoft.com/office/drawing/2014/main" id="{87BFD776-C2AA-7801-870D-86FFD58C7A5D}"/>
                 </a:ext>
               </a:extLst>
             </p:cNvPr>
@@ -3645,7 +4541,7 @@
             <p:cNvPr id="10" name="Flowchart: Connector 9">
               <a:extLst>
                 <a:ext uri="{FF2B5EF4-FFF2-40B4-BE49-F238E27FC236}">
-                  <a16:creationId xmlns:a16="http://schemas.microsoft.com/office/drawing/2014/main" id="{608CE41C-2FB8-21CA-2264-711C3EF43E77}"/>
+                  <a16:creationId xmlns:a16="http://schemas.microsoft.com/office/drawing/2014/main" id="{57197154-C17C-5C80-6471-4BD0888FEDD6}"/>
                 </a:ext>
               </a:extLst>
             </p:cNvPr>
@@ -3694,7 +4590,7 @@
             <p:cNvPr id="12" name="Straight Connector 11">
               <a:extLst>
                 <a:ext uri="{FF2B5EF4-FFF2-40B4-BE49-F238E27FC236}">
-                  <a16:creationId xmlns:a16="http://schemas.microsoft.com/office/drawing/2014/main" id="{9128A815-CD7C-4342-D0F5-602A25BA6EA0}"/>
+                  <a16:creationId xmlns:a16="http://schemas.microsoft.com/office/drawing/2014/main" id="{B68BB54A-2E82-BF9B-064F-973A8A9AE79F}"/>
                 </a:ext>
               </a:extLst>
             </p:cNvPr>
@@ -3734,7 +4630,7 @@
           <p:cNvPr id="16" name="Straight Arrow Connector 15">
             <a:extLst>
               <a:ext uri="{FF2B5EF4-FFF2-40B4-BE49-F238E27FC236}">
-                <a16:creationId xmlns:a16="http://schemas.microsoft.com/office/drawing/2014/main" id="{AC6ECD2E-5205-21AF-3DCA-9E60A6F3C52D}"/>
+                <a16:creationId xmlns:a16="http://schemas.microsoft.com/office/drawing/2014/main" id="{62FC4131-07A6-C1BE-5131-FAB11A28CD47}"/>
               </a:ext>
             </a:extLst>
           </p:cNvPr>
@@ -3747,7 +4643,7 @@
         </p:nvCxnSpPr>
         <p:spPr>
           <a:xfrm flipH="1">
-            <a:off x="3234930" y="3583121"/>
+            <a:off x="3504170" y="4487361"/>
             <a:ext cx="989452" cy="36474"/>
           </a:xfrm>
           <a:prstGeom prst="straightConnector1">
@@ -3777,7 +4673,7 @@
           <p:cNvPr id="18" name="Straight Arrow Connector 17">
             <a:extLst>
               <a:ext uri="{FF2B5EF4-FFF2-40B4-BE49-F238E27FC236}">
-                <a16:creationId xmlns:a16="http://schemas.microsoft.com/office/drawing/2014/main" id="{F339B734-0745-C2D0-01E9-4C9161B30F1F}"/>
+                <a16:creationId xmlns:a16="http://schemas.microsoft.com/office/drawing/2014/main" id="{7A272AC1-E538-F097-ADF3-689869BCAB9E}"/>
               </a:ext>
             </a:extLst>
           </p:cNvPr>
@@ -3788,9 +4684,9 @@
           <p:nvPr/>
         </p:nvCxnSpPr>
         <p:spPr>
-          <a:xfrm>
-            <a:off x="3760308" y="1786938"/>
-            <a:ext cx="1804164" cy="0"/>
+          <a:xfrm flipV="1">
+            <a:off x="5535214" y="2691178"/>
+            <a:ext cx="298498" cy="87378"/>
           </a:xfrm>
           <a:prstGeom prst="straightConnector1">
             <a:avLst/>
@@ -3820,21 +4716,21 @@
           <p:cNvPr id="20" name="Straight Arrow Connector 19">
             <a:extLst>
               <a:ext uri="{FF2B5EF4-FFF2-40B4-BE49-F238E27FC236}">
-                <a16:creationId xmlns:a16="http://schemas.microsoft.com/office/drawing/2014/main" id="{802C092D-AEDB-A5FC-8F11-A463874C936A}"/>
+                <a16:creationId xmlns:a16="http://schemas.microsoft.com/office/drawing/2014/main" id="{0B5478C4-6E64-E41A-164D-0EB84A857AA2}"/>
               </a:ext>
             </a:extLst>
           </p:cNvPr>
           <p:cNvCxnSpPr>
             <a:cxnSpLocks/>
-            <a:stCxn id="6" idx="5"/>
-            <a:endCxn id="10" idx="1"/>
+            <a:stCxn id="6" idx="4"/>
+            <a:endCxn id="10" idx="0"/>
           </p:cNvCxnSpPr>
           <p:nvPr/>
         </p:nvCxnSpPr>
         <p:spPr>
-          <a:xfrm>
-            <a:off x="3647038" y="2078627"/>
-            <a:ext cx="616611" cy="1402402"/>
+          <a:xfrm flipH="1">
+            <a:off x="4627689" y="3191067"/>
+            <a:ext cx="520796" cy="1151915"/>
           </a:xfrm>
           <a:prstGeom prst="straightConnector1">
             <a:avLst/>
@@ -3864,7 +4760,7 @@
           <p:cNvPr id="24" name="Flowchart: Connector 23">
             <a:extLst>
               <a:ext uri="{FF2B5EF4-FFF2-40B4-BE49-F238E27FC236}">
-                <a16:creationId xmlns:a16="http://schemas.microsoft.com/office/drawing/2014/main" id="{7C2147B3-E070-B0E7-0702-6F1507F0D7EC}"/>
+                <a16:creationId xmlns:a16="http://schemas.microsoft.com/office/drawing/2014/main" id="{494259E6-9C17-F8B9-7893-0C84B82E3BA3}"/>
               </a:ext>
             </a:extLst>
           </p:cNvPr>
@@ -3873,12 +4769,18 @@
         </p:nvSpPr>
         <p:spPr>
           <a:xfrm>
-            <a:off x="5716872" y="2637589"/>
+            <a:off x="5986112" y="3541829"/>
             <a:ext cx="1196282" cy="1134406"/>
           </a:xfrm>
           <a:prstGeom prst="flowChartConnector">
             <a:avLst/>
           </a:prstGeom>
+          <a:solidFill>
+            <a:schemeClr val="accent6">
+              <a:lumMod val="60000"/>
+              <a:lumOff val="40000"/>
+            </a:schemeClr>
+          </a:solidFill>
         </p:spPr>
         <p:style>
           <a:lnRef idx="2">
@@ -3913,7 +4815,7 @@
           <p:cNvPr id="25" name="Flowchart: Connector 24">
             <a:extLst>
               <a:ext uri="{FF2B5EF4-FFF2-40B4-BE49-F238E27FC236}">
-                <a16:creationId xmlns:a16="http://schemas.microsoft.com/office/drawing/2014/main" id="{561D299E-4498-D11F-FCE8-2181549A5D4A}"/>
+                <a16:creationId xmlns:a16="http://schemas.microsoft.com/office/drawing/2014/main" id="{F9C8D887-6EF9-F268-7C78-C688A51538AE}"/>
               </a:ext>
             </a:extLst>
           </p:cNvPr>
@@ -3922,12 +4824,18 @@
         </p:nvSpPr>
         <p:spPr>
           <a:xfrm>
-            <a:off x="5869272" y="2789989"/>
+            <a:off x="6138512" y="3694229"/>
             <a:ext cx="1196282" cy="1134406"/>
           </a:xfrm>
           <a:prstGeom prst="flowChartConnector">
             <a:avLst/>
           </a:prstGeom>
+          <a:solidFill>
+            <a:schemeClr val="accent6">
+              <a:lumMod val="60000"/>
+              <a:lumOff val="40000"/>
+            </a:schemeClr>
+          </a:solidFill>
         </p:spPr>
         <p:style>
           <a:lnRef idx="2">
@@ -3957,10 +4865,280 @@
           </a:p>
         </p:txBody>
       </p:sp>
+      <p:sp>
+        <p:nvSpPr>
+          <p:cNvPr id="26" name="Title 25">
+            <a:extLst>
+              <a:ext uri="{FF2B5EF4-FFF2-40B4-BE49-F238E27FC236}">
+                <a16:creationId xmlns:a16="http://schemas.microsoft.com/office/drawing/2014/main" id="{033B8EC4-4F1A-E1E7-33EF-E6B3D3B5F25E}"/>
+              </a:ext>
+            </a:extLst>
+          </p:cNvPr>
+          <p:cNvSpPr>
+            <a:spLocks noGrp="1"/>
+          </p:cNvSpPr>
+          <p:nvPr>
+            <p:ph type="title"/>
+          </p:nvPr>
+        </p:nvSpPr>
+        <p:spPr/>
+        <p:txBody>
+          <a:bodyPr/>
+          <a:lstStyle/>
+          <a:p>
+            <a:r>
+              <a:rPr lang="en-US" dirty="0"/>
+              <a:t>A Better Architecture</a:t>
+            </a:r>
+          </a:p>
+        </p:txBody>
+      </p:sp>
+      <p:sp>
+        <p:nvSpPr>
+          <p:cNvPr id="11" name="Oval 10">
+            <a:extLst>
+              <a:ext uri="{FF2B5EF4-FFF2-40B4-BE49-F238E27FC236}">
+                <a16:creationId xmlns:a16="http://schemas.microsoft.com/office/drawing/2014/main" id="{7073BB61-EC92-7F4D-F679-E3C004C5C1C4}"/>
+              </a:ext>
+            </a:extLst>
+          </p:cNvPr>
+          <p:cNvSpPr/>
+          <p:nvPr/>
+        </p:nvSpPr>
+        <p:spPr>
+          <a:xfrm>
+            <a:off x="3767593" y="1919859"/>
+            <a:ext cx="1223784" cy="1134406"/>
+          </a:xfrm>
+          <a:prstGeom prst="ellipse">
+            <a:avLst/>
+          </a:prstGeom>
+          <a:solidFill>
+            <a:schemeClr val="accent2"/>
+          </a:solidFill>
+        </p:spPr>
+        <p:style>
+          <a:lnRef idx="2">
+            <a:schemeClr val="accent4">
+              <a:shade val="15000"/>
+            </a:schemeClr>
+          </a:lnRef>
+          <a:fillRef idx="1">
+            <a:schemeClr val="accent4"/>
+          </a:fillRef>
+          <a:effectRef idx="0">
+            <a:schemeClr val="accent4"/>
+          </a:effectRef>
+          <a:fontRef idx="minor">
+            <a:schemeClr val="lt1"/>
+          </a:fontRef>
+        </p:style>
+        <p:txBody>
+          <a:bodyPr rtlCol="0" anchor="ctr"/>
+          <a:lstStyle/>
+          <a:p>
+            <a:pPr algn="ctr"/>
+            <a:r>
+              <a:rPr lang="en-US" sz="1600" dirty="0"/>
+              <a:t>Smart Service</a:t>
+            </a:r>
+          </a:p>
+        </p:txBody>
+      </p:sp>
+      <p:sp>
+        <p:nvSpPr>
+          <p:cNvPr id="6" name="Flowchart: Connector 5">
+            <a:extLst>
+              <a:ext uri="{FF2B5EF4-FFF2-40B4-BE49-F238E27FC236}">
+                <a16:creationId xmlns:a16="http://schemas.microsoft.com/office/drawing/2014/main" id="{7D081192-6007-AE4E-507E-B5C60CF667A4}"/>
+              </a:ext>
+            </a:extLst>
+          </p:cNvPr>
+          <p:cNvSpPr/>
+          <p:nvPr/>
+        </p:nvSpPr>
+        <p:spPr>
+          <a:xfrm>
+            <a:off x="4761755" y="2366044"/>
+            <a:ext cx="773459" cy="825023"/>
+          </a:xfrm>
+          <a:prstGeom prst="flowChartConnector">
+            <a:avLst/>
+          </a:prstGeom>
+        </p:spPr>
+        <p:style>
+          <a:lnRef idx="2">
+            <a:schemeClr val="accent1">
+              <a:shade val="15000"/>
+            </a:schemeClr>
+          </a:lnRef>
+          <a:fillRef idx="1">
+            <a:schemeClr val="accent1"/>
+          </a:fillRef>
+          <a:effectRef idx="0">
+            <a:schemeClr val="accent1"/>
+          </a:effectRef>
+          <a:fontRef idx="minor">
+            <a:schemeClr val="lt1"/>
+          </a:fontRef>
+        </p:style>
+        <p:txBody>
+          <a:bodyPr rtlCol="0" anchor="ctr"/>
+          <a:lstStyle/>
+          <a:p>
+            <a:pPr algn="ctr"/>
+            <a:r>
+              <a:rPr lang="en-US" sz="1050" dirty="0"/>
+              <a:t>Plugin</a:t>
+            </a:r>
+          </a:p>
+        </p:txBody>
+      </p:sp>
+      <p:cxnSp>
+        <p:nvCxnSpPr>
+          <p:cNvPr id="21" name="Straight Arrow Connector 20">
+            <a:extLst>
+              <a:ext uri="{FF2B5EF4-FFF2-40B4-BE49-F238E27FC236}">
+                <a16:creationId xmlns:a16="http://schemas.microsoft.com/office/drawing/2014/main" id="{BBA7DA60-4976-9E24-6C3D-AE6B52360B1A}"/>
+              </a:ext>
+            </a:extLst>
+          </p:cNvPr>
+          <p:cNvCxnSpPr>
+            <a:cxnSpLocks/>
+            <a:stCxn id="6" idx="5"/>
+            <a:endCxn id="9" idx="1"/>
+          </p:cNvCxnSpPr>
+          <p:nvPr/>
+        </p:nvCxnSpPr>
+        <p:spPr>
+          <a:xfrm>
+            <a:off x="5421944" y="3070245"/>
+            <a:ext cx="586959" cy="485314"/>
+          </a:xfrm>
+          <a:prstGeom prst="straightConnector1">
+            <a:avLst/>
+          </a:prstGeom>
+          <a:ln>
+            <a:headEnd type="triangle"/>
+            <a:tailEnd type="triangle"/>
+          </a:ln>
+        </p:spPr>
+        <p:style>
+          <a:lnRef idx="2">
+            <a:schemeClr val="accent1"/>
+          </a:lnRef>
+          <a:fillRef idx="0">
+            <a:schemeClr val="accent1"/>
+          </a:fillRef>
+          <a:effectRef idx="1">
+            <a:schemeClr val="accent1"/>
+          </a:effectRef>
+          <a:fontRef idx="minor">
+            <a:schemeClr val="tx1"/>
+          </a:fontRef>
+        </p:style>
+      </p:cxnSp>
+      <p:cxnSp>
+        <p:nvCxnSpPr>
+          <p:cNvPr id="27" name="Straight Arrow Connector 26">
+            <a:extLst>
+              <a:ext uri="{FF2B5EF4-FFF2-40B4-BE49-F238E27FC236}">
+                <a16:creationId xmlns:a16="http://schemas.microsoft.com/office/drawing/2014/main" id="{648B1616-4651-B6C8-6F2C-6784853686C4}"/>
+              </a:ext>
+            </a:extLst>
+          </p:cNvPr>
+          <p:cNvCxnSpPr>
+            <a:cxnSpLocks/>
+            <a:stCxn id="8" idx="6"/>
+            <a:endCxn id="11" idx="2"/>
+          </p:cNvCxnSpPr>
+          <p:nvPr/>
+        </p:nvCxnSpPr>
+        <p:spPr>
+          <a:xfrm flipV="1">
+            <a:off x="2280386" y="2487062"/>
+            <a:ext cx="1487207" cy="15775"/>
+          </a:xfrm>
+          <a:prstGeom prst="straightConnector1">
+            <a:avLst/>
+          </a:prstGeom>
+          <a:ln>
+            <a:headEnd type="triangle"/>
+            <a:tailEnd type="triangle"/>
+          </a:ln>
+        </p:spPr>
+        <p:style>
+          <a:lnRef idx="2">
+            <a:schemeClr val="accent1"/>
+          </a:lnRef>
+          <a:fillRef idx="0">
+            <a:schemeClr val="accent1"/>
+          </a:fillRef>
+          <a:effectRef idx="1">
+            <a:schemeClr val="accent1"/>
+          </a:effectRef>
+          <a:fontRef idx="minor">
+            <a:schemeClr val="tx1"/>
+          </a:fontRef>
+        </p:style>
+      </p:cxnSp>
+      <p:sp>
+        <p:nvSpPr>
+          <p:cNvPr id="2" name="Speech Bubble: Rectangle with Corners Rounded 1">
+            <a:extLst>
+              <a:ext uri="{FF2B5EF4-FFF2-40B4-BE49-F238E27FC236}">
+                <a16:creationId xmlns:a16="http://schemas.microsoft.com/office/drawing/2014/main" id="{00602240-7FDF-FEB1-0C1A-01E78786B588}"/>
+              </a:ext>
+            </a:extLst>
+          </p:cNvPr>
+          <p:cNvSpPr/>
+          <p:nvPr/>
+        </p:nvSpPr>
+        <p:spPr>
+          <a:xfrm>
+            <a:off x="4216115" y="1480568"/>
+            <a:ext cx="1409564" cy="385437"/>
+          </a:xfrm>
+          <a:prstGeom prst="wedgeRoundRectCallout">
+            <a:avLst>
+              <a:gd name="adj1" fmla="val -20833"/>
+              <a:gd name="adj2" fmla="val 92299"/>
+              <a:gd name="adj3" fmla="val 16667"/>
+            </a:avLst>
+          </a:prstGeom>
+        </p:spPr>
+        <p:style>
+          <a:lnRef idx="2">
+            <a:schemeClr val="accent4">
+              <a:shade val="15000"/>
+            </a:schemeClr>
+          </a:lnRef>
+          <a:fillRef idx="1">
+            <a:schemeClr val="accent4"/>
+          </a:fillRef>
+          <a:effectRef idx="0">
+            <a:schemeClr val="accent4"/>
+          </a:effectRef>
+          <a:fontRef idx="minor">
+            <a:schemeClr val="lt1"/>
+          </a:fontRef>
+        </p:style>
+        <p:txBody>
+          <a:bodyPr rtlCol="0" anchor="ctr"/>
+          <a:lstStyle/>
+          <a:p>
+            <a:pPr algn="ctr"/>
+            <a:r>
+              <a:rPr lang="en-US" sz="800" dirty="0"/>
+              <a:t>Handles authentication, secure Keys…</a:t>
+            </a:r>
+          </a:p>
+        </p:txBody>
+      </p:sp>
     </p:spTree>
     <p:extLst>
       <p:ext uri="{BB962C8B-B14F-4D97-AF65-F5344CB8AC3E}">
-        <p14:creationId xmlns:p14="http://schemas.microsoft.com/office/powerpoint/2010/main" val="2821312262"/>
+        <p14:creationId xmlns:p14="http://schemas.microsoft.com/office/powerpoint/2010/main" val="3438194066"/>
       </p:ext>
     </p:extLst>
   </p:cSld>

--- a/AI Friendly APIs.pptx
+++ b/AI Friendly APIs.pptx
@@ -6,7 +6,8 @@
   </p:sldMasterIdLst>
   <p:sldIdLst>
     <p:sldId id="256" r:id="rId2"/>
-    <p:sldId id="257" r:id="rId3"/>
+    <p:sldId id="258" r:id="rId3"/>
+    <p:sldId id="257" r:id="rId4"/>
   </p:sldIdLst>
   <p:sldSz cx="12192000" cy="6858000"/>
   <p:notesSz cx="6858000" cy="9144000"/>
@@ -260,7 +261,7 @@
           <a:p>
             <a:fld id="{9564C4B6-AF8B-47D1-A3BA-C9921D51DAF6}" type="datetimeFigureOut">
               <a:rPr lang="en-US" smtClean="0"/>
-              <a:t>2/1/2025</a:t>
+              <a:t>2/6/2025</a:t>
             </a:fld>
             <a:endParaRPr lang="en-US"/>
           </a:p>
@@ -458,7 +459,7 @@
           <a:p>
             <a:fld id="{9564C4B6-AF8B-47D1-A3BA-C9921D51DAF6}" type="datetimeFigureOut">
               <a:rPr lang="en-US" smtClean="0"/>
-              <a:t>2/1/2025</a:t>
+              <a:t>2/6/2025</a:t>
             </a:fld>
             <a:endParaRPr lang="en-US"/>
           </a:p>
@@ -666,7 +667,7 @@
           <a:p>
             <a:fld id="{9564C4B6-AF8B-47D1-A3BA-C9921D51DAF6}" type="datetimeFigureOut">
               <a:rPr lang="en-US" smtClean="0"/>
-              <a:t>2/1/2025</a:t>
+              <a:t>2/6/2025</a:t>
             </a:fld>
             <a:endParaRPr lang="en-US"/>
           </a:p>
@@ -864,7 +865,7 @@
           <a:p>
             <a:fld id="{9564C4B6-AF8B-47D1-A3BA-C9921D51DAF6}" type="datetimeFigureOut">
               <a:rPr lang="en-US" smtClean="0"/>
-              <a:t>2/1/2025</a:t>
+              <a:t>2/6/2025</a:t>
             </a:fld>
             <a:endParaRPr lang="en-US"/>
           </a:p>
@@ -1139,7 +1140,7 @@
           <a:p>
             <a:fld id="{9564C4B6-AF8B-47D1-A3BA-C9921D51DAF6}" type="datetimeFigureOut">
               <a:rPr lang="en-US" smtClean="0"/>
-              <a:t>2/1/2025</a:t>
+              <a:t>2/6/2025</a:t>
             </a:fld>
             <a:endParaRPr lang="en-US"/>
           </a:p>
@@ -1404,7 +1405,7 @@
           <a:p>
             <a:fld id="{9564C4B6-AF8B-47D1-A3BA-C9921D51DAF6}" type="datetimeFigureOut">
               <a:rPr lang="en-US" smtClean="0"/>
-              <a:t>2/1/2025</a:t>
+              <a:t>2/6/2025</a:t>
             </a:fld>
             <a:endParaRPr lang="en-US"/>
           </a:p>
@@ -1816,7 +1817,7 @@
           <a:p>
             <a:fld id="{9564C4B6-AF8B-47D1-A3BA-C9921D51DAF6}" type="datetimeFigureOut">
               <a:rPr lang="en-US" smtClean="0"/>
-              <a:t>2/1/2025</a:t>
+              <a:t>2/6/2025</a:t>
             </a:fld>
             <a:endParaRPr lang="en-US"/>
           </a:p>
@@ -1957,7 +1958,7 @@
           <a:p>
             <a:fld id="{9564C4B6-AF8B-47D1-A3BA-C9921D51DAF6}" type="datetimeFigureOut">
               <a:rPr lang="en-US" smtClean="0"/>
-              <a:t>2/1/2025</a:t>
+              <a:t>2/6/2025</a:t>
             </a:fld>
             <a:endParaRPr lang="en-US"/>
           </a:p>
@@ -2070,7 +2071,7 @@
           <a:p>
             <a:fld id="{9564C4B6-AF8B-47D1-A3BA-C9921D51DAF6}" type="datetimeFigureOut">
               <a:rPr lang="en-US" smtClean="0"/>
-              <a:t>2/1/2025</a:t>
+              <a:t>2/6/2025</a:t>
             </a:fld>
             <a:endParaRPr lang="en-US"/>
           </a:p>
@@ -2381,7 +2382,7 @@
           <a:p>
             <a:fld id="{9564C4B6-AF8B-47D1-A3BA-C9921D51DAF6}" type="datetimeFigureOut">
               <a:rPr lang="en-US" smtClean="0"/>
-              <a:t>2/1/2025</a:t>
+              <a:t>2/6/2025</a:t>
             </a:fld>
             <a:endParaRPr lang="en-US"/>
           </a:p>
@@ -2669,7 +2670,7 @@
           <a:p>
             <a:fld id="{9564C4B6-AF8B-47D1-A3BA-C9921D51DAF6}" type="datetimeFigureOut">
               <a:rPr lang="en-US" smtClean="0"/>
-              <a:t>2/1/2025</a:t>
+              <a:t>2/6/2025</a:t>
             </a:fld>
             <a:endParaRPr lang="en-US"/>
           </a:p>
@@ -2910,7 +2911,7 @@
           <a:p>
             <a:fld id="{9564C4B6-AF8B-47D1-A3BA-C9921D51DAF6}" type="datetimeFigureOut">
               <a:rPr lang="en-US" smtClean="0"/>
-              <a:t>2/1/2025</a:t>
+              <a:t>2/6/2025</a:t>
             </a:fld>
             <a:endParaRPr lang="en-US"/>
           </a:p>
@@ -3493,8 +3494,8 @@
         </p:nvSpPr>
         <p:spPr>
           <a:xfrm>
-            <a:off x="5833712" y="2123975"/>
-            <a:ext cx="1196282" cy="1134406"/>
+            <a:off x="1461448" y="1981012"/>
+            <a:ext cx="873171" cy="870360"/>
           </a:xfrm>
           <a:prstGeom prst="flowChartConnector">
             <a:avLst/>
@@ -3522,7 +3523,7 @@
           <a:p>
             <a:pPr algn="ctr"/>
             <a:r>
-              <a:rPr lang="en-US" sz="1200" dirty="0"/>
+              <a:rPr lang="en-US" sz="800" dirty="0"/>
               <a:t>Azure Semantic Kernel</a:t>
             </a:r>
           </a:p>
@@ -3765,29 +3766,1178 @@
       </p:cxnSp>
       <p:cxnSp>
         <p:nvCxnSpPr>
-          <p:cNvPr id="18" name="Straight Arrow Connector 17">
-            <a:extLst>
-              <a:ext uri="{FF2B5EF4-FFF2-40B4-BE49-F238E27FC236}">
-                <a16:creationId xmlns:a16="http://schemas.microsoft.com/office/drawing/2014/main" id="{F339B734-0745-C2D0-01E9-4C9161B30F1F}"/>
+          <p:cNvPr id="20" name="Straight Arrow Connector 19">
+            <a:extLst>
+              <a:ext uri="{FF2B5EF4-FFF2-40B4-BE49-F238E27FC236}">
+                <a16:creationId xmlns:a16="http://schemas.microsoft.com/office/drawing/2014/main" id="{802C092D-AEDB-A5FC-8F11-A463874C936A}"/>
               </a:ext>
             </a:extLst>
           </p:cNvPr>
           <p:cNvCxnSpPr>
-            <a:stCxn id="6" idx="6"/>
-            <a:endCxn id="7" idx="2"/>
+            <a:cxnSpLocks/>
+            <a:stCxn id="6" idx="5"/>
+            <a:endCxn id="10" idx="1"/>
           </p:cNvCxnSpPr>
           <p:nvPr/>
         </p:nvCxnSpPr>
         <p:spPr>
           <a:xfrm>
-            <a:off x="4029548" y="2691178"/>
-            <a:ext cx="1804164" cy="0"/>
+            <a:off x="3916278" y="2982867"/>
+            <a:ext cx="616611" cy="1402402"/>
           </a:xfrm>
           <a:prstGeom prst="straightConnector1">
             <a:avLst/>
           </a:prstGeom>
           <a:ln>
             <a:headEnd type="triangle"/>
+            <a:tailEnd type="triangle"/>
+          </a:ln>
+        </p:spPr>
+        <p:style>
+          <a:lnRef idx="2">
+            <a:schemeClr val="accent1"/>
+          </a:lnRef>
+          <a:fillRef idx="0">
+            <a:schemeClr val="accent1"/>
+          </a:fillRef>
+          <a:effectRef idx="1">
+            <a:schemeClr val="accent1"/>
+          </a:effectRef>
+          <a:fontRef idx="minor">
+            <a:schemeClr val="tx1"/>
+          </a:fontRef>
+        </p:style>
+      </p:cxnSp>
+      <p:sp>
+        <p:nvSpPr>
+          <p:cNvPr id="24" name="Flowchart: Connector 23">
+            <a:extLst>
+              <a:ext uri="{FF2B5EF4-FFF2-40B4-BE49-F238E27FC236}">
+                <a16:creationId xmlns:a16="http://schemas.microsoft.com/office/drawing/2014/main" id="{7C2147B3-E070-B0E7-0702-6F1507F0D7EC}"/>
+              </a:ext>
+            </a:extLst>
+          </p:cNvPr>
+          <p:cNvSpPr/>
+          <p:nvPr/>
+        </p:nvSpPr>
+        <p:spPr>
+          <a:xfrm>
+            <a:off x="5986112" y="3541829"/>
+            <a:ext cx="1196282" cy="1134406"/>
+          </a:xfrm>
+          <a:prstGeom prst="flowChartConnector">
+            <a:avLst/>
+          </a:prstGeom>
+          <a:solidFill>
+            <a:schemeClr val="accent6">
+              <a:lumMod val="60000"/>
+              <a:lumOff val="40000"/>
+            </a:schemeClr>
+          </a:solidFill>
+        </p:spPr>
+        <p:style>
+          <a:lnRef idx="2">
+            <a:schemeClr val="accent2">
+              <a:shade val="15000"/>
+            </a:schemeClr>
+          </a:lnRef>
+          <a:fillRef idx="1">
+            <a:schemeClr val="accent2"/>
+          </a:fillRef>
+          <a:effectRef idx="0">
+            <a:schemeClr val="accent2"/>
+          </a:effectRef>
+          <a:fontRef idx="minor">
+            <a:schemeClr val="lt1"/>
+          </a:fontRef>
+        </p:style>
+        <p:txBody>
+          <a:bodyPr rtlCol="0" anchor="ctr"/>
+          <a:lstStyle/>
+          <a:p>
+            <a:pPr algn="ctr"/>
+            <a:r>
+              <a:rPr lang="en-US" sz="1600" dirty="0"/>
+              <a:t>LLM </a:t>
+            </a:r>
+          </a:p>
+        </p:txBody>
+      </p:sp>
+      <p:sp>
+        <p:nvSpPr>
+          <p:cNvPr id="25" name="Flowchart: Connector 24">
+            <a:extLst>
+              <a:ext uri="{FF2B5EF4-FFF2-40B4-BE49-F238E27FC236}">
+                <a16:creationId xmlns:a16="http://schemas.microsoft.com/office/drawing/2014/main" id="{561D299E-4498-D11F-FCE8-2181549A5D4A}"/>
+              </a:ext>
+            </a:extLst>
+          </p:cNvPr>
+          <p:cNvSpPr/>
+          <p:nvPr/>
+        </p:nvSpPr>
+        <p:spPr>
+          <a:xfrm>
+            <a:off x="6138512" y="3694229"/>
+            <a:ext cx="1196282" cy="1134406"/>
+          </a:xfrm>
+          <a:prstGeom prst="flowChartConnector">
+            <a:avLst/>
+          </a:prstGeom>
+          <a:solidFill>
+            <a:schemeClr val="accent6">
+              <a:lumMod val="60000"/>
+              <a:lumOff val="40000"/>
+            </a:schemeClr>
+          </a:solidFill>
+        </p:spPr>
+        <p:style>
+          <a:lnRef idx="2">
+            <a:schemeClr val="accent2">
+              <a:shade val="15000"/>
+            </a:schemeClr>
+          </a:lnRef>
+          <a:fillRef idx="1">
+            <a:schemeClr val="accent2"/>
+          </a:fillRef>
+          <a:effectRef idx="0">
+            <a:schemeClr val="accent2"/>
+          </a:effectRef>
+          <a:fontRef idx="minor">
+            <a:schemeClr val="lt1"/>
+          </a:fontRef>
+        </p:style>
+        <p:txBody>
+          <a:bodyPr rtlCol="0" anchor="ctr"/>
+          <a:lstStyle/>
+          <a:p>
+            <a:pPr algn="ctr"/>
+            <a:r>
+              <a:rPr lang="en-US" sz="1600" dirty="0"/>
+              <a:t>Azure</a:t>
+            </a:r>
+          </a:p>
+          <a:p>
+            <a:pPr algn="ctr"/>
+            <a:r>
+              <a:rPr lang="en-US" sz="1600" dirty="0"/>
+              <a:t>Google… </a:t>
+            </a:r>
+          </a:p>
+        </p:txBody>
+      </p:sp>
+      <p:sp>
+        <p:nvSpPr>
+          <p:cNvPr id="26" name="Title 25">
+            <a:extLst>
+              <a:ext uri="{FF2B5EF4-FFF2-40B4-BE49-F238E27FC236}">
+                <a16:creationId xmlns:a16="http://schemas.microsoft.com/office/drawing/2014/main" id="{37B2E8B5-2048-C69A-7E08-BABE8BCC8F84}"/>
+              </a:ext>
+            </a:extLst>
+          </p:cNvPr>
+          <p:cNvSpPr>
+            <a:spLocks noGrp="1"/>
+          </p:cNvSpPr>
+          <p:nvPr>
+            <p:ph type="title"/>
+          </p:nvPr>
+        </p:nvSpPr>
+        <p:spPr/>
+        <p:txBody>
+          <a:bodyPr/>
+          <a:lstStyle/>
+          <a:p>
+            <a:r>
+              <a:rPr lang="en-US" dirty="0"/>
+              <a:t>Demo Architecture</a:t>
+            </a:r>
+          </a:p>
+        </p:txBody>
+      </p:sp>
+      <p:cxnSp>
+        <p:nvCxnSpPr>
+          <p:cNvPr id="27" name="Straight Arrow Connector 26">
+            <a:extLst>
+              <a:ext uri="{FF2B5EF4-FFF2-40B4-BE49-F238E27FC236}">
+                <a16:creationId xmlns:a16="http://schemas.microsoft.com/office/drawing/2014/main" id="{BD1BA78F-8189-91BF-EC65-61D762BAD9A1}"/>
+              </a:ext>
+            </a:extLst>
+          </p:cNvPr>
+          <p:cNvCxnSpPr>
+            <a:cxnSpLocks/>
+            <a:stCxn id="6" idx="6"/>
+            <a:endCxn id="2" idx="2"/>
+          </p:cNvCxnSpPr>
+          <p:nvPr/>
+        </p:nvCxnSpPr>
+        <p:spPr>
+          <a:xfrm>
+            <a:off x="4029548" y="2691178"/>
+            <a:ext cx="1849821" cy="211202"/>
+          </a:xfrm>
+          <a:prstGeom prst="straightConnector1">
+            <a:avLst/>
+          </a:prstGeom>
+          <a:ln>
+            <a:headEnd type="triangle"/>
+            <a:tailEnd type="triangle"/>
+          </a:ln>
+        </p:spPr>
+        <p:style>
+          <a:lnRef idx="2">
+            <a:schemeClr val="accent1"/>
+          </a:lnRef>
+          <a:fillRef idx="0">
+            <a:schemeClr val="accent1"/>
+          </a:fillRef>
+          <a:effectRef idx="1">
+            <a:schemeClr val="accent1"/>
+          </a:effectRef>
+          <a:fontRef idx="minor">
+            <a:schemeClr val="tx1"/>
+          </a:fontRef>
+        </p:style>
+      </p:cxnSp>
+      <p:sp>
+        <p:nvSpPr>
+          <p:cNvPr id="30" name="TextBox 29">
+            <a:extLst>
+              <a:ext uri="{FF2B5EF4-FFF2-40B4-BE49-F238E27FC236}">
+                <a16:creationId xmlns:a16="http://schemas.microsoft.com/office/drawing/2014/main" id="{D7280BAD-DE7F-9C53-0345-4B409203D7BD}"/>
+              </a:ext>
+            </a:extLst>
+          </p:cNvPr>
+          <p:cNvSpPr txBox="1"/>
+          <p:nvPr/>
+        </p:nvSpPr>
+        <p:spPr>
+          <a:xfrm>
+            <a:off x="8366760" y="492760"/>
+            <a:ext cx="3426650" cy="1200329"/>
+          </a:xfrm>
+          <a:prstGeom prst="rect">
+            <a:avLst/>
+          </a:prstGeom>
+          <a:noFill/>
+        </p:spPr>
+        <p:txBody>
+          <a:bodyPr wrap="square" rtlCol="0">
+            <a:spAutoFit/>
+          </a:bodyPr>
+          <a:lstStyle/>
+          <a:p>
+            <a:r>
+              <a:rPr lang="en-US" dirty="0" err="1"/>
+              <a:t>OpenAPI</a:t>
+            </a:r>
+            <a:endParaRPr lang="en-US" dirty="0"/>
+          </a:p>
+          <a:p>
+            <a:r>
+              <a:rPr lang="en-US" dirty="0"/>
+              <a:t>Semantic Kernel</a:t>
+            </a:r>
+          </a:p>
+          <a:p>
+            <a:r>
+              <a:rPr lang="en-US" dirty="0"/>
+              <a:t>	OpenAI Connector</a:t>
+            </a:r>
+          </a:p>
+          <a:p>
+            <a:r>
+              <a:rPr lang="en-US" dirty="0"/>
+              <a:t>Copilot GPT</a:t>
+            </a:r>
+          </a:p>
+        </p:txBody>
+      </p:sp>
+      <p:sp>
+        <p:nvSpPr>
+          <p:cNvPr id="31" name="Flowchart: Connector 30">
+            <a:extLst>
+              <a:ext uri="{FF2B5EF4-FFF2-40B4-BE49-F238E27FC236}">
+                <a16:creationId xmlns:a16="http://schemas.microsoft.com/office/drawing/2014/main" id="{F01D0EA4-0051-399D-7E42-B7B4CD9CF432}"/>
+              </a:ext>
+            </a:extLst>
+          </p:cNvPr>
+          <p:cNvSpPr/>
+          <p:nvPr/>
+        </p:nvSpPr>
+        <p:spPr>
+          <a:xfrm>
+            <a:off x="4781101" y="4351003"/>
+            <a:ext cx="268133" cy="288757"/>
+          </a:xfrm>
+          <a:prstGeom prst="flowChartConnector">
+            <a:avLst/>
+          </a:prstGeom>
+          <a:solidFill>
+            <a:schemeClr val="accent2">
+              <a:lumMod val="60000"/>
+              <a:lumOff val="40000"/>
+            </a:schemeClr>
+          </a:solidFill>
+        </p:spPr>
+        <p:style>
+          <a:lnRef idx="2">
+            <a:schemeClr val="accent1">
+              <a:shade val="15000"/>
+            </a:schemeClr>
+          </a:lnRef>
+          <a:fillRef idx="1">
+            <a:schemeClr val="accent1"/>
+          </a:fillRef>
+          <a:effectRef idx="0">
+            <a:schemeClr val="accent1"/>
+          </a:effectRef>
+          <a:fontRef idx="minor">
+            <a:schemeClr val="lt1"/>
+          </a:fontRef>
+        </p:style>
+        <p:txBody>
+          <a:bodyPr rtlCol="0" anchor="ctr"/>
+          <a:lstStyle/>
+          <a:p>
+            <a:pPr algn="ctr"/>
+            <a:endParaRPr lang="en-US"/>
+          </a:p>
+        </p:txBody>
+      </p:sp>
+      <p:cxnSp>
+        <p:nvCxnSpPr>
+          <p:cNvPr id="32" name="Straight Arrow Connector 31">
+            <a:extLst>
+              <a:ext uri="{FF2B5EF4-FFF2-40B4-BE49-F238E27FC236}">
+                <a16:creationId xmlns:a16="http://schemas.microsoft.com/office/drawing/2014/main" id="{AE0D0D00-42C9-4955-16C2-F0FD724DE75B}"/>
+              </a:ext>
+            </a:extLst>
+          </p:cNvPr>
+          <p:cNvCxnSpPr>
+            <a:cxnSpLocks/>
+            <a:stCxn id="6" idx="5"/>
+            <a:endCxn id="31" idx="0"/>
+          </p:cNvCxnSpPr>
+          <p:nvPr/>
+        </p:nvCxnSpPr>
+        <p:spPr>
+          <a:xfrm>
+            <a:off x="3916278" y="2982867"/>
+            <a:ext cx="998890" cy="1368136"/>
+          </a:xfrm>
+          <a:prstGeom prst="straightConnector1">
+            <a:avLst/>
+          </a:prstGeom>
+          <a:ln>
+            <a:headEnd type="triangle"/>
+            <a:tailEnd type="triangle"/>
+          </a:ln>
+        </p:spPr>
+        <p:style>
+          <a:lnRef idx="2">
+            <a:schemeClr val="accent1"/>
+          </a:lnRef>
+          <a:fillRef idx="0">
+            <a:schemeClr val="accent1"/>
+          </a:fillRef>
+          <a:effectRef idx="1">
+            <a:schemeClr val="accent1"/>
+          </a:effectRef>
+          <a:fontRef idx="minor">
+            <a:schemeClr val="tx1"/>
+          </a:fontRef>
+        </p:style>
+      </p:cxnSp>
+      <p:sp>
+        <p:nvSpPr>
+          <p:cNvPr id="36" name="TextBox 35">
+            <a:extLst>
+              <a:ext uri="{FF2B5EF4-FFF2-40B4-BE49-F238E27FC236}">
+                <a16:creationId xmlns:a16="http://schemas.microsoft.com/office/drawing/2014/main" id="{B0F7B519-F416-399B-D122-16B1BBB59AE9}"/>
+              </a:ext>
+            </a:extLst>
+          </p:cNvPr>
+          <p:cNvSpPr txBox="1"/>
+          <p:nvPr/>
+        </p:nvSpPr>
+        <p:spPr>
+          <a:xfrm>
+            <a:off x="5000734" y="4249948"/>
+            <a:ext cx="859531" cy="415498"/>
+          </a:xfrm>
+          <a:prstGeom prst="rect">
+            <a:avLst/>
+          </a:prstGeom>
+          <a:noFill/>
+        </p:spPr>
+        <p:txBody>
+          <a:bodyPr wrap="none" rtlCol="0">
+            <a:spAutoFit/>
+          </a:bodyPr>
+          <a:lstStyle/>
+          <a:p>
+            <a:r>
+              <a:rPr lang="en-US" sz="1050" dirty="0" err="1"/>
+              <a:t>OpenAPI</a:t>
+            </a:r>
+            <a:endParaRPr lang="en-US" sz="1050" dirty="0"/>
+          </a:p>
+          <a:p>
+            <a:r>
+              <a:rPr lang="en-US" sz="1050" dirty="0"/>
+              <a:t>Description</a:t>
+            </a:r>
+          </a:p>
+        </p:txBody>
+      </p:sp>
+      <p:sp>
+        <p:nvSpPr>
+          <p:cNvPr id="2" name="Flowchart: Connector 1">
+            <a:extLst>
+              <a:ext uri="{FF2B5EF4-FFF2-40B4-BE49-F238E27FC236}">
+                <a16:creationId xmlns:a16="http://schemas.microsoft.com/office/drawing/2014/main" id="{A540A1A9-AFC8-942F-3996-5FD91067D749}"/>
+              </a:ext>
+            </a:extLst>
+          </p:cNvPr>
+          <p:cNvSpPr/>
+          <p:nvPr/>
+        </p:nvSpPr>
+        <p:spPr>
+          <a:xfrm>
+            <a:off x="5879369" y="2323508"/>
+            <a:ext cx="1227934" cy="1157743"/>
+          </a:xfrm>
+          <a:prstGeom prst="flowChartConnector">
+            <a:avLst/>
+          </a:prstGeom>
+          <a:solidFill>
+            <a:schemeClr val="accent6">
+              <a:lumMod val="60000"/>
+              <a:lumOff val="40000"/>
+            </a:schemeClr>
+          </a:solidFill>
+          <a:ln w="38100">
+            <a:solidFill>
+              <a:schemeClr val="tx2"/>
+            </a:solidFill>
+          </a:ln>
+        </p:spPr>
+        <p:style>
+          <a:lnRef idx="2">
+            <a:schemeClr val="accent2">
+              <a:shade val="15000"/>
+            </a:schemeClr>
+          </a:lnRef>
+          <a:fillRef idx="1">
+            <a:schemeClr val="accent2"/>
+          </a:fillRef>
+          <a:effectRef idx="0">
+            <a:schemeClr val="accent2"/>
+          </a:effectRef>
+          <a:fontRef idx="minor">
+            <a:schemeClr val="lt1"/>
+          </a:fontRef>
+        </p:style>
+        <p:txBody>
+          <a:bodyPr rtlCol="0" anchor="ctr"/>
+          <a:lstStyle/>
+          <a:p>
+            <a:pPr algn="ctr"/>
+            <a:r>
+              <a:rPr lang="en-US" sz="1600" b="1" dirty="0"/>
+              <a:t>OpenAI</a:t>
+            </a:r>
+            <a:r>
+              <a:rPr lang="en-US" sz="1600" dirty="0"/>
+              <a:t> </a:t>
+            </a:r>
+          </a:p>
+        </p:txBody>
+      </p:sp>
+      <p:sp>
+        <p:nvSpPr>
+          <p:cNvPr id="3" name="Speech Bubble: Rectangle with Corners Rounded 2">
+            <a:extLst>
+              <a:ext uri="{FF2B5EF4-FFF2-40B4-BE49-F238E27FC236}">
+                <a16:creationId xmlns:a16="http://schemas.microsoft.com/office/drawing/2014/main" id="{168AD1FF-FC7C-AB6F-4620-F9FB623681E1}"/>
+              </a:ext>
+            </a:extLst>
+          </p:cNvPr>
+          <p:cNvSpPr/>
+          <p:nvPr/>
+        </p:nvSpPr>
+        <p:spPr>
+          <a:xfrm>
+            <a:off x="2308821" y="1687492"/>
+            <a:ext cx="1409564" cy="385437"/>
+          </a:xfrm>
+          <a:prstGeom prst="wedgeRoundRectCallout">
+            <a:avLst>
+              <a:gd name="adj1" fmla="val -20833"/>
+              <a:gd name="adj2" fmla="val 92299"/>
+              <a:gd name="adj3" fmla="val 16667"/>
+            </a:avLst>
+          </a:prstGeom>
+        </p:spPr>
+        <p:style>
+          <a:lnRef idx="2">
+            <a:schemeClr val="accent4">
+              <a:shade val="15000"/>
+            </a:schemeClr>
+          </a:lnRef>
+          <a:fillRef idx="1">
+            <a:schemeClr val="accent4"/>
+          </a:fillRef>
+          <a:effectRef idx="0">
+            <a:schemeClr val="accent4"/>
+          </a:effectRef>
+          <a:fontRef idx="minor">
+            <a:schemeClr val="lt1"/>
+          </a:fontRef>
+        </p:style>
+        <p:txBody>
+          <a:bodyPr rtlCol="0" anchor="ctr"/>
+          <a:lstStyle/>
+          <a:p>
+            <a:pPr algn="ctr"/>
+            <a:r>
+              <a:rPr lang="en-US" sz="800" dirty="0"/>
+              <a:t>Cross Platform Client Android pixel</a:t>
+            </a:r>
+          </a:p>
+        </p:txBody>
+      </p:sp>
+      <p:sp>
+        <p:nvSpPr>
+          <p:cNvPr id="11" name="Speech Bubble: Rectangle with Corners Rounded 10">
+            <a:extLst>
+              <a:ext uri="{FF2B5EF4-FFF2-40B4-BE49-F238E27FC236}">
+                <a16:creationId xmlns:a16="http://schemas.microsoft.com/office/drawing/2014/main" id="{76EC2D1B-64F5-3316-EBFB-242AD9AFE6C2}"/>
+              </a:ext>
+            </a:extLst>
+          </p:cNvPr>
+          <p:cNvSpPr/>
+          <p:nvPr/>
+        </p:nvSpPr>
+        <p:spPr>
+          <a:xfrm>
+            <a:off x="2030624" y="3446952"/>
+            <a:ext cx="1695805" cy="560787"/>
+          </a:xfrm>
+          <a:prstGeom prst="wedgeRoundRectCallout">
+            <a:avLst>
+              <a:gd name="adj1" fmla="val -20833"/>
+              <a:gd name="adj2" fmla="val 92299"/>
+              <a:gd name="adj3" fmla="val 16667"/>
+            </a:avLst>
+          </a:prstGeom>
+          <a:solidFill>
+            <a:schemeClr val="bg1">
+              <a:lumMod val="75000"/>
+            </a:schemeClr>
+          </a:solidFill>
+        </p:spPr>
+        <p:style>
+          <a:lnRef idx="2">
+            <a:schemeClr val="accent4">
+              <a:shade val="15000"/>
+            </a:schemeClr>
+          </a:lnRef>
+          <a:fillRef idx="1">
+            <a:schemeClr val="accent4"/>
+          </a:fillRef>
+          <a:effectRef idx="0">
+            <a:schemeClr val="accent4"/>
+          </a:effectRef>
+          <a:fontRef idx="minor">
+            <a:schemeClr val="lt1"/>
+          </a:fontRef>
+        </p:style>
+        <p:txBody>
+          <a:bodyPr rtlCol="0" anchor="ctr"/>
+          <a:lstStyle/>
+          <a:p>
+            <a:pPr algn="ctr"/>
+            <a:r>
+              <a:rPr lang="en-US" sz="1050" dirty="0"/>
+              <a:t>Just</a:t>
+            </a:r>
+            <a:r>
+              <a:rPr lang="en-US" sz="1000" dirty="0"/>
+              <a:t> a visual helper to show the state </a:t>
+            </a:r>
+            <a:br>
+              <a:rPr lang="en-US" sz="1000" dirty="0"/>
+            </a:br>
+            <a:r>
+              <a:rPr lang="en-US" sz="1000" dirty="0"/>
+              <a:t>WPF APP</a:t>
+            </a:r>
+          </a:p>
+        </p:txBody>
+      </p:sp>
+      <p:sp>
+        <p:nvSpPr>
+          <p:cNvPr id="22" name="Flowchart: Connector 21">
+            <a:extLst>
+              <a:ext uri="{FF2B5EF4-FFF2-40B4-BE49-F238E27FC236}">
+                <a16:creationId xmlns:a16="http://schemas.microsoft.com/office/drawing/2014/main" id="{D31D4129-919F-78BF-21D4-FC1F2D8A75EA}"/>
+              </a:ext>
+            </a:extLst>
+          </p:cNvPr>
+          <p:cNvSpPr/>
+          <p:nvPr/>
+        </p:nvSpPr>
+        <p:spPr>
+          <a:xfrm>
+            <a:off x="1694267" y="2741396"/>
+            <a:ext cx="438442" cy="457946"/>
+          </a:xfrm>
+          <a:prstGeom prst="flowChartConnector">
+            <a:avLst/>
+          </a:prstGeom>
+          <a:solidFill>
+            <a:schemeClr val="accent6">
+              <a:lumMod val="60000"/>
+              <a:lumOff val="40000"/>
+            </a:schemeClr>
+          </a:solidFill>
+        </p:spPr>
+        <p:style>
+          <a:lnRef idx="2">
+            <a:schemeClr val="accent2">
+              <a:shade val="15000"/>
+            </a:schemeClr>
+          </a:lnRef>
+          <a:fillRef idx="1">
+            <a:schemeClr val="accent2"/>
+          </a:fillRef>
+          <a:effectRef idx="0">
+            <a:schemeClr val="accent2"/>
+          </a:effectRef>
+          <a:fontRef idx="minor">
+            <a:schemeClr val="lt1"/>
+          </a:fontRef>
+        </p:style>
+        <p:txBody>
+          <a:bodyPr rtlCol="0" anchor="ctr"/>
+          <a:lstStyle/>
+          <a:p>
+            <a:pPr algn="ctr"/>
+            <a:endParaRPr lang="en-US" sz="300" dirty="0"/>
+          </a:p>
+        </p:txBody>
+      </p:sp>
+      <p:sp>
+        <p:nvSpPr>
+          <p:cNvPr id="29" name="Speech Bubble: Rectangle with Corners Rounded 28">
+            <a:extLst>
+              <a:ext uri="{FF2B5EF4-FFF2-40B4-BE49-F238E27FC236}">
+                <a16:creationId xmlns:a16="http://schemas.microsoft.com/office/drawing/2014/main" id="{948F442B-8006-D3C5-DA81-45B4DFC3E4AA}"/>
+              </a:ext>
+            </a:extLst>
+          </p:cNvPr>
+          <p:cNvSpPr/>
+          <p:nvPr/>
+        </p:nvSpPr>
+        <p:spPr>
+          <a:xfrm>
+            <a:off x="363339" y="2584932"/>
+            <a:ext cx="994050" cy="673449"/>
+          </a:xfrm>
+          <a:prstGeom prst="wedgeRoundRectCallout">
+            <a:avLst>
+              <a:gd name="adj1" fmla="val 93264"/>
+              <a:gd name="adj2" fmla="val 14374"/>
+              <a:gd name="adj3" fmla="val 16667"/>
+            </a:avLst>
+          </a:prstGeom>
+          <a:solidFill>
+            <a:srgbClr val="92D050"/>
+          </a:solidFill>
+        </p:spPr>
+        <p:style>
+          <a:lnRef idx="2">
+            <a:schemeClr val="accent4">
+              <a:shade val="15000"/>
+            </a:schemeClr>
+          </a:lnRef>
+          <a:fillRef idx="1">
+            <a:schemeClr val="accent4"/>
+          </a:fillRef>
+          <a:effectRef idx="0">
+            <a:schemeClr val="accent4"/>
+          </a:effectRef>
+          <a:fontRef idx="minor">
+            <a:schemeClr val="lt1"/>
+          </a:fontRef>
+        </p:style>
+        <p:txBody>
+          <a:bodyPr rtlCol="0" anchor="ctr"/>
+          <a:lstStyle/>
+          <a:p>
+            <a:pPr algn="ctr"/>
+            <a:r>
+              <a:rPr lang="en-US" sz="1100" dirty="0"/>
+              <a:t>Connector to OpenAI</a:t>
+            </a:r>
+            <a:endParaRPr lang="en-US" sz="800" dirty="0"/>
+          </a:p>
+        </p:txBody>
+      </p:sp>
+    </p:spTree>
+    <p:extLst>
+      <p:ext uri="{BB962C8B-B14F-4D97-AF65-F5344CB8AC3E}">
+        <p14:creationId xmlns:p14="http://schemas.microsoft.com/office/powerpoint/2010/main" val="2821312262"/>
+      </p:ext>
+    </p:extLst>
+  </p:cSld>
+  <p:clrMapOvr>
+    <a:masterClrMapping/>
+  </p:clrMapOvr>
+</p:sld>
+</file>
+
+<file path=ppt/slides/slide2.xml><?xml version="1.0" encoding="utf-8"?>
+<p:sld xmlns:a="http://schemas.openxmlformats.org/drawingml/2006/main" xmlns:r="http://schemas.openxmlformats.org/officeDocument/2006/relationships" xmlns:p="http://schemas.openxmlformats.org/presentationml/2006/main">
+  <p:cSld>
+    <p:spTree>
+      <p:nvGrpSpPr>
+        <p:cNvPr id="1" name="">
+          <a:extLst>
+            <a:ext uri="{FF2B5EF4-FFF2-40B4-BE49-F238E27FC236}">
+              <a16:creationId xmlns:a16="http://schemas.microsoft.com/office/drawing/2014/main" id="{24E3B207-7093-925D-C21C-F48369AAF09A}"/>
+            </a:ext>
+          </a:extLst>
+        </p:cNvPr>
+        <p:cNvGrpSpPr/>
+        <p:nvPr/>
+      </p:nvGrpSpPr>
+      <p:grpSpPr>
+        <a:xfrm>
+          <a:off x="0" y="0"/>
+          <a:ext cx="0" cy="0"/>
+          <a:chOff x="0" y="0"/>
+          <a:chExt cx="0" cy="0"/>
+        </a:xfrm>
+      </p:grpSpPr>
+      <p:sp>
+        <p:nvSpPr>
+          <p:cNvPr id="8" name="Flowchart: Connector 7">
+            <a:extLst>
+              <a:ext uri="{FF2B5EF4-FFF2-40B4-BE49-F238E27FC236}">
+                <a16:creationId xmlns:a16="http://schemas.microsoft.com/office/drawing/2014/main" id="{9F4093E2-21A9-1365-0E7B-321ADFCEC12F}"/>
+              </a:ext>
+            </a:extLst>
+          </p:cNvPr>
+          <p:cNvSpPr/>
+          <p:nvPr/>
+        </p:nvSpPr>
+        <p:spPr>
+          <a:xfrm>
+            <a:off x="2280386" y="2123975"/>
+            <a:ext cx="1196282" cy="1134406"/>
+          </a:xfrm>
+          <a:prstGeom prst="flowChartConnector">
+            <a:avLst/>
+          </a:prstGeom>
+        </p:spPr>
+        <p:style>
+          <a:lnRef idx="2">
+            <a:schemeClr val="accent4">
+              <a:shade val="15000"/>
+            </a:schemeClr>
+          </a:lnRef>
+          <a:fillRef idx="1">
+            <a:schemeClr val="accent4"/>
+          </a:fillRef>
+          <a:effectRef idx="0">
+            <a:schemeClr val="accent4"/>
+          </a:effectRef>
+          <a:fontRef idx="minor">
+            <a:schemeClr val="lt1"/>
+          </a:fontRef>
+        </p:style>
+        <p:txBody>
+          <a:bodyPr rtlCol="0" anchor="ctr"/>
+          <a:lstStyle/>
+          <a:p>
+            <a:pPr algn="ctr"/>
+            <a:r>
+              <a:rPr lang="en-US" dirty="0"/>
+              <a:t>Smart Client</a:t>
+            </a:r>
+          </a:p>
+        </p:txBody>
+      </p:sp>
+      <p:sp>
+        <p:nvSpPr>
+          <p:cNvPr id="5" name="Oval 4">
+            <a:extLst>
+              <a:ext uri="{FF2B5EF4-FFF2-40B4-BE49-F238E27FC236}">
+                <a16:creationId xmlns:a16="http://schemas.microsoft.com/office/drawing/2014/main" id="{F605F3C4-5362-E307-81FE-C2635FC1F4AD}"/>
+              </a:ext>
+            </a:extLst>
+          </p:cNvPr>
+          <p:cNvSpPr/>
+          <p:nvPr/>
+        </p:nvSpPr>
+        <p:spPr>
+          <a:xfrm>
+            <a:off x="2280386" y="3956632"/>
+            <a:ext cx="1223784" cy="1134406"/>
+          </a:xfrm>
+          <a:prstGeom prst="ellipse">
+            <a:avLst/>
+          </a:prstGeom>
+          <a:solidFill>
+            <a:schemeClr val="bg1">
+              <a:lumMod val="75000"/>
+            </a:schemeClr>
+          </a:solidFill>
+        </p:spPr>
+        <p:style>
+          <a:lnRef idx="2">
+            <a:schemeClr val="accent4">
+              <a:shade val="15000"/>
+            </a:schemeClr>
+          </a:lnRef>
+          <a:fillRef idx="1">
+            <a:schemeClr val="accent4"/>
+          </a:fillRef>
+          <a:effectRef idx="0">
+            <a:schemeClr val="accent4"/>
+          </a:effectRef>
+          <a:fontRef idx="minor">
+            <a:schemeClr val="lt1"/>
+          </a:fontRef>
+        </p:style>
+        <p:txBody>
+          <a:bodyPr rtlCol="0" anchor="ctr"/>
+          <a:lstStyle/>
+          <a:p>
+            <a:pPr algn="ctr"/>
+            <a:r>
+              <a:rPr lang="en-US" dirty="0"/>
+              <a:t>Visual Client</a:t>
+            </a:r>
+          </a:p>
+        </p:txBody>
+      </p:sp>
+      <p:sp>
+        <p:nvSpPr>
+          <p:cNvPr id="6" name="Flowchart: Connector 5">
+            <a:extLst>
+              <a:ext uri="{FF2B5EF4-FFF2-40B4-BE49-F238E27FC236}">
+                <a16:creationId xmlns:a16="http://schemas.microsoft.com/office/drawing/2014/main" id="{CB9A5E7E-EF87-3E6D-F9E8-A5BA762179F0}"/>
+              </a:ext>
+            </a:extLst>
+          </p:cNvPr>
+          <p:cNvSpPr/>
+          <p:nvPr/>
+        </p:nvSpPr>
+        <p:spPr>
+          <a:xfrm>
+            <a:off x="3256089" y="2278666"/>
+            <a:ext cx="773459" cy="825023"/>
+          </a:xfrm>
+          <a:prstGeom prst="flowChartConnector">
+            <a:avLst/>
+          </a:prstGeom>
+        </p:spPr>
+        <p:style>
+          <a:lnRef idx="2">
+            <a:schemeClr val="accent1">
+              <a:shade val="15000"/>
+            </a:schemeClr>
+          </a:lnRef>
+          <a:fillRef idx="1">
+            <a:schemeClr val="accent1"/>
+          </a:fillRef>
+          <a:effectRef idx="0">
+            <a:schemeClr val="accent1"/>
+          </a:effectRef>
+          <a:fontRef idx="minor">
+            <a:schemeClr val="lt1"/>
+          </a:fontRef>
+        </p:style>
+        <p:txBody>
+          <a:bodyPr rtlCol="0" anchor="ctr"/>
+          <a:lstStyle/>
+          <a:p>
+            <a:pPr algn="ctr"/>
+            <a:r>
+              <a:rPr lang="en-US" sz="1050" dirty="0"/>
+              <a:t>Plugin</a:t>
+            </a:r>
+          </a:p>
+        </p:txBody>
+      </p:sp>
+      <p:sp>
+        <p:nvSpPr>
+          <p:cNvPr id="7" name="Flowchart: Connector 6">
+            <a:extLst>
+              <a:ext uri="{FF2B5EF4-FFF2-40B4-BE49-F238E27FC236}">
+                <a16:creationId xmlns:a16="http://schemas.microsoft.com/office/drawing/2014/main" id="{48257FDB-FE4D-15B1-1B2E-9707CFD8D208}"/>
+              </a:ext>
+            </a:extLst>
+          </p:cNvPr>
+          <p:cNvSpPr/>
+          <p:nvPr/>
+        </p:nvSpPr>
+        <p:spPr>
+          <a:xfrm>
+            <a:off x="1461448" y="1981012"/>
+            <a:ext cx="873171" cy="870360"/>
+          </a:xfrm>
+          <a:prstGeom prst="flowChartConnector">
+            <a:avLst/>
+          </a:prstGeom>
+        </p:spPr>
+        <p:style>
+          <a:lnRef idx="2">
+            <a:schemeClr val="accent6">
+              <a:shade val="15000"/>
+            </a:schemeClr>
+          </a:lnRef>
+          <a:fillRef idx="1">
+            <a:schemeClr val="accent6"/>
+          </a:fillRef>
+          <a:effectRef idx="0">
+            <a:schemeClr val="accent6"/>
+          </a:effectRef>
+          <a:fontRef idx="minor">
+            <a:schemeClr val="lt1"/>
+          </a:fontRef>
+        </p:style>
+        <p:txBody>
+          <a:bodyPr rtlCol="0" anchor="ctr"/>
+          <a:lstStyle/>
+          <a:p>
+            <a:pPr algn="ctr"/>
+            <a:r>
+              <a:rPr lang="en-US" sz="800" dirty="0"/>
+              <a:t>Azure Semantic Kernel</a:t>
+            </a:r>
+          </a:p>
+        </p:txBody>
+      </p:sp>
+      <p:sp>
+        <p:nvSpPr>
+          <p:cNvPr id="9" name="Flowchart: Connector 8">
+            <a:extLst>
+              <a:ext uri="{FF2B5EF4-FFF2-40B4-BE49-F238E27FC236}">
+                <a16:creationId xmlns:a16="http://schemas.microsoft.com/office/drawing/2014/main" id="{74591A83-D20B-5BC3-D8FC-73449DC89F6C}"/>
+              </a:ext>
+            </a:extLst>
+          </p:cNvPr>
+          <p:cNvSpPr/>
+          <p:nvPr/>
+        </p:nvSpPr>
+        <p:spPr>
+          <a:xfrm>
+            <a:off x="5833712" y="3389429"/>
+            <a:ext cx="1196282" cy="1134406"/>
+          </a:xfrm>
+          <a:prstGeom prst="flowChartConnector">
+            <a:avLst/>
+          </a:prstGeom>
+          <a:solidFill>
+            <a:schemeClr val="accent6">
+              <a:lumMod val="60000"/>
+              <a:lumOff val="40000"/>
+            </a:schemeClr>
+          </a:solidFill>
+        </p:spPr>
+        <p:style>
+          <a:lnRef idx="2">
+            <a:schemeClr val="accent2">
+              <a:shade val="15000"/>
+            </a:schemeClr>
+          </a:lnRef>
+          <a:fillRef idx="1">
+            <a:schemeClr val="accent2"/>
+          </a:fillRef>
+          <a:effectRef idx="0">
+            <a:schemeClr val="accent2"/>
+          </a:effectRef>
+          <a:fontRef idx="minor">
+            <a:schemeClr val="lt1"/>
+          </a:fontRef>
+        </p:style>
+        <p:txBody>
+          <a:bodyPr rtlCol="0" anchor="ctr"/>
+          <a:lstStyle/>
+          <a:p>
+            <a:pPr algn="ctr"/>
+            <a:r>
+              <a:rPr lang="en-US" sz="1600" dirty="0"/>
+              <a:t>LLM </a:t>
+            </a:r>
+          </a:p>
+        </p:txBody>
+      </p:sp>
+      <p:sp>
+        <p:nvSpPr>
+          <p:cNvPr id="4" name="Flowchart: Connector 3">
+            <a:extLst>
+              <a:ext uri="{FF2B5EF4-FFF2-40B4-BE49-F238E27FC236}">
+                <a16:creationId xmlns:a16="http://schemas.microsoft.com/office/drawing/2014/main" id="{03D46C8D-0E1F-23D0-7147-E4D072461E89}"/>
+              </a:ext>
+            </a:extLst>
+          </p:cNvPr>
+          <p:cNvSpPr/>
+          <p:nvPr/>
+        </p:nvSpPr>
+        <p:spPr>
+          <a:xfrm>
+            <a:off x="4029548" y="4807056"/>
+            <a:ext cx="1196282" cy="1134406"/>
+          </a:xfrm>
+          <a:prstGeom prst="flowChartConnector">
+            <a:avLst/>
+          </a:prstGeom>
+        </p:spPr>
+        <p:style>
+          <a:lnRef idx="2">
+            <a:schemeClr val="accent2">
+              <a:shade val="15000"/>
+            </a:schemeClr>
+          </a:lnRef>
+          <a:fillRef idx="1">
+            <a:schemeClr val="accent2"/>
+          </a:fillRef>
+          <a:effectRef idx="0">
+            <a:schemeClr val="accent2"/>
+          </a:effectRef>
+          <a:fontRef idx="minor">
+            <a:schemeClr val="lt1"/>
+          </a:fontRef>
+        </p:style>
+        <p:txBody>
+          <a:bodyPr rtlCol="0" anchor="ctr"/>
+          <a:lstStyle/>
+          <a:p>
+            <a:pPr algn="ctr"/>
+            <a:r>
+              <a:rPr lang="en-US" sz="1600" dirty="0"/>
+              <a:t>Service </a:t>
+            </a:r>
+          </a:p>
+        </p:txBody>
+      </p:sp>
+      <p:sp>
+        <p:nvSpPr>
+          <p:cNvPr id="10" name="Flowchart: Connector 9">
+            <a:extLst>
+              <a:ext uri="{FF2B5EF4-FFF2-40B4-BE49-F238E27FC236}">
+                <a16:creationId xmlns:a16="http://schemas.microsoft.com/office/drawing/2014/main" id="{E07C79F2-AF08-D635-451D-E72DE9DDA563}"/>
+              </a:ext>
+            </a:extLst>
+          </p:cNvPr>
+          <p:cNvSpPr/>
+          <p:nvPr/>
+        </p:nvSpPr>
+        <p:spPr>
+          <a:xfrm>
+            <a:off x="4493622" y="4342982"/>
+            <a:ext cx="268133" cy="288757"/>
+          </a:xfrm>
+          <a:prstGeom prst="flowChartConnector">
+            <a:avLst/>
+          </a:prstGeom>
+          <a:solidFill>
+            <a:schemeClr val="accent2"/>
+          </a:solidFill>
+        </p:spPr>
+        <p:style>
+          <a:lnRef idx="2">
+            <a:schemeClr val="accent1">
+              <a:shade val="15000"/>
+            </a:schemeClr>
+          </a:lnRef>
+          <a:fillRef idx="1">
+            <a:schemeClr val="accent1"/>
+          </a:fillRef>
+          <a:effectRef idx="0">
+            <a:schemeClr val="accent1"/>
+          </a:effectRef>
+          <a:fontRef idx="minor">
+            <a:schemeClr val="lt1"/>
+          </a:fontRef>
+        </p:style>
+        <p:txBody>
+          <a:bodyPr rtlCol="0" anchor="ctr"/>
+          <a:lstStyle/>
+          <a:p>
+            <a:pPr algn="ctr"/>
+            <a:endParaRPr lang="en-US"/>
+          </a:p>
+        </p:txBody>
+      </p:sp>
+      <p:cxnSp>
+        <p:nvCxnSpPr>
+          <p:cNvPr id="12" name="Straight Connector 11">
+            <a:extLst>
+              <a:ext uri="{FF2B5EF4-FFF2-40B4-BE49-F238E27FC236}">
+                <a16:creationId xmlns:a16="http://schemas.microsoft.com/office/drawing/2014/main" id="{B2C29B9E-CE82-36DA-640D-C851C5190368}"/>
+              </a:ext>
+            </a:extLst>
+          </p:cNvPr>
+          <p:cNvCxnSpPr>
+            <a:cxnSpLocks/>
+            <a:endCxn id="4" idx="0"/>
+          </p:cNvCxnSpPr>
+          <p:nvPr/>
+        </p:nvCxnSpPr>
+        <p:spPr>
+          <a:xfrm>
+            <a:off x="4627688" y="4631739"/>
+            <a:ext cx="1" cy="175317"/>
+          </a:xfrm>
+          <a:prstGeom prst="line">
+            <a:avLst/>
+          </a:prstGeom>
+        </p:spPr>
+        <p:style>
+          <a:lnRef idx="2">
+            <a:schemeClr val="accent1"/>
+          </a:lnRef>
+          <a:fillRef idx="0">
+            <a:schemeClr val="accent1"/>
+          </a:fillRef>
+          <a:effectRef idx="1">
+            <a:schemeClr val="accent1"/>
+          </a:effectRef>
+          <a:fontRef idx="minor">
+            <a:schemeClr val="tx1"/>
+          </a:fontRef>
+        </p:style>
+      </p:cxnSp>
+      <p:cxnSp>
+        <p:nvCxnSpPr>
+          <p:cNvPr id="16" name="Straight Arrow Connector 15">
+            <a:extLst>
+              <a:ext uri="{FF2B5EF4-FFF2-40B4-BE49-F238E27FC236}">
+                <a16:creationId xmlns:a16="http://schemas.microsoft.com/office/drawing/2014/main" id="{93F3D89E-6665-371B-AFC3-C419C902B097}"/>
+              </a:ext>
+            </a:extLst>
+          </p:cNvPr>
+          <p:cNvCxnSpPr>
+            <a:cxnSpLocks/>
+            <a:stCxn id="10" idx="2"/>
+            <a:endCxn id="5" idx="6"/>
+          </p:cNvCxnSpPr>
+          <p:nvPr/>
+        </p:nvCxnSpPr>
+        <p:spPr>
+          <a:xfrm flipH="1">
+            <a:off x="3504170" y="4487361"/>
+            <a:ext cx="989452" cy="36474"/>
+          </a:xfrm>
+          <a:prstGeom prst="straightConnector1">
+            <a:avLst/>
+          </a:prstGeom>
+          <a:ln>
             <a:tailEnd type="triangle"/>
           </a:ln>
         </p:spPr>
@@ -3811,7 +4961,7 @@
           <p:cNvPr id="20" name="Straight Arrow Connector 19">
             <a:extLst>
               <a:ext uri="{FF2B5EF4-FFF2-40B4-BE49-F238E27FC236}">
-                <a16:creationId xmlns:a16="http://schemas.microsoft.com/office/drawing/2014/main" id="{802C092D-AEDB-A5FC-8F11-A463874C936A}"/>
+                <a16:creationId xmlns:a16="http://schemas.microsoft.com/office/drawing/2014/main" id="{80153AF4-0E9B-8017-4800-C7EA68809C7C}"/>
               </a:ext>
             </a:extLst>
           </p:cNvPr>
@@ -3855,7 +5005,7 @@
           <p:cNvPr id="24" name="Flowchart: Connector 23">
             <a:extLst>
               <a:ext uri="{FF2B5EF4-FFF2-40B4-BE49-F238E27FC236}">
-                <a16:creationId xmlns:a16="http://schemas.microsoft.com/office/drawing/2014/main" id="{7C2147B3-E070-B0E7-0702-6F1507F0D7EC}"/>
+                <a16:creationId xmlns:a16="http://schemas.microsoft.com/office/drawing/2014/main" id="{3216CEC4-48F6-5B45-068B-5BFB6085A355}"/>
               </a:ext>
             </a:extLst>
           </p:cNvPr>
@@ -3910,7 +5060,7 @@
           <p:cNvPr id="25" name="Flowchart: Connector 24">
             <a:extLst>
               <a:ext uri="{FF2B5EF4-FFF2-40B4-BE49-F238E27FC236}">
-                <a16:creationId xmlns:a16="http://schemas.microsoft.com/office/drawing/2014/main" id="{561D299E-4498-D11F-FCE8-2181549A5D4A}"/>
+                <a16:creationId xmlns:a16="http://schemas.microsoft.com/office/drawing/2014/main" id="{5BB95465-8470-E95F-E34B-B91CCEF9A678}"/>
               </a:ext>
             </a:extLst>
           </p:cNvPr>
@@ -3955,7 +5105,14 @@
             <a:pPr algn="ctr"/>
             <a:r>
               <a:rPr lang="en-US" sz="1600" dirty="0"/>
-              <a:t>LLM </a:t>
+              <a:t>Azure</a:t>
+            </a:r>
+          </a:p>
+          <a:p>
+            <a:pPr algn="ctr"/>
+            <a:r>
+              <a:rPr lang="en-US" sz="1600" dirty="0"/>
+              <a:t>Google… </a:t>
             </a:r>
           </a:p>
         </p:txBody>
@@ -3965,7 +5122,7 @@
           <p:cNvPr id="26" name="Title 25">
             <a:extLst>
               <a:ext uri="{FF2B5EF4-FFF2-40B4-BE49-F238E27FC236}">
-                <a16:creationId xmlns:a16="http://schemas.microsoft.com/office/drawing/2014/main" id="{37B2E8B5-2048-C69A-7E08-BABE8BCC8F84}"/>
+                <a16:creationId xmlns:a16="http://schemas.microsoft.com/office/drawing/2014/main" id="{E484449C-A9E6-CC85-FD4B-1E2511570664}"/>
               </a:ext>
             </a:extLst>
           </p:cNvPr>
@@ -3993,21 +5150,21 @@
           <p:cNvPr id="27" name="Straight Arrow Connector 26">
             <a:extLst>
               <a:ext uri="{FF2B5EF4-FFF2-40B4-BE49-F238E27FC236}">
-                <a16:creationId xmlns:a16="http://schemas.microsoft.com/office/drawing/2014/main" id="{BD1BA78F-8189-91BF-EC65-61D762BAD9A1}"/>
+                <a16:creationId xmlns:a16="http://schemas.microsoft.com/office/drawing/2014/main" id="{D9DD7F1D-EE41-ECC8-F7FE-EF57877C0666}"/>
               </a:ext>
             </a:extLst>
           </p:cNvPr>
           <p:cNvCxnSpPr>
             <a:cxnSpLocks/>
             <a:stCxn id="6" idx="6"/>
-            <a:endCxn id="9" idx="1"/>
+            <a:endCxn id="2" idx="2"/>
           </p:cNvCxnSpPr>
           <p:nvPr/>
         </p:nvCxnSpPr>
         <p:spPr>
           <a:xfrm>
             <a:off x="4029548" y="2691178"/>
-            <a:ext cx="1979355" cy="864381"/>
+            <a:ext cx="1849821" cy="211202"/>
           </a:xfrm>
           <a:prstGeom prst="straightConnector1">
             <a:avLst/>
@@ -4037,7 +5194,7 @@
           <p:cNvPr id="30" name="TextBox 29">
             <a:extLst>
               <a:ext uri="{FF2B5EF4-FFF2-40B4-BE49-F238E27FC236}">
-                <a16:creationId xmlns:a16="http://schemas.microsoft.com/office/drawing/2014/main" id="{D7280BAD-DE7F-9C53-0345-4B409203D7BD}"/>
+                <a16:creationId xmlns:a16="http://schemas.microsoft.com/office/drawing/2014/main" id="{516A2512-2BE1-EF3F-5BAE-B08DFE91ABEF}"/>
               </a:ext>
             </a:extLst>
           </p:cNvPr>
@@ -4075,7 +5232,7 @@
           <a:p>
             <a:r>
               <a:rPr lang="en-US" dirty="0"/>
-              <a:t>Chat GPT</a:t>
+              <a:t>	OpenAI Connector</a:t>
             </a:r>
           </a:p>
           <a:p>
@@ -4091,7 +5248,7 @@
           <p:cNvPr id="31" name="Flowchart: Connector 30">
             <a:extLst>
               <a:ext uri="{FF2B5EF4-FFF2-40B4-BE49-F238E27FC236}">
-                <a16:creationId xmlns:a16="http://schemas.microsoft.com/office/drawing/2014/main" id="{F01D0EA4-0051-399D-7E42-B7B4CD9CF432}"/>
+                <a16:creationId xmlns:a16="http://schemas.microsoft.com/office/drawing/2014/main" id="{52E26270-F948-E78A-1F19-DC144694870D}"/>
               </a:ext>
             </a:extLst>
           </p:cNvPr>
@@ -4143,7 +5300,7 @@
           <p:cNvPr id="32" name="Straight Arrow Connector 31">
             <a:extLst>
               <a:ext uri="{FF2B5EF4-FFF2-40B4-BE49-F238E27FC236}">
-                <a16:creationId xmlns:a16="http://schemas.microsoft.com/office/drawing/2014/main" id="{AE0D0D00-42C9-4955-16C2-F0FD724DE75B}"/>
+                <a16:creationId xmlns:a16="http://schemas.microsoft.com/office/drawing/2014/main" id="{14A565CD-98FA-5D87-662D-D686C9C887CA}"/>
               </a:ext>
             </a:extLst>
           </p:cNvPr>
@@ -4187,7 +5344,7 @@
           <p:cNvPr id="36" name="TextBox 35">
             <a:extLst>
               <a:ext uri="{FF2B5EF4-FFF2-40B4-BE49-F238E27FC236}">
-                <a16:creationId xmlns:a16="http://schemas.microsoft.com/office/drawing/2014/main" id="{B0F7B519-F416-399B-D122-16B1BBB59AE9}"/>
+                <a16:creationId xmlns:a16="http://schemas.microsoft.com/office/drawing/2014/main" id="{3C8971DD-497D-E3D4-619D-BC8A4F8C400E}"/>
               </a:ext>
             </a:extLst>
           </p:cNvPr>
@@ -4224,10 +5381,298 @@
           </a:p>
         </p:txBody>
       </p:sp>
+      <p:sp>
+        <p:nvSpPr>
+          <p:cNvPr id="2" name="Flowchart: Connector 1">
+            <a:extLst>
+              <a:ext uri="{FF2B5EF4-FFF2-40B4-BE49-F238E27FC236}">
+                <a16:creationId xmlns:a16="http://schemas.microsoft.com/office/drawing/2014/main" id="{23753229-0533-3884-D046-5E7BAD7D6C65}"/>
+              </a:ext>
+            </a:extLst>
+          </p:cNvPr>
+          <p:cNvSpPr/>
+          <p:nvPr/>
+        </p:nvSpPr>
+        <p:spPr>
+          <a:xfrm>
+            <a:off x="5879369" y="2323508"/>
+            <a:ext cx="1227934" cy="1157743"/>
+          </a:xfrm>
+          <a:prstGeom prst="flowChartConnector">
+            <a:avLst/>
+          </a:prstGeom>
+          <a:solidFill>
+            <a:schemeClr val="accent6">
+              <a:lumMod val="60000"/>
+              <a:lumOff val="40000"/>
+            </a:schemeClr>
+          </a:solidFill>
+          <a:ln w="38100">
+            <a:solidFill>
+              <a:schemeClr val="tx2"/>
+            </a:solidFill>
+          </a:ln>
+        </p:spPr>
+        <p:style>
+          <a:lnRef idx="2">
+            <a:schemeClr val="accent2">
+              <a:shade val="15000"/>
+            </a:schemeClr>
+          </a:lnRef>
+          <a:fillRef idx="1">
+            <a:schemeClr val="accent2"/>
+          </a:fillRef>
+          <a:effectRef idx="0">
+            <a:schemeClr val="accent2"/>
+          </a:effectRef>
+          <a:fontRef idx="minor">
+            <a:schemeClr val="lt1"/>
+          </a:fontRef>
+        </p:style>
+        <p:txBody>
+          <a:bodyPr rtlCol="0" anchor="ctr"/>
+          <a:lstStyle/>
+          <a:p>
+            <a:pPr algn="ctr"/>
+            <a:r>
+              <a:rPr lang="en-US" sz="1600" b="1" dirty="0"/>
+              <a:t>OpenAI</a:t>
+            </a:r>
+            <a:r>
+              <a:rPr lang="en-US" sz="1600" dirty="0"/>
+              <a:t> </a:t>
+            </a:r>
+          </a:p>
+        </p:txBody>
+      </p:sp>
+      <p:sp>
+        <p:nvSpPr>
+          <p:cNvPr id="3" name="Speech Bubble: Rectangle with Corners Rounded 2">
+            <a:extLst>
+              <a:ext uri="{FF2B5EF4-FFF2-40B4-BE49-F238E27FC236}">
+                <a16:creationId xmlns:a16="http://schemas.microsoft.com/office/drawing/2014/main" id="{D6A79BFA-C005-3CAF-F903-25B084EC96C8}"/>
+              </a:ext>
+            </a:extLst>
+          </p:cNvPr>
+          <p:cNvSpPr/>
+          <p:nvPr/>
+        </p:nvSpPr>
+        <p:spPr>
+          <a:xfrm>
+            <a:off x="2308821" y="1687492"/>
+            <a:ext cx="1409564" cy="385437"/>
+          </a:xfrm>
+          <a:prstGeom prst="wedgeRoundRectCallout">
+            <a:avLst>
+              <a:gd name="adj1" fmla="val -20833"/>
+              <a:gd name="adj2" fmla="val 92299"/>
+              <a:gd name="adj3" fmla="val 16667"/>
+            </a:avLst>
+          </a:prstGeom>
+        </p:spPr>
+        <p:style>
+          <a:lnRef idx="2">
+            <a:schemeClr val="accent4">
+              <a:shade val="15000"/>
+            </a:schemeClr>
+          </a:lnRef>
+          <a:fillRef idx="1">
+            <a:schemeClr val="accent4"/>
+          </a:fillRef>
+          <a:effectRef idx="0">
+            <a:schemeClr val="accent4"/>
+          </a:effectRef>
+          <a:fontRef idx="minor">
+            <a:schemeClr val="lt1"/>
+          </a:fontRef>
+        </p:style>
+        <p:txBody>
+          <a:bodyPr rtlCol="0" anchor="ctr"/>
+          <a:lstStyle/>
+          <a:p>
+            <a:pPr algn="ctr"/>
+            <a:r>
+              <a:rPr lang="en-US" sz="800" dirty="0"/>
+              <a:t>Cross Platform Client Android pixel</a:t>
+            </a:r>
+          </a:p>
+        </p:txBody>
+      </p:sp>
+      <p:sp>
+        <p:nvSpPr>
+          <p:cNvPr id="11" name="Speech Bubble: Rectangle with Corners Rounded 10">
+            <a:extLst>
+              <a:ext uri="{FF2B5EF4-FFF2-40B4-BE49-F238E27FC236}">
+                <a16:creationId xmlns:a16="http://schemas.microsoft.com/office/drawing/2014/main" id="{8DA7AD56-8BCA-1980-A778-25FB429B72F6}"/>
+              </a:ext>
+            </a:extLst>
+          </p:cNvPr>
+          <p:cNvSpPr/>
+          <p:nvPr/>
+        </p:nvSpPr>
+        <p:spPr>
+          <a:xfrm>
+            <a:off x="2104174" y="3451113"/>
+            <a:ext cx="1695805" cy="465910"/>
+          </a:xfrm>
+          <a:prstGeom prst="wedgeRoundRectCallout">
+            <a:avLst>
+              <a:gd name="adj1" fmla="val -20833"/>
+              <a:gd name="adj2" fmla="val 92299"/>
+              <a:gd name="adj3" fmla="val 16667"/>
+            </a:avLst>
+          </a:prstGeom>
+          <a:solidFill>
+            <a:schemeClr val="bg1">
+              <a:lumMod val="75000"/>
+            </a:schemeClr>
+          </a:solidFill>
+        </p:spPr>
+        <p:style>
+          <a:lnRef idx="2">
+            <a:schemeClr val="accent4">
+              <a:shade val="15000"/>
+            </a:schemeClr>
+          </a:lnRef>
+          <a:fillRef idx="1">
+            <a:schemeClr val="accent4"/>
+          </a:fillRef>
+          <a:effectRef idx="0">
+            <a:schemeClr val="accent4"/>
+          </a:effectRef>
+          <a:fontRef idx="minor">
+            <a:schemeClr val="lt1"/>
+          </a:fontRef>
+        </p:style>
+        <p:txBody>
+          <a:bodyPr rtlCol="0" anchor="ctr"/>
+          <a:lstStyle/>
+          <a:p>
+            <a:pPr algn="ctr"/>
+            <a:r>
+              <a:rPr lang="en-US" sz="1050" dirty="0"/>
+              <a:t>Just</a:t>
+            </a:r>
+            <a:r>
+              <a:rPr lang="en-US" sz="1000" dirty="0"/>
+              <a:t> a visual helper to show the state (WPF APP)</a:t>
+            </a:r>
+          </a:p>
+        </p:txBody>
+      </p:sp>
+      <p:sp>
+        <p:nvSpPr>
+          <p:cNvPr id="22" name="Flowchart: Connector 21">
+            <a:extLst>
+              <a:ext uri="{FF2B5EF4-FFF2-40B4-BE49-F238E27FC236}">
+                <a16:creationId xmlns:a16="http://schemas.microsoft.com/office/drawing/2014/main" id="{65FB8AE1-F7D3-AAAF-3718-D0AD33ACB743}"/>
+              </a:ext>
+            </a:extLst>
+          </p:cNvPr>
+          <p:cNvSpPr/>
+          <p:nvPr/>
+        </p:nvSpPr>
+        <p:spPr>
+          <a:xfrm>
+            <a:off x="1694267" y="2741396"/>
+            <a:ext cx="438442" cy="457946"/>
+          </a:xfrm>
+          <a:prstGeom prst="flowChartConnector">
+            <a:avLst/>
+          </a:prstGeom>
+          <a:solidFill>
+            <a:schemeClr val="accent6">
+              <a:lumMod val="60000"/>
+              <a:lumOff val="40000"/>
+            </a:schemeClr>
+          </a:solidFill>
+        </p:spPr>
+        <p:style>
+          <a:lnRef idx="2">
+            <a:schemeClr val="accent2">
+              <a:shade val="15000"/>
+            </a:schemeClr>
+          </a:lnRef>
+          <a:fillRef idx="1">
+            <a:schemeClr val="accent2"/>
+          </a:fillRef>
+          <a:effectRef idx="0">
+            <a:schemeClr val="accent2"/>
+          </a:effectRef>
+          <a:fontRef idx="minor">
+            <a:schemeClr val="lt1"/>
+          </a:fontRef>
+        </p:style>
+        <p:txBody>
+          <a:bodyPr rtlCol="0" anchor="ctr"/>
+          <a:lstStyle/>
+          <a:p>
+            <a:pPr algn="ctr"/>
+            <a:endParaRPr lang="en-US" sz="300" dirty="0"/>
+          </a:p>
+        </p:txBody>
+      </p:sp>
+      <p:sp>
+        <p:nvSpPr>
+          <p:cNvPr id="29" name="Speech Bubble: Rectangle with Corners Rounded 28">
+            <a:extLst>
+              <a:ext uri="{FF2B5EF4-FFF2-40B4-BE49-F238E27FC236}">
+                <a16:creationId xmlns:a16="http://schemas.microsoft.com/office/drawing/2014/main" id="{34423F78-8F85-9C6F-14F7-E867EDD6EFAB}"/>
+              </a:ext>
+            </a:extLst>
+          </p:cNvPr>
+          <p:cNvSpPr/>
+          <p:nvPr/>
+        </p:nvSpPr>
+        <p:spPr>
+          <a:xfrm>
+            <a:off x="363339" y="2584932"/>
+            <a:ext cx="994050" cy="673449"/>
+          </a:xfrm>
+          <a:prstGeom prst="wedgeRoundRectCallout">
+            <a:avLst>
+              <a:gd name="adj1" fmla="val 93264"/>
+              <a:gd name="adj2" fmla="val 14374"/>
+              <a:gd name="adj3" fmla="val 16667"/>
+            </a:avLst>
+          </a:prstGeom>
+          <a:solidFill>
+            <a:srgbClr val="92D050"/>
+          </a:solidFill>
+        </p:spPr>
+        <p:style>
+          <a:lnRef idx="2">
+            <a:schemeClr val="accent4">
+              <a:shade val="15000"/>
+            </a:schemeClr>
+          </a:lnRef>
+          <a:fillRef idx="1">
+            <a:schemeClr val="accent4"/>
+          </a:fillRef>
+          <a:effectRef idx="0">
+            <a:schemeClr val="accent4"/>
+          </a:effectRef>
+          <a:fontRef idx="minor">
+            <a:schemeClr val="lt1"/>
+          </a:fontRef>
+        </p:style>
+        <p:txBody>
+          <a:bodyPr rtlCol="0" anchor="ctr"/>
+          <a:lstStyle/>
+          <a:p>
+            <a:pPr algn="ctr"/>
+            <a:r>
+              <a:rPr lang="en-US" sz="1100" dirty="0"/>
+              <a:t>Connector to OpenAI</a:t>
+            </a:r>
+            <a:endParaRPr lang="en-US" sz="800" dirty="0"/>
+          </a:p>
+        </p:txBody>
+      </p:sp>
     </p:spTree>
     <p:extLst>
       <p:ext uri="{BB962C8B-B14F-4D97-AF65-F5344CB8AC3E}">
-        <p14:creationId xmlns:p14="http://schemas.microsoft.com/office/powerpoint/2010/main" val="2821312262"/>
+        <p14:creationId xmlns:p14="http://schemas.microsoft.com/office/powerpoint/2010/main" val="2323636389"/>
       </p:ext>
     </p:extLst>
   </p:cSld>
@@ -4237,7 +5682,7 @@
 </p:sld>
 </file>
 
-<file path=ppt/slides/slide2.xml><?xml version="1.0" encoding="utf-8"?>
+<file path=ppt/slides/slide3.xml><?xml version="1.0" encoding="utf-8"?>
 <p:sld xmlns:a="http://schemas.openxmlformats.org/drawingml/2006/main" xmlns:r="http://schemas.openxmlformats.org/officeDocument/2006/relationships" xmlns:p="http://schemas.openxmlformats.org/presentationml/2006/main">
   <p:cSld>
     <p:spTree>

--- a/AI Friendly APIs.pptx
+++ b/AI Friendly APIs.pptx
@@ -4,13 +4,19 @@
   <p:sldMasterIdLst>
     <p:sldMasterId id="2147483660" r:id="rId1"/>
   </p:sldMasterIdLst>
+  <p:notesMasterIdLst>
+    <p:notesMasterId r:id="rId11"/>
+  </p:notesMasterIdLst>
   <p:sldIdLst>
     <p:sldId id="260" r:id="rId2"/>
     <p:sldId id="261" r:id="rId3"/>
     <p:sldId id="263" r:id="rId4"/>
     <p:sldId id="262" r:id="rId5"/>
-    <p:sldId id="259" r:id="rId6"/>
-    <p:sldId id="257" r:id="rId7"/>
+    <p:sldId id="266" r:id="rId6"/>
+    <p:sldId id="264" r:id="rId7"/>
+    <p:sldId id="265" r:id="rId8"/>
+    <p:sldId id="259" r:id="rId9"/>
+    <p:sldId id="257" r:id="rId10"/>
   </p:sldIdLst>
   <p:sldSz cx="12192000" cy="6858000"/>
   <p:notesSz cx="6858000" cy="9144000"/>
@@ -117,6 +123,537 @@
 </p:presentation>
 </file>
 
+<file path=ppt/notesMasters/notesMaster1.xml><?xml version="1.0" encoding="utf-8"?>
+<p:notesMaster xmlns:a="http://schemas.openxmlformats.org/drawingml/2006/main" xmlns:r="http://schemas.openxmlformats.org/officeDocument/2006/relationships" xmlns:p="http://schemas.openxmlformats.org/presentationml/2006/main">
+  <p:cSld>
+    <p:bg>
+      <p:bgRef idx="1001">
+        <a:schemeClr val="bg1"/>
+      </p:bgRef>
+    </p:bg>
+    <p:spTree>
+      <p:nvGrpSpPr>
+        <p:cNvPr id="1" name=""/>
+        <p:cNvGrpSpPr/>
+        <p:nvPr/>
+      </p:nvGrpSpPr>
+      <p:grpSpPr>
+        <a:xfrm>
+          <a:off x="0" y="0"/>
+          <a:ext cx="0" cy="0"/>
+          <a:chOff x="0" y="0"/>
+          <a:chExt cx="0" cy="0"/>
+        </a:xfrm>
+      </p:grpSpPr>
+      <p:sp>
+        <p:nvSpPr>
+          <p:cNvPr id="2" name="Header Placeholder 1"/>
+          <p:cNvSpPr>
+            <a:spLocks noGrp="1"/>
+          </p:cNvSpPr>
+          <p:nvPr>
+            <p:ph type="hdr" sz="quarter"/>
+          </p:nvPr>
+        </p:nvSpPr>
+        <p:spPr>
+          <a:xfrm>
+            <a:off x="0" y="0"/>
+            <a:ext cx="2971800" cy="458788"/>
+          </a:xfrm>
+          <a:prstGeom prst="rect">
+            <a:avLst/>
+          </a:prstGeom>
+        </p:spPr>
+        <p:txBody>
+          <a:bodyPr vert="horz" lIns="91440" tIns="45720" rIns="91440" bIns="45720" rtlCol="0"/>
+          <a:lstStyle>
+            <a:lvl1pPr algn="l">
+              <a:defRPr sz="1200"/>
+            </a:lvl1pPr>
+          </a:lstStyle>
+          <a:p>
+            <a:endParaRPr lang="en-US"/>
+          </a:p>
+        </p:txBody>
+      </p:sp>
+      <p:sp>
+        <p:nvSpPr>
+          <p:cNvPr id="3" name="Date Placeholder 2"/>
+          <p:cNvSpPr>
+            <a:spLocks noGrp="1"/>
+          </p:cNvSpPr>
+          <p:nvPr>
+            <p:ph type="dt" idx="1"/>
+          </p:nvPr>
+        </p:nvSpPr>
+        <p:spPr>
+          <a:xfrm>
+            <a:off x="3884613" y="0"/>
+            <a:ext cx="2971800" cy="458788"/>
+          </a:xfrm>
+          <a:prstGeom prst="rect">
+            <a:avLst/>
+          </a:prstGeom>
+        </p:spPr>
+        <p:txBody>
+          <a:bodyPr vert="horz" lIns="91440" tIns="45720" rIns="91440" bIns="45720" rtlCol="0"/>
+          <a:lstStyle>
+            <a:lvl1pPr algn="r">
+              <a:defRPr sz="1200"/>
+            </a:lvl1pPr>
+          </a:lstStyle>
+          <a:p>
+            <a:fld id="{67EC03D2-C5C5-4BDB-9C9E-43780E2A05CE}" type="datetimeFigureOut">
+              <a:rPr lang="en-US" smtClean="0"/>
+              <a:t>2/16/2025</a:t>
+            </a:fld>
+            <a:endParaRPr lang="en-US"/>
+          </a:p>
+        </p:txBody>
+      </p:sp>
+      <p:sp>
+        <p:nvSpPr>
+          <p:cNvPr id="4" name="Slide Image Placeholder 3"/>
+          <p:cNvSpPr>
+            <a:spLocks noGrp="1" noRot="1" noChangeAspect="1"/>
+          </p:cNvSpPr>
+          <p:nvPr>
+            <p:ph type="sldImg" idx="2"/>
+          </p:nvPr>
+        </p:nvSpPr>
+        <p:spPr>
+          <a:xfrm>
+            <a:off x="685800" y="1143000"/>
+            <a:ext cx="5486400" cy="3086100"/>
+          </a:xfrm>
+          <a:prstGeom prst="rect">
+            <a:avLst/>
+          </a:prstGeom>
+          <a:noFill/>
+          <a:ln w="12700">
+            <a:solidFill>
+              <a:prstClr val="black"/>
+            </a:solidFill>
+          </a:ln>
+        </p:spPr>
+        <p:txBody>
+          <a:bodyPr vert="horz" lIns="91440" tIns="45720" rIns="91440" bIns="45720" rtlCol="0" anchor="ctr"/>
+          <a:lstStyle/>
+          <a:p>
+            <a:endParaRPr lang="en-US"/>
+          </a:p>
+        </p:txBody>
+      </p:sp>
+      <p:sp>
+        <p:nvSpPr>
+          <p:cNvPr id="5" name="Notes Placeholder 4"/>
+          <p:cNvSpPr>
+            <a:spLocks noGrp="1"/>
+          </p:cNvSpPr>
+          <p:nvPr>
+            <p:ph type="body" sz="quarter" idx="3"/>
+          </p:nvPr>
+        </p:nvSpPr>
+        <p:spPr>
+          <a:xfrm>
+            <a:off x="685800" y="4400550"/>
+            <a:ext cx="5486400" cy="3600450"/>
+          </a:xfrm>
+          <a:prstGeom prst="rect">
+            <a:avLst/>
+          </a:prstGeom>
+        </p:spPr>
+        <p:txBody>
+          <a:bodyPr vert="horz" lIns="91440" tIns="45720" rIns="91440" bIns="45720" rtlCol="0"/>
+          <a:lstStyle/>
+          <a:p>
+            <a:pPr lvl="0"/>
+            <a:r>
+              <a:rPr lang="en-US"/>
+              <a:t>Click to edit Master text styles</a:t>
+            </a:r>
+          </a:p>
+          <a:p>
+            <a:pPr lvl="1"/>
+            <a:r>
+              <a:rPr lang="en-US"/>
+              <a:t>Second level</a:t>
+            </a:r>
+          </a:p>
+          <a:p>
+            <a:pPr lvl="2"/>
+            <a:r>
+              <a:rPr lang="en-US"/>
+              <a:t>Third level</a:t>
+            </a:r>
+          </a:p>
+          <a:p>
+            <a:pPr lvl="3"/>
+            <a:r>
+              <a:rPr lang="en-US"/>
+              <a:t>Fourth level</a:t>
+            </a:r>
+          </a:p>
+          <a:p>
+            <a:pPr lvl="4"/>
+            <a:r>
+              <a:rPr lang="en-US"/>
+              <a:t>Fifth level</a:t>
+            </a:r>
+          </a:p>
+        </p:txBody>
+      </p:sp>
+      <p:sp>
+        <p:nvSpPr>
+          <p:cNvPr id="6" name="Footer Placeholder 5"/>
+          <p:cNvSpPr>
+            <a:spLocks noGrp="1"/>
+          </p:cNvSpPr>
+          <p:nvPr>
+            <p:ph type="ftr" sz="quarter" idx="4"/>
+          </p:nvPr>
+        </p:nvSpPr>
+        <p:spPr>
+          <a:xfrm>
+            <a:off x="0" y="8685213"/>
+            <a:ext cx="2971800" cy="458787"/>
+          </a:xfrm>
+          <a:prstGeom prst="rect">
+            <a:avLst/>
+          </a:prstGeom>
+        </p:spPr>
+        <p:txBody>
+          <a:bodyPr vert="horz" lIns="91440" tIns="45720" rIns="91440" bIns="45720" rtlCol="0" anchor="b"/>
+          <a:lstStyle>
+            <a:lvl1pPr algn="l">
+              <a:defRPr sz="1200"/>
+            </a:lvl1pPr>
+          </a:lstStyle>
+          <a:p>
+            <a:endParaRPr lang="en-US"/>
+          </a:p>
+        </p:txBody>
+      </p:sp>
+      <p:sp>
+        <p:nvSpPr>
+          <p:cNvPr id="7" name="Slide Number Placeholder 6"/>
+          <p:cNvSpPr>
+            <a:spLocks noGrp="1"/>
+          </p:cNvSpPr>
+          <p:nvPr>
+            <p:ph type="sldNum" sz="quarter" idx="5"/>
+          </p:nvPr>
+        </p:nvSpPr>
+        <p:spPr>
+          <a:xfrm>
+            <a:off x="3884613" y="8685213"/>
+            <a:ext cx="2971800" cy="458787"/>
+          </a:xfrm>
+          <a:prstGeom prst="rect">
+            <a:avLst/>
+          </a:prstGeom>
+        </p:spPr>
+        <p:txBody>
+          <a:bodyPr vert="horz" lIns="91440" tIns="45720" rIns="91440" bIns="45720" rtlCol="0" anchor="b"/>
+          <a:lstStyle>
+            <a:lvl1pPr algn="r">
+              <a:defRPr sz="1200"/>
+            </a:lvl1pPr>
+          </a:lstStyle>
+          <a:p>
+            <a:fld id="{4394D620-30AA-47BC-BAAD-389D9DA22C7D}" type="slidenum">
+              <a:rPr lang="en-US" smtClean="0"/>
+              <a:t>‹#›</a:t>
+            </a:fld>
+            <a:endParaRPr lang="en-US"/>
+          </a:p>
+        </p:txBody>
+      </p:sp>
+    </p:spTree>
+    <p:extLst>
+      <p:ext uri="{BB962C8B-B14F-4D97-AF65-F5344CB8AC3E}">
+        <p14:creationId xmlns:p14="http://schemas.microsoft.com/office/powerpoint/2010/main" val="3364071802"/>
+      </p:ext>
+    </p:extLst>
+  </p:cSld>
+  <p:clrMap bg1="lt1" tx1="dk1" bg2="lt2" tx2="dk2" accent1="accent1" accent2="accent2" accent3="accent3" accent4="accent4" accent5="accent5" accent6="accent6" hlink="hlink" folHlink="folHlink"/>
+  <p:notesStyle>
+    <a:lvl1pPr marL="0" algn="l" defTabSz="914400" rtl="0" eaLnBrk="1" latinLnBrk="0" hangingPunct="1">
+      <a:defRPr sz="1200" kern="1200">
+        <a:solidFill>
+          <a:schemeClr val="tx1"/>
+        </a:solidFill>
+        <a:latin typeface="+mn-lt"/>
+        <a:ea typeface="+mn-ea"/>
+        <a:cs typeface="+mn-cs"/>
+      </a:defRPr>
+    </a:lvl1pPr>
+    <a:lvl2pPr marL="457200" algn="l" defTabSz="914400" rtl="0" eaLnBrk="1" latinLnBrk="0" hangingPunct="1">
+      <a:defRPr sz="1200" kern="1200">
+        <a:solidFill>
+          <a:schemeClr val="tx1"/>
+        </a:solidFill>
+        <a:latin typeface="+mn-lt"/>
+        <a:ea typeface="+mn-ea"/>
+        <a:cs typeface="+mn-cs"/>
+      </a:defRPr>
+    </a:lvl2pPr>
+    <a:lvl3pPr marL="914400" algn="l" defTabSz="914400" rtl="0" eaLnBrk="1" latinLnBrk="0" hangingPunct="1">
+      <a:defRPr sz="1200" kern="1200">
+        <a:solidFill>
+          <a:schemeClr val="tx1"/>
+        </a:solidFill>
+        <a:latin typeface="+mn-lt"/>
+        <a:ea typeface="+mn-ea"/>
+        <a:cs typeface="+mn-cs"/>
+      </a:defRPr>
+    </a:lvl3pPr>
+    <a:lvl4pPr marL="1371600" algn="l" defTabSz="914400" rtl="0" eaLnBrk="1" latinLnBrk="0" hangingPunct="1">
+      <a:defRPr sz="1200" kern="1200">
+        <a:solidFill>
+          <a:schemeClr val="tx1"/>
+        </a:solidFill>
+        <a:latin typeface="+mn-lt"/>
+        <a:ea typeface="+mn-ea"/>
+        <a:cs typeface="+mn-cs"/>
+      </a:defRPr>
+    </a:lvl4pPr>
+    <a:lvl5pPr marL="1828800" algn="l" defTabSz="914400" rtl="0" eaLnBrk="1" latinLnBrk="0" hangingPunct="1">
+      <a:defRPr sz="1200" kern="1200">
+        <a:solidFill>
+          <a:schemeClr val="tx1"/>
+        </a:solidFill>
+        <a:latin typeface="+mn-lt"/>
+        <a:ea typeface="+mn-ea"/>
+        <a:cs typeface="+mn-cs"/>
+      </a:defRPr>
+    </a:lvl5pPr>
+    <a:lvl6pPr marL="2286000" algn="l" defTabSz="914400" rtl="0" eaLnBrk="1" latinLnBrk="0" hangingPunct="1">
+      <a:defRPr sz="1200" kern="1200">
+        <a:solidFill>
+          <a:schemeClr val="tx1"/>
+        </a:solidFill>
+        <a:latin typeface="+mn-lt"/>
+        <a:ea typeface="+mn-ea"/>
+        <a:cs typeface="+mn-cs"/>
+      </a:defRPr>
+    </a:lvl6pPr>
+    <a:lvl7pPr marL="2743200" algn="l" defTabSz="914400" rtl="0" eaLnBrk="1" latinLnBrk="0" hangingPunct="1">
+      <a:defRPr sz="1200" kern="1200">
+        <a:solidFill>
+          <a:schemeClr val="tx1"/>
+        </a:solidFill>
+        <a:latin typeface="+mn-lt"/>
+        <a:ea typeface="+mn-ea"/>
+        <a:cs typeface="+mn-cs"/>
+      </a:defRPr>
+    </a:lvl7pPr>
+    <a:lvl8pPr marL="3200400" algn="l" defTabSz="914400" rtl="0" eaLnBrk="1" latinLnBrk="0" hangingPunct="1">
+      <a:defRPr sz="1200" kern="1200">
+        <a:solidFill>
+          <a:schemeClr val="tx1"/>
+        </a:solidFill>
+        <a:latin typeface="+mn-lt"/>
+        <a:ea typeface="+mn-ea"/>
+        <a:cs typeface="+mn-cs"/>
+      </a:defRPr>
+    </a:lvl8pPr>
+    <a:lvl9pPr marL="3657600" algn="l" defTabSz="914400" rtl="0" eaLnBrk="1" latinLnBrk="0" hangingPunct="1">
+      <a:defRPr sz="1200" kern="1200">
+        <a:solidFill>
+          <a:schemeClr val="tx1"/>
+        </a:solidFill>
+        <a:latin typeface="+mn-lt"/>
+        <a:ea typeface="+mn-ea"/>
+        <a:cs typeface="+mn-cs"/>
+      </a:defRPr>
+    </a:lvl9pPr>
+  </p:notesStyle>
+</p:notesMaster>
+</file>
+
+<file path=ppt/notesSlides/notesSlide1.xml><?xml version="1.0" encoding="utf-8"?>
+<p:notes xmlns:a="http://schemas.openxmlformats.org/drawingml/2006/main" xmlns:r="http://schemas.openxmlformats.org/officeDocument/2006/relationships" xmlns:p="http://schemas.openxmlformats.org/presentationml/2006/main">
+  <p:cSld>
+    <p:spTree>
+      <p:nvGrpSpPr>
+        <p:cNvPr id="1" name=""/>
+        <p:cNvGrpSpPr/>
+        <p:nvPr/>
+      </p:nvGrpSpPr>
+      <p:grpSpPr>
+        <a:xfrm>
+          <a:off x="0" y="0"/>
+          <a:ext cx="0" cy="0"/>
+          <a:chOff x="0" y="0"/>
+          <a:chExt cx="0" cy="0"/>
+        </a:xfrm>
+      </p:grpSpPr>
+      <p:sp>
+        <p:nvSpPr>
+          <p:cNvPr id="2" name="Slide Image Placeholder 1"/>
+          <p:cNvSpPr>
+            <a:spLocks noGrp="1" noRot="1" noChangeAspect="1"/>
+          </p:cNvSpPr>
+          <p:nvPr>
+            <p:ph type="sldImg"/>
+          </p:nvPr>
+        </p:nvSpPr>
+        <p:spPr/>
+      </p:sp>
+      <p:sp>
+        <p:nvSpPr>
+          <p:cNvPr id="3" name="Notes Placeholder 2"/>
+          <p:cNvSpPr>
+            <a:spLocks noGrp="1"/>
+          </p:cNvSpPr>
+          <p:nvPr>
+            <p:ph type="body" idx="1"/>
+          </p:nvPr>
+        </p:nvSpPr>
+        <p:spPr/>
+        <p:txBody>
+          <a:bodyPr/>
+          <a:lstStyle/>
+          <a:p>
+            <a:r>
+              <a:rPr lang="en-US" dirty="0"/>
+              <a:t>he </a:t>
+            </a:r>
+            <a:r>
+              <a:rPr lang="en-US" b="1" dirty="0"/>
+              <a:t>GPT o1 Mini</a:t>
+            </a:r>
+            <a:r>
+              <a:rPr lang="en-US" dirty="0"/>
+              <a:t> model by OpenAI features a context window of </a:t>
+            </a:r>
+            <a:r>
+              <a:rPr lang="en-US" b="1" dirty="0"/>
+              <a:t>128,000 tokens</a:t>
+            </a:r>
+            <a:r>
+              <a:rPr lang="en-US" dirty="0"/>
+              <a:t>, allowing it to process extensive input data in a single interaction. </a:t>
+            </a:r>
+            <a:r>
+              <a:rPr lang="en-US" dirty="0">
+                <a:hlinkClick r:id="rId3"/>
+              </a:rPr>
+              <a:t>community.openai.com</a:t>
+            </a:r>
+            <a:endParaRPr lang="en-US" dirty="0"/>
+          </a:p>
+          <a:p>
+            <a:r>
+              <a:rPr lang="en-US" dirty="0"/>
+              <a:t>In comparison, the </a:t>
+            </a:r>
+            <a:r>
+              <a:rPr lang="en-US" b="1" dirty="0"/>
+              <a:t>GPT o1 Pro</a:t>
+            </a:r>
+            <a:r>
+              <a:rPr lang="en-US" dirty="0"/>
+              <a:t> model offers a larger context window of </a:t>
+            </a:r>
+            <a:r>
+              <a:rPr lang="en-US" b="1" dirty="0"/>
+              <a:t>200,000 tokens</a:t>
+            </a:r>
+            <a:r>
+              <a:rPr lang="en-US" dirty="0"/>
+              <a:t>, accommodating even more substantial inputs. </a:t>
+            </a:r>
+            <a:r>
+              <a:rPr lang="en-US" dirty="0">
+                <a:hlinkClick r:id="rId4"/>
+              </a:rPr>
+              <a:t>docsbot.ai</a:t>
+            </a:r>
+            <a:endParaRPr lang="en-US" dirty="0"/>
+          </a:p>
+          <a:p>
+            <a:r>
+              <a:rPr lang="en-US" dirty="0"/>
+              <a:t>These expansive context windows are particularly advantageous for tasks involving large-scale document analysis, complex code generation, and AI agents requiring long-term memory. </a:t>
+            </a:r>
+            <a:r>
+              <a:rPr lang="en-US" dirty="0">
+                <a:hlinkClick r:id="rId5"/>
+              </a:rPr>
+              <a:t>codingscape.com</a:t>
+            </a:r>
+            <a:endParaRPr lang="en-US" dirty="0"/>
+          </a:p>
+          <a:p>
+            <a:r>
+              <a:rPr lang="en-US" dirty="0"/>
+              <a:t>It's important to note that while the context window determines the amount of input data the model can consider, the maximum number of tokens the model can generate in a single response differs. For instance, the GPT o1 Mini can produce up to </a:t>
+            </a:r>
+            <a:r>
+              <a:rPr lang="en-US" b="1" dirty="0"/>
+              <a:t>65,536 tokens</a:t>
+            </a:r>
+            <a:r>
+              <a:rPr lang="en-US" dirty="0"/>
+              <a:t> per request. </a:t>
+            </a:r>
+            <a:r>
+              <a:rPr lang="en-US" dirty="0">
+                <a:hlinkClick r:id="rId3"/>
+              </a:rPr>
+              <a:t>community.openai.com</a:t>
+            </a:r>
+            <a:endParaRPr lang="en-US" dirty="0"/>
+          </a:p>
+          <a:p>
+            <a:r>
+              <a:rPr lang="en-US" dirty="0"/>
+              <a:t>Understanding these parameters is crucial for effectively utilizing the GPT o1 Mini model in applications that demand processing and generating large volumes of text.</a:t>
+            </a:r>
+          </a:p>
+          <a:p>
+            <a:endParaRPr lang="en-US" dirty="0"/>
+          </a:p>
+        </p:txBody>
+      </p:sp>
+      <p:sp>
+        <p:nvSpPr>
+          <p:cNvPr id="4" name="Slide Number Placeholder 3"/>
+          <p:cNvSpPr>
+            <a:spLocks noGrp="1"/>
+          </p:cNvSpPr>
+          <p:nvPr>
+            <p:ph type="sldNum" sz="quarter" idx="5"/>
+          </p:nvPr>
+        </p:nvSpPr>
+        <p:spPr/>
+        <p:txBody>
+          <a:bodyPr/>
+          <a:lstStyle/>
+          <a:p>
+            <a:fld id="{4394D620-30AA-47BC-BAAD-389D9DA22C7D}" type="slidenum">
+              <a:rPr lang="en-US" smtClean="0"/>
+              <a:t>5</a:t>
+            </a:fld>
+            <a:endParaRPr lang="en-US"/>
+          </a:p>
+        </p:txBody>
+      </p:sp>
+    </p:spTree>
+    <p:extLst>
+      <p:ext uri="{BB962C8B-B14F-4D97-AF65-F5344CB8AC3E}">
+        <p14:creationId xmlns:p14="http://schemas.microsoft.com/office/powerpoint/2010/main" val="983300418"/>
+      </p:ext>
+    </p:extLst>
+  </p:cSld>
+  <p:clrMapOvr>
+    <a:masterClrMapping/>
+  </p:clrMapOvr>
+</p:notes>
+</file>
+
 <file path=ppt/slideLayouts/slideLayout1.xml><?xml version="1.0" encoding="utf-8"?>
 <p:sldLayout xmlns:a="http://schemas.openxmlformats.org/drawingml/2006/main" xmlns:r="http://schemas.openxmlformats.org/officeDocument/2006/relationships" xmlns:p="http://schemas.openxmlformats.org/presentationml/2006/main" type="title" preserve="1">
   <p:cSld name="Title Slide">
@@ -288,7 +825,7 @@
           <a:p>
             <a:fld id="{9564C4B6-AF8B-47D1-A3BA-C9921D51DAF6}" type="datetimeFigureOut">
               <a:rPr lang="en-US" smtClean="0"/>
-              <a:t>2/13/2025</a:t>
+              <a:t>2/16/2025</a:t>
             </a:fld>
             <a:endParaRPr lang="en-US"/>
           </a:p>
@@ -600,7 +1137,7 @@
           <a:p>
             <a:fld id="{9564C4B6-AF8B-47D1-A3BA-C9921D51DAF6}" type="datetimeFigureOut">
               <a:rPr lang="en-US" smtClean="0"/>
-              <a:t>2/13/2025</a:t>
+              <a:t>2/16/2025</a:t>
             </a:fld>
             <a:endParaRPr lang="en-US"/>
           </a:p>
@@ -822,7 +1359,7 @@
           <a:p>
             <a:fld id="{9564C4B6-AF8B-47D1-A3BA-C9921D51DAF6}" type="datetimeFigureOut">
               <a:rPr lang="en-US" smtClean="0"/>
-              <a:t>2/13/2025</a:t>
+              <a:t>2/16/2025</a:t>
             </a:fld>
             <a:endParaRPr lang="en-US"/>
           </a:p>
@@ -1113,7 +1650,7 @@
           <a:p>
             <a:fld id="{9564C4B6-AF8B-47D1-A3BA-C9921D51DAF6}" type="datetimeFigureOut">
               <a:rPr lang="en-US" smtClean="0"/>
-              <a:t>2/13/2025</a:t>
+              <a:t>2/16/2025</a:t>
             </a:fld>
             <a:endParaRPr lang="en-US"/>
           </a:p>
@@ -1567,7 +2104,7 @@
           <a:p>
             <a:fld id="{9564C4B6-AF8B-47D1-A3BA-C9921D51DAF6}" type="datetimeFigureOut">
               <a:rPr lang="en-US" smtClean="0"/>
-              <a:t>2/13/2025</a:t>
+              <a:t>2/16/2025</a:t>
             </a:fld>
             <a:endParaRPr lang="en-US"/>
           </a:p>
@@ -2143,7 +2680,7 @@
           <a:p>
             <a:fld id="{9564C4B6-AF8B-47D1-A3BA-C9921D51DAF6}" type="datetimeFigureOut">
               <a:rPr lang="en-US" smtClean="0"/>
-              <a:t>2/13/2025</a:t>
+              <a:t>2/16/2025</a:t>
             </a:fld>
             <a:endParaRPr lang="en-US"/>
           </a:p>
@@ -2995,7 +3532,7 @@
           <a:p>
             <a:fld id="{9564C4B6-AF8B-47D1-A3BA-C9921D51DAF6}" type="datetimeFigureOut">
               <a:rPr lang="en-US" smtClean="0"/>
-              <a:t>2/13/2025</a:t>
+              <a:t>2/16/2025</a:t>
             </a:fld>
             <a:endParaRPr lang="en-US"/>
           </a:p>
@@ -3200,7 +3737,7 @@
           <a:p>
             <a:fld id="{9564C4B6-AF8B-47D1-A3BA-C9921D51DAF6}" type="datetimeFigureOut">
               <a:rPr lang="en-US" smtClean="0"/>
-              <a:t>2/13/2025</a:t>
+              <a:t>2/16/2025</a:t>
             </a:fld>
             <a:endParaRPr lang="en-US"/>
           </a:p>
@@ -3414,7 +3951,7 @@
           <a:p>
             <a:fld id="{9564C4B6-AF8B-47D1-A3BA-C9921D51DAF6}" type="datetimeFigureOut">
               <a:rPr lang="en-US" smtClean="0"/>
-              <a:t>2/13/2025</a:t>
+              <a:t>2/16/2025</a:t>
             </a:fld>
             <a:endParaRPr lang="en-US"/>
           </a:p>
@@ -3619,7 +4156,7 @@
           <a:p>
             <a:fld id="{9564C4B6-AF8B-47D1-A3BA-C9921D51DAF6}" type="datetimeFigureOut">
               <a:rPr lang="en-US" smtClean="0"/>
-              <a:t>2/13/2025</a:t>
+              <a:t>2/16/2025</a:t>
             </a:fld>
             <a:endParaRPr lang="en-US"/>
           </a:p>
@@ -3899,7 +4436,7 @@
           <a:p>
             <a:fld id="{9564C4B6-AF8B-47D1-A3BA-C9921D51DAF6}" type="datetimeFigureOut">
               <a:rPr lang="en-US" smtClean="0"/>
-              <a:t>2/13/2025</a:t>
+              <a:t>2/16/2025</a:t>
             </a:fld>
             <a:endParaRPr lang="en-US"/>
           </a:p>
@@ -4166,7 +4703,7 @@
           <a:p>
             <a:fld id="{9564C4B6-AF8B-47D1-A3BA-C9921D51DAF6}" type="datetimeFigureOut">
               <a:rPr lang="en-US" smtClean="0"/>
-              <a:t>2/13/2025</a:t>
+              <a:t>2/16/2025</a:t>
             </a:fld>
             <a:endParaRPr lang="en-US"/>
           </a:p>
@@ -4581,7 +5118,7 @@
           <a:p>
             <a:fld id="{9564C4B6-AF8B-47D1-A3BA-C9921D51DAF6}" type="datetimeFigureOut">
               <a:rPr lang="en-US" smtClean="0"/>
-              <a:t>2/13/2025</a:t>
+              <a:t>2/16/2025</a:t>
             </a:fld>
             <a:endParaRPr lang="en-US"/>
           </a:p>
@@ -4729,7 +5266,7 @@
           <a:p>
             <a:fld id="{9564C4B6-AF8B-47D1-A3BA-C9921D51DAF6}" type="datetimeFigureOut">
               <a:rPr lang="en-US" smtClean="0"/>
-              <a:t>2/13/2025</a:t>
+              <a:t>2/16/2025</a:t>
             </a:fld>
             <a:endParaRPr lang="en-US"/>
           </a:p>
@@ -4854,7 +5391,7 @@
           <a:p>
             <a:fld id="{9564C4B6-AF8B-47D1-A3BA-C9921D51DAF6}" type="datetimeFigureOut">
               <a:rPr lang="en-US" smtClean="0"/>
-              <a:t>2/13/2025</a:t>
+              <a:t>2/16/2025</a:t>
             </a:fld>
             <a:endParaRPr lang="en-US"/>
           </a:p>
@@ -5133,7 +5670,7 @@
           <a:p>
             <a:fld id="{9564C4B6-AF8B-47D1-A3BA-C9921D51DAF6}" type="datetimeFigureOut">
               <a:rPr lang="en-US" smtClean="0"/>
-              <a:t>2/13/2025</a:t>
+              <a:t>2/16/2025</a:t>
             </a:fld>
             <a:endParaRPr lang="en-US"/>
           </a:p>
@@ -5445,7 +5982,7 @@
           <a:p>
             <a:fld id="{9564C4B6-AF8B-47D1-A3BA-C9921D51DAF6}" type="datetimeFigureOut">
               <a:rPr lang="en-US" smtClean="0"/>
-              <a:t>2/13/2025</a:t>
+              <a:t>2/16/2025</a:t>
             </a:fld>
             <a:endParaRPr lang="en-US"/>
           </a:p>
@@ -5698,7 +6235,7 @@
           <a:p>
             <a:fld id="{9564C4B6-AF8B-47D1-A3BA-C9921D51DAF6}" type="datetimeFigureOut">
               <a:rPr lang="en-US" smtClean="0"/>
-              <a:t>2/13/2025</a:t>
+              <a:t>2/16/2025</a:t>
             </a:fld>
             <a:endParaRPr lang="en-US"/>
           </a:p>
@@ -6165,7 +6702,7 @@
           <a:p>
             <a:r>
               <a:rPr lang="en-US" dirty="0"/>
-              <a:t>Creating AI Friendly APIs</a:t>
+              <a:t>Creating an AI Friendly API</a:t>
             </a:r>
           </a:p>
         </p:txBody>
@@ -6500,7 +7037,7 @@
           <a:p>
             <a:r>
               <a:rPr lang="en-US" dirty="0"/>
-              <a:t>AI Plugins and AI agents performance and reliability relies on A deep understanding of the domain our </a:t>
+              <a:t>AI Plugins and AI agent’s performance and reliability relies on A deep understanding of the domain of our </a:t>
             </a:r>
             <a:r>
               <a:rPr lang="en-US" dirty="0" err="1"/>
@@ -6512,21 +7049,14 @@
             <a:pPr lvl="1"/>
             <a:r>
               <a:rPr lang="en-US" dirty="0"/>
-              <a:t>Reduces the amount of token required for a response</a:t>
+              <a:t>Allows for complex interactions beyond programming</a:t>
             </a:r>
           </a:p>
           <a:p>
             <a:pPr lvl="1"/>
             <a:r>
               <a:rPr lang="en-US" dirty="0"/>
-              <a:t>Allows for complex interactions beyond programming</a:t>
-            </a:r>
-          </a:p>
-          <a:p>
-            <a:pPr lvl="1"/>
-            <a:r>
-              <a:rPr lang="en-US" dirty="0"/>
-              <a:t>Allows protocols creations and strong domain knowledge enhancement.</a:t>
+              <a:t>Allows creation of protocols and strong domain knowledge enhancement.</a:t>
             </a:r>
           </a:p>
           <a:p>
@@ -6534,6 +7064,13 @@
             <a:r>
               <a:rPr lang="en-US" dirty="0"/>
               <a:t>Open agile human interfacing through natural Language processing.</a:t>
+            </a:r>
+          </a:p>
+          <a:p>
+            <a:pPr lvl="1"/>
+            <a:r>
+              <a:rPr lang="en-US" dirty="0"/>
+              <a:t>Improve precision and reduce cost</a:t>
             </a:r>
           </a:p>
           <a:p>
@@ -6951,29 +7488,21 @@
           <a:p>
             <a:r>
               <a:rPr lang="en-US" dirty="0"/>
-              <a:t>Clear definition of our </a:t>
-            </a:r>
-            <a:r>
-              <a:rPr lang="en-US" dirty="0" err="1"/>
-              <a:t>our</a:t>
-            </a:r>
-            <a:r>
-              <a:rPr lang="en-US" dirty="0"/>
-              <a:t> interface with appropriate and standardized protocols</a:t>
+              <a:t>Clear definition of our interface with appropriate and standardized protocols</a:t>
             </a:r>
           </a:p>
           <a:p>
             <a:pPr lvl="1"/>
             <a:r>
-              <a:rPr lang="en-US" dirty="0"/>
+              <a:rPr lang="en-US" b="1" dirty="0"/>
               <a:t>Using </a:t>
             </a:r>
             <a:r>
-              <a:rPr lang="en-US" dirty="0" err="1"/>
+              <a:rPr lang="en-US" b="1" dirty="0" err="1"/>
               <a:t>OpenAPI</a:t>
             </a:r>
             <a:r>
-              <a:rPr lang="en-US" dirty="0"/>
+              <a:rPr lang="en-US" b="1" dirty="0"/>
               <a:t> standard</a:t>
             </a:r>
           </a:p>
@@ -6988,6 +7517,13 @@
             <a:pPr lvl="1"/>
             <a:r>
               <a:rPr lang="en-US" dirty="0"/>
+              <a:t>Enhancing clarity of the entity's documentation for accuracy</a:t>
+            </a:r>
+          </a:p>
+          <a:p>
+            <a:pPr lvl="1"/>
+            <a:r>
+              <a:rPr lang="en-US" dirty="0"/>
               <a:t>Picking the right endpoints for the job</a:t>
             </a:r>
           </a:p>
@@ -6996,13 +7532,6 @@
             <a:r>
               <a:rPr lang="en-US" dirty="0"/>
               <a:t>Consistency in access and protocol usage</a:t>
-            </a:r>
-          </a:p>
-          <a:p>
-            <a:pPr lvl="1"/>
-            <a:r>
-              <a:rPr lang="en-US" dirty="0"/>
-              <a:t>Enhancing clarity </a:t>
             </a:r>
           </a:p>
         </p:txBody>
@@ -7104,7 +7633,7 @@
           <a:p>
             <a:r>
               <a:rPr lang="en-US" dirty="0"/>
-              <a:t>How?</a:t>
+              <a:t>What is this demo covering?</a:t>
             </a:r>
           </a:p>
         </p:txBody>
@@ -7130,7 +7659,28 @@
           <a:bodyPr/>
           <a:lstStyle/>
           <a:p>
-            <a:endParaRPr lang="en-US" dirty="0"/>
+            <a:r>
+              <a:rPr lang="en-US" dirty="0"/>
+              <a:t>Demonstrate basic power of using AI to enhance complex and abstract automation tasks by documenting its intent</a:t>
+            </a:r>
+          </a:p>
+          <a:p>
+            <a:r>
+              <a:rPr lang="en-US" dirty="0"/>
+              <a:t>Demonstrate The creation of protocols and memories</a:t>
+            </a:r>
+          </a:p>
+          <a:p>
+            <a:r>
+              <a:rPr lang="en-US" dirty="0"/>
+              <a:t>Exhibit some creative capabilities in automation</a:t>
+            </a:r>
+          </a:p>
+          <a:p>
+            <a:r>
+              <a:rPr lang="en-US" b="1" dirty="0"/>
+              <a:t>Dive into API documentation tips for a better integration with AI</a:t>
+            </a:r>
           </a:p>
         </p:txBody>
       </p:sp>
@@ -7155,7 +7705,7 @@
         <p:cNvPr id="1" name="">
           <a:extLst>
             <a:ext uri="{FF2B5EF4-FFF2-40B4-BE49-F238E27FC236}">
-              <a16:creationId xmlns:a16="http://schemas.microsoft.com/office/drawing/2014/main" id="{4E9D1905-4D1F-F5D6-315E-FDD5B361D6E7}"/>
+              <a16:creationId xmlns:a16="http://schemas.microsoft.com/office/drawing/2014/main" id="{C85D2EC7-BBF4-5EF3-CB01-2A3C72269517}"/>
             </a:ext>
           </a:extLst>
         </p:cNvPr>
@@ -7172,10 +7722,204 @@
       </p:grpSpPr>
       <p:sp>
         <p:nvSpPr>
+          <p:cNvPr id="2" name="Title 1">
+            <a:extLst>
+              <a:ext uri="{FF2B5EF4-FFF2-40B4-BE49-F238E27FC236}">
+                <a16:creationId xmlns:a16="http://schemas.microsoft.com/office/drawing/2014/main" id="{5BC0925B-B788-952C-3EB4-763ADD061032}"/>
+              </a:ext>
+            </a:extLst>
+          </p:cNvPr>
+          <p:cNvSpPr>
+            <a:spLocks noGrp="1"/>
+          </p:cNvSpPr>
+          <p:nvPr>
+            <p:ph type="title"/>
+          </p:nvPr>
+        </p:nvSpPr>
+        <p:spPr/>
+        <p:txBody>
+          <a:bodyPr/>
+          <a:lstStyle/>
+          <a:p>
+            <a:r>
+              <a:rPr lang="en-US" dirty="0"/>
+              <a:t>Behind the curtain</a:t>
+            </a:r>
+          </a:p>
+        </p:txBody>
+      </p:sp>
+      <p:sp>
+        <p:nvSpPr>
+          <p:cNvPr id="3" name="Content Placeholder 2">
+            <a:extLst>
+              <a:ext uri="{FF2B5EF4-FFF2-40B4-BE49-F238E27FC236}">
+                <a16:creationId xmlns:a16="http://schemas.microsoft.com/office/drawing/2014/main" id="{8C13CD61-741A-22B4-930A-EB4B6486BC8A}"/>
+              </a:ext>
+            </a:extLst>
+          </p:cNvPr>
+          <p:cNvSpPr>
+            <a:spLocks noGrp="1"/>
+          </p:cNvSpPr>
+          <p:nvPr>
+            <p:ph sz="quarter" idx="13"/>
+          </p:nvPr>
+        </p:nvSpPr>
+        <p:spPr>
+          <a:xfrm>
+            <a:off x="913774" y="2367092"/>
+            <a:ext cx="10363826" cy="3768237"/>
+          </a:xfrm>
+        </p:spPr>
+        <p:txBody>
+          <a:bodyPr/>
+          <a:lstStyle/>
+          <a:p>
+            <a:r>
+              <a:rPr lang="en-US" dirty="0"/>
+              <a:t>The ai model used in this demo has not been pretrained for the demo</a:t>
+            </a:r>
+          </a:p>
+          <a:p>
+            <a:r>
+              <a:rPr lang="en-US" dirty="0"/>
+              <a:t>The model only knows the </a:t>
+            </a:r>
+            <a:r>
+              <a:rPr lang="en-US" dirty="0" err="1"/>
+              <a:t>openAPI</a:t>
+            </a:r>
+            <a:r>
+              <a:rPr lang="en-US" dirty="0"/>
+              <a:t> definition </a:t>
+            </a:r>
+            <a:r>
+              <a:rPr lang="en-US" b="1" dirty="0"/>
+              <a:t>sent when the application starts</a:t>
+            </a:r>
+          </a:p>
+          <a:p>
+            <a:r>
+              <a:rPr lang="en-US" dirty="0"/>
+              <a:t>I am using </a:t>
+            </a:r>
+            <a:r>
+              <a:rPr lang="en-US" b="1" dirty="0"/>
+              <a:t>semantic kernel </a:t>
+            </a:r>
+            <a:r>
+              <a:rPr lang="en-US" dirty="0"/>
+              <a:t>from Microsoft as a library to interact with </a:t>
+            </a:r>
+            <a:r>
+              <a:rPr lang="en-US" b="1" dirty="0" err="1"/>
+              <a:t>openAI</a:t>
+            </a:r>
+            <a:r>
+              <a:rPr lang="en-US" b="1" dirty="0"/>
+              <a:t> gpt4 mini </a:t>
+            </a:r>
+            <a:r>
+              <a:rPr lang="en-US" dirty="0"/>
+              <a:t>(through one of its connectors)</a:t>
+            </a:r>
+          </a:p>
+          <a:p>
+            <a:pPr lvl="1"/>
+            <a:r>
+              <a:rPr lang="en-US" dirty="0"/>
+              <a:t>SK is A unified interface to connect to diverse AI models like Azure, OpenAI, or </a:t>
+            </a:r>
+            <a:r>
+              <a:rPr lang="en-US" dirty="0" err="1"/>
+              <a:t>Ollama</a:t>
+            </a:r>
+            <a:endParaRPr lang="en-US" dirty="0"/>
+          </a:p>
+          <a:p>
+            <a:pPr lvl="1"/>
+            <a:r>
+              <a:rPr lang="en-US" dirty="0"/>
+              <a:t>SK only manages the creation of a plugin out of the </a:t>
+            </a:r>
+            <a:r>
+              <a:rPr lang="en-US" dirty="0" err="1"/>
+              <a:t>openapi</a:t>
+            </a:r>
+            <a:r>
+              <a:rPr lang="en-US" dirty="0"/>
+              <a:t> service definition</a:t>
+            </a:r>
+          </a:p>
+          <a:p>
+            <a:pPr lvl="1"/>
+            <a:r>
+              <a:rPr lang="en-US" dirty="0"/>
+              <a:t>Provides connectors to storage, AI, services among other.</a:t>
+            </a:r>
+          </a:p>
+          <a:p>
+            <a:pPr lvl="1"/>
+            <a:r>
+              <a:rPr lang="en-US" dirty="0"/>
+              <a:t>Chat interaction </a:t>
+            </a:r>
+            <a:r>
+              <a:rPr lang="en-US" b="1" dirty="0"/>
+              <a:t>with direct calls to your Api </a:t>
+            </a:r>
+            <a:r>
+              <a:rPr lang="en-US" dirty="0"/>
+              <a:t>if the ai understands what to do </a:t>
+            </a:r>
+          </a:p>
+          <a:p>
+            <a:pPr lvl="1"/>
+            <a:endParaRPr lang="en-US" dirty="0"/>
+          </a:p>
+        </p:txBody>
+      </p:sp>
+    </p:spTree>
+    <p:extLst>
+      <p:ext uri="{BB962C8B-B14F-4D97-AF65-F5344CB8AC3E}">
+        <p14:creationId xmlns:p14="http://schemas.microsoft.com/office/powerpoint/2010/main" val="1688733331"/>
+      </p:ext>
+    </p:extLst>
+  </p:cSld>
+  <p:clrMapOvr>
+    <a:masterClrMapping/>
+  </p:clrMapOvr>
+</p:sld>
+</file>
+
+<file path=ppt/slides/slide6.xml><?xml version="1.0" encoding="utf-8"?>
+<p:sld xmlns:a="http://schemas.openxmlformats.org/drawingml/2006/main" xmlns:r="http://schemas.openxmlformats.org/officeDocument/2006/relationships" xmlns:p="http://schemas.openxmlformats.org/presentationml/2006/main">
+  <p:cSld>
+    <p:spTree>
+      <p:nvGrpSpPr>
+        <p:cNvPr id="1" name="">
+          <a:extLst>
+            <a:ext uri="{FF2B5EF4-FFF2-40B4-BE49-F238E27FC236}">
+              <a16:creationId xmlns:a16="http://schemas.microsoft.com/office/drawing/2014/main" id="{8E5111BC-7260-B041-30D5-CE6CD853AC3B}"/>
+            </a:ext>
+          </a:extLst>
+        </p:cNvPr>
+        <p:cNvGrpSpPr/>
+        <p:nvPr/>
+      </p:nvGrpSpPr>
+      <p:grpSpPr>
+        <a:xfrm>
+          <a:off x="0" y="0"/>
+          <a:ext cx="0" cy="0"/>
+          <a:chOff x="0" y="0"/>
+          <a:chExt cx="0" cy="0"/>
+        </a:xfrm>
+      </p:grpSpPr>
+      <p:sp>
+        <p:nvSpPr>
           <p:cNvPr id="8" name="Flowchart: Connector 7">
             <a:extLst>
               <a:ext uri="{FF2B5EF4-FFF2-40B4-BE49-F238E27FC236}">
-                <a16:creationId xmlns:a16="http://schemas.microsoft.com/office/drawing/2014/main" id="{42714A30-BB2E-14D0-D693-B7BD27199B70}"/>
+                <a16:creationId xmlns:a16="http://schemas.microsoft.com/office/drawing/2014/main" id="{74852EBC-9558-E4BF-874B-336F380D3A45}"/>
               </a:ext>
             </a:extLst>
           </p:cNvPr>
@@ -7224,7 +7968,7 @@
           <p:cNvPr id="5" name="Oval 4">
             <a:extLst>
               <a:ext uri="{FF2B5EF4-FFF2-40B4-BE49-F238E27FC236}">
-                <a16:creationId xmlns:a16="http://schemas.microsoft.com/office/drawing/2014/main" id="{0A70A0A7-1AF5-ADD8-E0CA-EE1343EFE7F3}"/>
+                <a16:creationId xmlns:a16="http://schemas.microsoft.com/office/drawing/2014/main" id="{E944EB03-1DDD-E360-0C57-EA033FEDCF02}"/>
               </a:ext>
             </a:extLst>
           </p:cNvPr>
@@ -7278,7 +8022,7 @@
           <p:cNvPr id="6" name="Flowchart: Connector 5">
             <a:extLst>
               <a:ext uri="{FF2B5EF4-FFF2-40B4-BE49-F238E27FC236}">
-                <a16:creationId xmlns:a16="http://schemas.microsoft.com/office/drawing/2014/main" id="{30D0B0BF-76E3-9B3F-CDC2-6439777C8EEE}"/>
+                <a16:creationId xmlns:a16="http://schemas.microsoft.com/office/drawing/2014/main" id="{748E995A-CFB4-AC80-43E3-952CF3DBCD5B}"/>
               </a:ext>
             </a:extLst>
           </p:cNvPr>
@@ -7330,7 +8074,7 @@
           <p:cNvPr id="7" name="Flowchart: Connector 6">
             <a:extLst>
               <a:ext uri="{FF2B5EF4-FFF2-40B4-BE49-F238E27FC236}">
-                <a16:creationId xmlns:a16="http://schemas.microsoft.com/office/drawing/2014/main" id="{DE1ECCD0-4656-0C45-2B66-1A8011D36D44}"/>
+                <a16:creationId xmlns:a16="http://schemas.microsoft.com/office/drawing/2014/main" id="{1216B8A6-0A95-0493-7DA2-52F19376A220}"/>
               </a:ext>
             </a:extLst>
           </p:cNvPr>
@@ -7382,7 +8126,7 @@
           <p:cNvPr id="9" name="Flowchart: Connector 8">
             <a:extLst>
               <a:ext uri="{FF2B5EF4-FFF2-40B4-BE49-F238E27FC236}">
-                <a16:creationId xmlns:a16="http://schemas.microsoft.com/office/drawing/2014/main" id="{D21853DE-6297-CC6D-9FDA-D00C0787477F}"/>
+                <a16:creationId xmlns:a16="http://schemas.microsoft.com/office/drawing/2014/main" id="{DBF5AF57-DC95-9903-8705-2C6AEB86A91C}"/>
               </a:ext>
             </a:extLst>
           </p:cNvPr>
@@ -7437,7 +8181,7 @@
           <p:cNvPr id="4" name="Flowchart: Connector 3">
             <a:extLst>
               <a:ext uri="{FF2B5EF4-FFF2-40B4-BE49-F238E27FC236}">
-                <a16:creationId xmlns:a16="http://schemas.microsoft.com/office/drawing/2014/main" id="{7D3B8BFF-60D4-5638-5D7A-686275FA99DD}"/>
+                <a16:creationId xmlns:a16="http://schemas.microsoft.com/office/drawing/2014/main" id="{DB50D140-44BF-A0B2-210B-57C1F5C4E28E}"/>
               </a:ext>
             </a:extLst>
           </p:cNvPr>
@@ -7486,7 +8230,7 @@
           <p:cNvPr id="10" name="Flowchart: Connector 9">
             <a:extLst>
               <a:ext uri="{FF2B5EF4-FFF2-40B4-BE49-F238E27FC236}">
-                <a16:creationId xmlns:a16="http://schemas.microsoft.com/office/drawing/2014/main" id="{884F9DF1-A358-2EE0-475D-32350783EC9C}"/>
+                <a16:creationId xmlns:a16="http://schemas.microsoft.com/office/drawing/2014/main" id="{92DC0BFE-DD6A-1A32-9420-CE662412B685}"/>
               </a:ext>
             </a:extLst>
           </p:cNvPr>
@@ -7535,7 +8279,7 @@
           <p:cNvPr id="12" name="Straight Connector 11">
             <a:extLst>
               <a:ext uri="{FF2B5EF4-FFF2-40B4-BE49-F238E27FC236}">
-                <a16:creationId xmlns:a16="http://schemas.microsoft.com/office/drawing/2014/main" id="{CF7BBD23-39AA-FFD2-929A-F016AB8418B6}"/>
+                <a16:creationId xmlns:a16="http://schemas.microsoft.com/office/drawing/2014/main" id="{C47FA16D-706A-643F-3E74-50A0F6A5ACA1}"/>
               </a:ext>
             </a:extLst>
           </p:cNvPr>
@@ -7574,7 +8318,7 @@
           <p:cNvPr id="16" name="Straight Arrow Connector 15">
             <a:extLst>
               <a:ext uri="{FF2B5EF4-FFF2-40B4-BE49-F238E27FC236}">
-                <a16:creationId xmlns:a16="http://schemas.microsoft.com/office/drawing/2014/main" id="{65F64296-A2EC-A029-C1AF-B8DA8EC68263}"/>
+                <a16:creationId xmlns:a16="http://schemas.microsoft.com/office/drawing/2014/main" id="{D38F0FA2-9B46-F95E-CA41-34EC061C9F9F}"/>
               </a:ext>
             </a:extLst>
           </p:cNvPr>
@@ -7617,7 +8361,7 @@
           <p:cNvPr id="20" name="Straight Arrow Connector 19">
             <a:extLst>
               <a:ext uri="{FF2B5EF4-FFF2-40B4-BE49-F238E27FC236}">
-                <a16:creationId xmlns:a16="http://schemas.microsoft.com/office/drawing/2014/main" id="{67DE006E-99F1-A96E-E498-EEB6B2D48324}"/>
+                <a16:creationId xmlns:a16="http://schemas.microsoft.com/office/drawing/2014/main" id="{D626B7CC-B98A-69BC-74E6-323B9A09D033}"/>
               </a:ext>
             </a:extLst>
           </p:cNvPr>
@@ -7661,7 +8405,7 @@
           <p:cNvPr id="24" name="Flowchart: Connector 23">
             <a:extLst>
               <a:ext uri="{FF2B5EF4-FFF2-40B4-BE49-F238E27FC236}">
-                <a16:creationId xmlns:a16="http://schemas.microsoft.com/office/drawing/2014/main" id="{22570428-4C2E-235A-87A6-6A8038FEF004}"/>
+                <a16:creationId xmlns:a16="http://schemas.microsoft.com/office/drawing/2014/main" id="{31265E88-26F9-8AA9-D438-407E2CE034EE}"/>
               </a:ext>
             </a:extLst>
           </p:cNvPr>
@@ -7716,7 +8460,7 @@
           <p:cNvPr id="25" name="Flowchart: Connector 24">
             <a:extLst>
               <a:ext uri="{FF2B5EF4-FFF2-40B4-BE49-F238E27FC236}">
-                <a16:creationId xmlns:a16="http://schemas.microsoft.com/office/drawing/2014/main" id="{D98ED7B8-52BD-84BF-A19A-42EE14A56715}"/>
+                <a16:creationId xmlns:a16="http://schemas.microsoft.com/office/drawing/2014/main" id="{9663362C-34AE-ACE4-8299-5E2732B1A421}"/>
               </a:ext>
             </a:extLst>
           </p:cNvPr>
@@ -7778,7 +8522,7 @@
           <p:cNvPr id="26" name="Title 25">
             <a:extLst>
               <a:ext uri="{FF2B5EF4-FFF2-40B4-BE49-F238E27FC236}">
-                <a16:creationId xmlns:a16="http://schemas.microsoft.com/office/drawing/2014/main" id="{1B853603-486C-8803-D22E-40FA40442483}"/>
+                <a16:creationId xmlns:a16="http://schemas.microsoft.com/office/drawing/2014/main" id="{D5997740-7002-B832-88F5-FF5D5EF166FA}"/>
               </a:ext>
             </a:extLst>
           </p:cNvPr>
@@ -7811,7 +8555,7 @@
           <p:cNvPr id="27" name="Straight Arrow Connector 26">
             <a:extLst>
               <a:ext uri="{FF2B5EF4-FFF2-40B4-BE49-F238E27FC236}">
-                <a16:creationId xmlns:a16="http://schemas.microsoft.com/office/drawing/2014/main" id="{854732D4-CD37-64EB-8216-E4233C12AB8D}"/>
+                <a16:creationId xmlns:a16="http://schemas.microsoft.com/office/drawing/2014/main" id="{1A53F08C-156D-65D3-AC83-9DEC2383F429}"/>
               </a:ext>
             </a:extLst>
           </p:cNvPr>
@@ -7855,7 +8599,7 @@
           <p:cNvPr id="30" name="TextBox 29">
             <a:extLst>
               <a:ext uri="{FF2B5EF4-FFF2-40B4-BE49-F238E27FC236}">
-                <a16:creationId xmlns:a16="http://schemas.microsoft.com/office/drawing/2014/main" id="{7271B2E5-A84A-CEEB-8318-2123C741847C}"/>
+                <a16:creationId xmlns:a16="http://schemas.microsoft.com/office/drawing/2014/main" id="{F7B28FEF-E63F-0D9E-6DDB-D7DA077AAC1F}"/>
               </a:ext>
             </a:extLst>
           </p:cNvPr>
@@ -7910,7 +8654,7 @@
           <p:cNvPr id="31" name="Flowchart: Connector 30">
             <a:extLst>
               <a:ext uri="{FF2B5EF4-FFF2-40B4-BE49-F238E27FC236}">
-                <a16:creationId xmlns:a16="http://schemas.microsoft.com/office/drawing/2014/main" id="{6B81E34A-0CD0-D60F-A6BD-EB821A65009A}"/>
+                <a16:creationId xmlns:a16="http://schemas.microsoft.com/office/drawing/2014/main" id="{30F15CAF-1548-E7EC-68FC-91BFC352F972}"/>
               </a:ext>
             </a:extLst>
           </p:cNvPr>
@@ -7962,7 +8706,7 @@
           <p:cNvPr id="32" name="Straight Arrow Connector 31">
             <a:extLst>
               <a:ext uri="{FF2B5EF4-FFF2-40B4-BE49-F238E27FC236}">
-                <a16:creationId xmlns:a16="http://schemas.microsoft.com/office/drawing/2014/main" id="{1DB67E72-707D-7494-AE93-D99862D7C313}"/>
+                <a16:creationId xmlns:a16="http://schemas.microsoft.com/office/drawing/2014/main" id="{F9104003-2C0A-7DA7-2D4E-C616EF3EC846}"/>
               </a:ext>
             </a:extLst>
           </p:cNvPr>
@@ -8006,7 +8750,7 @@
           <p:cNvPr id="36" name="TextBox 35">
             <a:extLst>
               <a:ext uri="{FF2B5EF4-FFF2-40B4-BE49-F238E27FC236}">
-                <a16:creationId xmlns:a16="http://schemas.microsoft.com/office/drawing/2014/main" id="{2FDC6E53-7AF2-2E09-4532-ED0E81DC119F}"/>
+                <a16:creationId xmlns:a16="http://schemas.microsoft.com/office/drawing/2014/main" id="{6CD6A569-4983-0A9F-8AC0-B30561D27F44}"/>
               </a:ext>
             </a:extLst>
           </p:cNvPr>
@@ -8048,7 +8792,7 @@
           <p:cNvPr id="2" name="Flowchart: Connector 1">
             <a:extLst>
               <a:ext uri="{FF2B5EF4-FFF2-40B4-BE49-F238E27FC236}">
-                <a16:creationId xmlns:a16="http://schemas.microsoft.com/office/drawing/2014/main" id="{4D04CB62-52E4-5BF9-6F81-06D8F3CBB38D}"/>
+                <a16:creationId xmlns:a16="http://schemas.microsoft.com/office/drawing/2014/main" id="{AD420D27-064B-1739-3834-2A9101CD2D38}"/>
               </a:ext>
             </a:extLst>
           </p:cNvPr>
@@ -8112,7 +8856,7 @@
           <p:cNvPr id="3" name="Speech Bubble: Rectangle with Corners Rounded 2">
             <a:extLst>
               <a:ext uri="{FF2B5EF4-FFF2-40B4-BE49-F238E27FC236}">
-                <a16:creationId xmlns:a16="http://schemas.microsoft.com/office/drawing/2014/main" id="{92B377A4-56D5-D879-671D-9015022E6BE6}"/>
+                <a16:creationId xmlns:a16="http://schemas.microsoft.com/office/drawing/2014/main" id="{263B2D01-853B-D094-7704-F840933CEF3C}"/>
               </a:ext>
             </a:extLst>
           </p:cNvPr>
@@ -8165,7 +8909,7 @@
           <p:cNvPr id="11" name="Speech Bubble: Rectangle with Corners Rounded 10">
             <a:extLst>
               <a:ext uri="{FF2B5EF4-FFF2-40B4-BE49-F238E27FC236}">
-                <a16:creationId xmlns:a16="http://schemas.microsoft.com/office/drawing/2014/main" id="{B555FA2C-C664-F48D-8EED-561D507A366C}"/>
+                <a16:creationId xmlns:a16="http://schemas.microsoft.com/office/drawing/2014/main" id="{DA5065EF-F7DF-E832-1F70-46F1F979BEF4}"/>
               </a:ext>
             </a:extLst>
           </p:cNvPr>
@@ -8227,7 +8971,7 @@
           <p:cNvPr id="22" name="Flowchart: Connector 21">
             <a:extLst>
               <a:ext uri="{FF2B5EF4-FFF2-40B4-BE49-F238E27FC236}">
-                <a16:creationId xmlns:a16="http://schemas.microsoft.com/office/drawing/2014/main" id="{B54AE1B3-8877-D7F6-004D-4EFE05DD2F41}"/>
+                <a16:creationId xmlns:a16="http://schemas.microsoft.com/office/drawing/2014/main" id="{7325583C-C60B-794C-0931-DBA4CB1D9154}"/>
               </a:ext>
             </a:extLst>
           </p:cNvPr>
@@ -8279,7 +9023,7 @@
           <p:cNvPr id="29" name="Speech Bubble: Rectangle with Corners Rounded 28">
             <a:extLst>
               <a:ext uri="{FF2B5EF4-FFF2-40B4-BE49-F238E27FC236}">
-                <a16:creationId xmlns:a16="http://schemas.microsoft.com/office/drawing/2014/main" id="{2CD17966-15B3-BFFA-AB11-58911FDAFD39}"/>
+                <a16:creationId xmlns:a16="http://schemas.microsoft.com/office/drawing/2014/main" id="{A3F307B3-7301-723A-5F15-F1103408323C}"/>
               </a:ext>
             </a:extLst>
           </p:cNvPr>
@@ -8334,7 +9078,7 @@
     </p:spTree>
     <p:extLst>
       <p:ext uri="{BB962C8B-B14F-4D97-AF65-F5344CB8AC3E}">
-        <p14:creationId xmlns:p14="http://schemas.microsoft.com/office/powerpoint/2010/main" val="2949542158"/>
+        <p14:creationId xmlns:p14="http://schemas.microsoft.com/office/powerpoint/2010/main" val="2094127353"/>
       </p:ext>
     </p:extLst>
   </p:cSld>
@@ -9940,7 +10684,3540 @@
 </p:sld>
 </file>
 
-<file path=ppt/slides/slide6.xml><?xml version="1.0" encoding="utf-8"?>
+<file path=ppt/slides/slide7.xml><?xml version="1.0" encoding="utf-8"?>
+<p:sld xmlns:a="http://schemas.openxmlformats.org/drawingml/2006/main" xmlns:r="http://schemas.openxmlformats.org/officeDocument/2006/relationships" xmlns:p="http://schemas.openxmlformats.org/presentationml/2006/main">
+  <p:cSld>
+    <p:bg>
+      <p:bgPr>
+        <a:gradFill rotWithShape="1">
+          <a:gsLst>
+            <a:gs pos="0">
+              <a:schemeClr val="bg1">
+                <a:tint val="84000"/>
+                <a:shade val="100000"/>
+                <a:hueMod val="130000"/>
+                <a:satMod val="150000"/>
+                <a:lumMod val="112000"/>
+              </a:schemeClr>
+            </a:gs>
+            <a:gs pos="100000">
+              <a:schemeClr val="bg1">
+                <a:shade val="92000"/>
+                <a:satMod val="140000"/>
+                <a:lumMod val="110000"/>
+              </a:schemeClr>
+            </a:gs>
+          </a:gsLst>
+          <a:lin ang="5400000" scaled="0"/>
+        </a:gradFill>
+        <a:effectLst/>
+      </p:bgPr>
+    </p:bg>
+    <p:spTree>
+      <p:nvGrpSpPr>
+        <p:cNvPr id="1" name="">
+          <a:extLst>
+            <a:ext uri="{FF2B5EF4-FFF2-40B4-BE49-F238E27FC236}">
+              <a16:creationId xmlns:a16="http://schemas.microsoft.com/office/drawing/2014/main" id="{8DB59653-54F5-ABCA-BE16-015A8163CFF5}"/>
+            </a:ext>
+          </a:extLst>
+        </p:cNvPr>
+        <p:cNvGrpSpPr/>
+        <p:nvPr/>
+      </p:nvGrpSpPr>
+      <p:grpSpPr>
+        <a:xfrm>
+          <a:off x="0" y="0"/>
+          <a:ext cx="0" cy="0"/>
+          <a:chOff x="0" y="0"/>
+          <a:chExt cx="0" cy="0"/>
+        </a:xfrm>
+      </p:grpSpPr>
+      <p:sp useBgFill="1">
+        <p:nvSpPr>
+          <p:cNvPr id="10" name="Rectangle 9">
+            <a:extLst>
+              <a:ext uri="{FF2B5EF4-FFF2-40B4-BE49-F238E27FC236}">
+                <a16:creationId xmlns:a16="http://schemas.microsoft.com/office/drawing/2014/main" id="{88330042-35B5-7540-A419-732068E5AD2B}"/>
+              </a:ext>
+              <a:ext uri="{C183D7F6-B498-43B3-948B-1728B52AA6E4}">
+                <adec:decorative xmlns:adec="http://schemas.microsoft.com/office/drawing/2017/decorative" val="1"/>
+              </a:ext>
+            </a:extLst>
+          </p:cNvPr>
+          <p:cNvSpPr>
+            <a:spLocks noGrp="1" noRot="1" noChangeAspect="1" noMove="1" noResize="1" noEditPoints="1" noAdjustHandles="1" noChangeArrowheads="1" noChangeShapeType="1" noTextEdit="1"/>
+          </p:cNvSpPr>
+          <p:nvPr>
+            <p:extLst>
+              <p:ext uri="{386F3935-93C4-4BCD-93E2-E3B085C9AB24}">
+                <p16:designElem xmlns:p16="http://schemas.microsoft.com/office/powerpoint/2015/main" val="1"/>
+              </p:ext>
+            </p:extLst>
+          </p:nvPr>
+        </p:nvSpPr>
+        <p:spPr>
+          <a:xfrm>
+            <a:off x="4059935" y="0"/>
+            <a:ext cx="8132065" cy="6858000"/>
+          </a:xfrm>
+          <a:prstGeom prst="rect">
+            <a:avLst/>
+          </a:prstGeom>
+          <a:ln>
+            <a:noFill/>
+          </a:ln>
+        </p:spPr>
+        <p:style>
+          <a:lnRef idx="2">
+            <a:schemeClr val="accent1">
+              <a:shade val="50000"/>
+            </a:schemeClr>
+          </a:lnRef>
+          <a:fillRef idx="1">
+            <a:schemeClr val="accent1"/>
+          </a:fillRef>
+          <a:effectRef idx="0">
+            <a:schemeClr val="accent1"/>
+          </a:effectRef>
+          <a:fontRef idx="minor">
+            <a:schemeClr val="lt1"/>
+          </a:fontRef>
+        </p:style>
+        <p:txBody>
+          <a:bodyPr rtlCol="0" anchor="ctr"/>
+          <a:lstStyle/>
+          <a:p>
+            <a:pPr marL="0" marR="0" lvl="0" indent="0" algn="ctr" defTabSz="457200" rtl="0" eaLnBrk="1" fontAlgn="auto" latinLnBrk="0" hangingPunct="1">
+              <a:lnSpc>
+                <a:spcPct val="100000"/>
+              </a:lnSpc>
+              <a:spcBef>
+                <a:spcPts val="0"/>
+              </a:spcBef>
+              <a:spcAft>
+                <a:spcPts val="0"/>
+              </a:spcAft>
+              <a:buClrTx/>
+              <a:buSzTx/>
+              <a:buFontTx/>
+              <a:buNone/>
+              <a:tabLst/>
+              <a:defRPr/>
+            </a:pPr>
+            <a:endParaRPr kumimoji="0" lang="en-US" sz="1800" b="0" i="0" u="none" strike="noStrike" kern="1200" cap="none" spc="0" normalizeH="0" baseline="0" noProof="0">
+              <a:ln>
+                <a:noFill/>
+              </a:ln>
+              <a:solidFill>
+                <a:prstClr val="white"/>
+              </a:solidFill>
+              <a:effectLst/>
+              <a:uLnTx/>
+              <a:uFillTx/>
+              <a:latin typeface="Tw Cen MT" panose="020B0602020104020603"/>
+              <a:ea typeface="+mn-ea"/>
+              <a:cs typeface="+mn-cs"/>
+            </a:endParaRPr>
+          </a:p>
+        </p:txBody>
+      </p:sp>
+      <p:sp>
+        <p:nvSpPr>
+          <p:cNvPr id="12" name="Rectangle 11">
+            <a:extLst>
+              <a:ext uri="{FF2B5EF4-FFF2-40B4-BE49-F238E27FC236}">
+                <a16:creationId xmlns:a16="http://schemas.microsoft.com/office/drawing/2014/main" id="{B01D9EAA-1F8C-E7CE-30BE-B640157F9188}"/>
+              </a:ext>
+              <a:ext uri="{C183D7F6-B498-43B3-948B-1728B52AA6E4}">
+                <adec:decorative xmlns:adec="http://schemas.microsoft.com/office/drawing/2017/decorative" val="1"/>
+              </a:ext>
+            </a:extLst>
+          </p:cNvPr>
+          <p:cNvSpPr>
+            <a:spLocks noGrp="1" noRot="1" noChangeAspect="1" noMove="1" noResize="1" noEditPoints="1" noAdjustHandles="1" noChangeArrowheads="1" noChangeShapeType="1" noTextEdit="1"/>
+          </p:cNvSpPr>
+          <p:nvPr>
+            <p:extLst>
+              <p:ext uri="{386F3935-93C4-4BCD-93E2-E3B085C9AB24}">
+                <p16:designElem xmlns:p16="http://schemas.microsoft.com/office/powerpoint/2015/main" val="1"/>
+              </p:ext>
+            </p:extLst>
+          </p:nvPr>
+        </p:nvSpPr>
+        <p:spPr>
+          <a:xfrm>
+            <a:off x="0" y="0"/>
+            <a:ext cx="4059935" cy="6858000"/>
+          </a:xfrm>
+          <a:prstGeom prst="rect">
+            <a:avLst/>
+          </a:prstGeom>
+          <a:solidFill>
+            <a:schemeClr val="accent1">
+              <a:lumMod val="75000"/>
+            </a:schemeClr>
+          </a:solidFill>
+          <a:ln>
+            <a:noFill/>
+          </a:ln>
+          <a:effectLst>
+            <a:outerShdw blurRad="50800" dist="12700" algn="l" rotWithShape="0">
+              <a:prstClr val="black">
+                <a:alpha val="30000"/>
+              </a:prstClr>
+            </a:outerShdw>
+          </a:effectLst>
+        </p:spPr>
+        <p:style>
+          <a:lnRef idx="2">
+            <a:schemeClr val="accent1">
+              <a:shade val="50000"/>
+            </a:schemeClr>
+          </a:lnRef>
+          <a:fillRef idx="1002">
+            <a:schemeClr val="lt1"/>
+          </a:fillRef>
+          <a:effectRef idx="0">
+            <a:schemeClr val="accent1"/>
+          </a:effectRef>
+          <a:fontRef idx="minor">
+            <a:schemeClr val="lt1"/>
+          </a:fontRef>
+        </p:style>
+        <p:txBody>
+          <a:bodyPr rtlCol="0" anchor="ctr"/>
+          <a:lstStyle/>
+          <a:p>
+            <a:pPr marL="0" marR="0" lvl="0" indent="0" algn="ctr" defTabSz="457200" rtl="0" eaLnBrk="1" fontAlgn="auto" latinLnBrk="0" hangingPunct="1">
+              <a:lnSpc>
+                <a:spcPct val="100000"/>
+              </a:lnSpc>
+              <a:spcBef>
+                <a:spcPts val="0"/>
+              </a:spcBef>
+              <a:spcAft>
+                <a:spcPts val="0"/>
+              </a:spcAft>
+              <a:buClrTx/>
+              <a:buSzTx/>
+              <a:buFontTx/>
+              <a:buNone/>
+              <a:tabLst/>
+              <a:defRPr/>
+            </a:pPr>
+            <a:endParaRPr kumimoji="0" lang="en-US" sz="1800" b="0" i="0" u="none" strike="noStrike" kern="1200" cap="none" spc="0" normalizeH="0" baseline="0" noProof="0">
+              <a:ln>
+                <a:noFill/>
+              </a:ln>
+              <a:solidFill>
+                <a:prstClr val="white"/>
+              </a:solidFill>
+              <a:effectLst/>
+              <a:uLnTx/>
+              <a:uFillTx/>
+              <a:latin typeface="Tw Cen MT" panose="020B0602020104020603"/>
+              <a:ea typeface="+mn-ea"/>
+              <a:cs typeface="+mn-cs"/>
+            </a:endParaRPr>
+          </a:p>
+        </p:txBody>
+      </p:sp>
+      <p:sp>
+        <p:nvSpPr>
+          <p:cNvPr id="4" name="Title 3">
+            <a:extLst>
+              <a:ext uri="{FF2B5EF4-FFF2-40B4-BE49-F238E27FC236}">
+                <a16:creationId xmlns:a16="http://schemas.microsoft.com/office/drawing/2014/main" id="{29C0B3C5-E73C-8CEA-041D-45D4F7D569A4}"/>
+              </a:ext>
+            </a:extLst>
+          </p:cNvPr>
+          <p:cNvSpPr>
+            <a:spLocks noGrp="1"/>
+          </p:cNvSpPr>
+          <p:nvPr>
+            <p:ph type="title"/>
+          </p:nvPr>
+        </p:nvSpPr>
+        <p:spPr>
+          <a:xfrm>
+            <a:off x="641074" y="1588878"/>
+            <a:ext cx="2844002" cy="3680244"/>
+          </a:xfrm>
+        </p:spPr>
+        <p:txBody>
+          <a:bodyPr>
+            <a:normAutofit/>
+          </a:bodyPr>
+          <a:lstStyle/>
+          <a:p>
+            <a:pPr algn="l"/>
+            <a:r>
+              <a:rPr lang="en-US" sz="4400" dirty="0">
+                <a:solidFill>
+                  <a:srgbClr val="FFFFFF"/>
+                </a:solidFill>
+              </a:rPr>
+              <a:t>What’s Next?</a:t>
+            </a:r>
+          </a:p>
+        </p:txBody>
+      </p:sp>
+      <p:pic>
+        <p:nvPicPr>
+          <p:cNvPr id="14" name="Picture 13">
+            <a:extLst>
+              <a:ext uri="{FF2B5EF4-FFF2-40B4-BE49-F238E27FC236}">
+                <a16:creationId xmlns:a16="http://schemas.microsoft.com/office/drawing/2014/main" id="{D21A55D3-12F0-DD3B-857B-34CF62D4DB5A}"/>
+              </a:ext>
+              <a:ext uri="{C183D7F6-B498-43B3-948B-1728B52AA6E4}">
+                <adec:decorative xmlns:adec="http://schemas.microsoft.com/office/drawing/2017/decorative" val="1"/>
+              </a:ext>
+            </a:extLst>
+          </p:cNvPr>
+          <p:cNvPicPr>
+            <a:picLocks noGrp="1" noRot="1" noChangeAspect="1" noMove="1" noResize="1" noEditPoints="1" noAdjustHandles="1" noChangeArrowheads="1" noChangeShapeType="1" noCrop="1"/>
+          </p:cNvPicPr>
+          <p:nvPr>
+            <p:extLst>
+              <p:ext uri="{386F3935-93C4-4BCD-93E2-E3B085C9AB24}">
+                <p16:designElem xmlns:p16="http://schemas.microsoft.com/office/powerpoint/2015/main" val="1"/>
+              </p:ext>
+            </p:extLst>
+          </p:nvPr>
+        </p:nvPicPr>
+        <p:blipFill rotWithShape="1">
+          <a:blip r:embed="rId2">
+            <a:extLst>
+              <a:ext uri="{28A0092B-C50C-407E-A947-70E740481C1C}">
+                <a14:useLocalDpi xmlns:a14="http://schemas.microsoft.com/office/drawing/2010/main" val="0"/>
+              </a:ext>
+            </a:extLst>
+          </a:blip>
+          <a:srcRect r="66700" b="77917"/>
+          <a:stretch/>
+        </p:blipFill>
+        <p:spPr>
+          <a:xfrm>
+            <a:off x="0" y="0"/>
+            <a:ext cx="4059935" cy="1514475"/>
+          </a:xfrm>
+          <a:prstGeom prst="rect">
+            <a:avLst/>
+          </a:prstGeom>
+        </p:spPr>
+      </p:pic>
+      <p:sp>
+        <p:nvSpPr>
+          <p:cNvPr id="5" name="Content Placeholder 4">
+            <a:extLst>
+              <a:ext uri="{FF2B5EF4-FFF2-40B4-BE49-F238E27FC236}">
+                <a16:creationId xmlns:a16="http://schemas.microsoft.com/office/drawing/2014/main" id="{45851170-9381-13BD-4F80-3499C49D5DDB}"/>
+              </a:ext>
+            </a:extLst>
+          </p:cNvPr>
+          <p:cNvSpPr>
+            <a:spLocks noGrp="1"/>
+          </p:cNvSpPr>
+          <p:nvPr>
+            <p:ph sz="quarter" idx="13"/>
+          </p:nvPr>
+        </p:nvSpPr>
+        <p:spPr>
+          <a:xfrm>
+            <a:off x="4634794" y="1049695"/>
+            <a:ext cx="6642806" cy="4758611"/>
+          </a:xfrm>
+        </p:spPr>
+        <p:txBody>
+          <a:bodyPr anchor="ctr">
+            <a:normAutofit/>
+          </a:bodyPr>
+          <a:lstStyle/>
+          <a:p>
+            <a:r>
+              <a:rPr lang="en-US" dirty="0"/>
+              <a:t>A document will be available on confluence that has detailed recommendations</a:t>
+            </a:r>
+          </a:p>
+          <a:p>
+            <a:r>
+              <a:rPr lang="en-US" dirty="0" err="1"/>
+              <a:t>Devops</a:t>
+            </a:r>
+            <a:r>
+              <a:rPr lang="en-US" dirty="0"/>
+              <a:t> resources request form will be available to access LLMs on Azure</a:t>
+            </a:r>
+          </a:p>
+          <a:p>
+            <a:r>
+              <a:rPr lang="en-US" dirty="0"/>
+              <a:t>The code will be shared on </a:t>
+            </a:r>
+            <a:r>
+              <a:rPr lang="en-US" dirty="0" err="1"/>
+              <a:t>Github</a:t>
+            </a:r>
+            <a:endParaRPr lang="en-US" dirty="0"/>
+          </a:p>
+          <a:p>
+            <a:r>
+              <a:rPr lang="en-US" dirty="0"/>
+              <a:t>An email will be sent with links to all the resources I used to create this Demo</a:t>
+            </a:r>
+          </a:p>
+          <a:p>
+            <a:r>
+              <a:rPr lang="en-US" dirty="0"/>
+              <a:t>Innovation week is coming maybe it gave you some ideas to explore, and share.</a:t>
+            </a:r>
+          </a:p>
+        </p:txBody>
+      </p:sp>
+      <p:pic>
+        <p:nvPicPr>
+          <p:cNvPr id="16" name="Picture 15">
+            <a:extLst>
+              <a:ext uri="{FF2B5EF4-FFF2-40B4-BE49-F238E27FC236}">
+                <a16:creationId xmlns:a16="http://schemas.microsoft.com/office/drawing/2014/main" id="{BBD28CE4-D3EC-98A6-8925-6B464EEDAB3F}"/>
+              </a:ext>
+              <a:ext uri="{C183D7F6-B498-43B3-948B-1728B52AA6E4}">
+                <adec:decorative xmlns:adec="http://schemas.microsoft.com/office/drawing/2017/decorative" val="1"/>
+              </a:ext>
+            </a:extLst>
+          </p:cNvPr>
+          <p:cNvPicPr>
+            <a:picLocks noGrp="1" noRot="1" noChangeAspect="1" noMove="1" noResize="1" noEditPoints="1" noAdjustHandles="1" noChangeArrowheads="1" noChangeShapeType="1" noCrop="1"/>
+          </p:cNvPicPr>
+          <p:nvPr>
+            <p:extLst>
+              <p:ext uri="{386F3935-93C4-4BCD-93E2-E3B085C9AB24}">
+                <p16:designElem xmlns:p16="http://schemas.microsoft.com/office/powerpoint/2015/main" val="1"/>
+              </p:ext>
+            </p:extLst>
+          </p:nvPr>
+        </p:nvPicPr>
+        <p:blipFill rotWithShape="1">
+          <a:blip r:embed="rId3">
+            <a:extLst>
+              <a:ext uri="{28A0092B-C50C-407E-A947-70E740481C1C}">
+                <a14:useLocalDpi xmlns:a14="http://schemas.microsoft.com/office/drawing/2010/main" val="0"/>
+              </a:ext>
+            </a:extLst>
+          </a:blip>
+          <a:srcRect l="78750" t="72830" b="14149"/>
+          <a:stretch/>
+        </p:blipFill>
+        <p:spPr>
+          <a:xfrm>
+            <a:off x="1377059" y="5962903"/>
+            <a:ext cx="2590800" cy="892925"/>
+          </a:xfrm>
+          <a:prstGeom prst="rect">
+            <a:avLst/>
+          </a:prstGeom>
+        </p:spPr>
+      </p:pic>
+    </p:spTree>
+    <p:extLst>
+      <p:ext uri="{BB962C8B-B14F-4D97-AF65-F5344CB8AC3E}">
+        <p14:creationId xmlns:p14="http://schemas.microsoft.com/office/powerpoint/2010/main" val="382694242"/>
+      </p:ext>
+    </p:extLst>
+  </p:cSld>
+  <p:clrMapOvr>
+    <a:masterClrMapping/>
+  </p:clrMapOvr>
+</p:sld>
+</file>
+
+<file path=ppt/slides/slide8.xml><?xml version="1.0" encoding="utf-8"?>
+<p:sld xmlns:a="http://schemas.openxmlformats.org/drawingml/2006/main" xmlns:r="http://schemas.openxmlformats.org/officeDocument/2006/relationships" xmlns:p="http://schemas.openxmlformats.org/presentationml/2006/main">
+  <p:cSld>
+    <p:spTree>
+      <p:nvGrpSpPr>
+        <p:cNvPr id="1" name="">
+          <a:extLst>
+            <a:ext uri="{FF2B5EF4-FFF2-40B4-BE49-F238E27FC236}">
+              <a16:creationId xmlns:a16="http://schemas.microsoft.com/office/drawing/2014/main" id="{4E9D1905-4D1F-F5D6-315E-FDD5B361D6E7}"/>
+            </a:ext>
+          </a:extLst>
+        </p:cNvPr>
+        <p:cNvGrpSpPr/>
+        <p:nvPr/>
+      </p:nvGrpSpPr>
+      <p:grpSpPr>
+        <a:xfrm>
+          <a:off x="0" y="0"/>
+          <a:ext cx="0" cy="0"/>
+          <a:chOff x="0" y="0"/>
+          <a:chExt cx="0" cy="0"/>
+        </a:xfrm>
+      </p:grpSpPr>
+      <p:sp>
+        <p:nvSpPr>
+          <p:cNvPr id="8" name="Flowchart: Connector 7">
+            <a:extLst>
+              <a:ext uri="{FF2B5EF4-FFF2-40B4-BE49-F238E27FC236}">
+                <a16:creationId xmlns:a16="http://schemas.microsoft.com/office/drawing/2014/main" id="{42714A30-BB2E-14D0-D693-B7BD27199B70}"/>
+              </a:ext>
+            </a:extLst>
+          </p:cNvPr>
+          <p:cNvSpPr/>
+          <p:nvPr/>
+        </p:nvSpPr>
+        <p:spPr>
+          <a:xfrm>
+            <a:off x="4803587" y="1609655"/>
+            <a:ext cx="1250201" cy="1246009"/>
+          </a:xfrm>
+          <a:prstGeom prst="flowChartConnector">
+            <a:avLst/>
+          </a:prstGeom>
+          <a:solidFill>
+            <a:srgbClr val="00B050"/>
+          </a:solidFill>
+        </p:spPr>
+        <p:style>
+          <a:lnRef idx="2">
+            <a:schemeClr val="accent4">
+              <a:shade val="15000"/>
+            </a:schemeClr>
+          </a:lnRef>
+          <a:fillRef idx="1">
+            <a:schemeClr val="accent4"/>
+          </a:fillRef>
+          <a:effectRef idx="0">
+            <a:schemeClr val="accent4"/>
+          </a:effectRef>
+          <a:fontRef idx="minor">
+            <a:schemeClr val="lt1"/>
+          </a:fontRef>
+        </p:style>
+        <p:txBody>
+          <a:bodyPr rtlCol="0" anchor="ctr"/>
+          <a:lstStyle/>
+          <a:p>
+            <a:pPr algn="ctr"/>
+            <a:r>
+              <a:rPr lang="en-US" dirty="0"/>
+              <a:t>Smart Service</a:t>
+            </a:r>
+          </a:p>
+        </p:txBody>
+      </p:sp>
+      <p:sp>
+        <p:nvSpPr>
+          <p:cNvPr id="5" name="Oval 4">
+            <a:extLst>
+              <a:ext uri="{FF2B5EF4-FFF2-40B4-BE49-F238E27FC236}">
+                <a16:creationId xmlns:a16="http://schemas.microsoft.com/office/drawing/2014/main" id="{0A70A0A7-1AF5-ADD8-E0CA-EE1343EFE7F3}"/>
+              </a:ext>
+            </a:extLst>
+          </p:cNvPr>
+          <p:cNvSpPr/>
+          <p:nvPr/>
+        </p:nvSpPr>
+        <p:spPr>
+          <a:xfrm>
+            <a:off x="2386816" y="4457936"/>
+            <a:ext cx="1223784" cy="1134406"/>
+          </a:xfrm>
+          <a:prstGeom prst="ellipse">
+            <a:avLst/>
+          </a:prstGeom>
+          <a:solidFill>
+            <a:schemeClr val="bg1">
+              <a:lumMod val="75000"/>
+            </a:schemeClr>
+          </a:solidFill>
+        </p:spPr>
+        <p:style>
+          <a:lnRef idx="2">
+            <a:schemeClr val="accent4">
+              <a:shade val="15000"/>
+            </a:schemeClr>
+          </a:lnRef>
+          <a:fillRef idx="1">
+            <a:schemeClr val="accent4"/>
+          </a:fillRef>
+          <a:effectRef idx="0">
+            <a:schemeClr val="accent4"/>
+          </a:effectRef>
+          <a:fontRef idx="minor">
+            <a:schemeClr val="lt1"/>
+          </a:fontRef>
+        </p:style>
+        <p:txBody>
+          <a:bodyPr rtlCol="0" anchor="ctr"/>
+          <a:lstStyle/>
+          <a:p>
+            <a:pPr algn="ctr"/>
+            <a:r>
+              <a:rPr lang="en-US" dirty="0"/>
+              <a:t>Visual Client</a:t>
+            </a:r>
+          </a:p>
+        </p:txBody>
+      </p:sp>
+      <p:sp>
+        <p:nvSpPr>
+          <p:cNvPr id="6" name="Flowchart: Connector 5">
+            <a:extLst>
+              <a:ext uri="{FF2B5EF4-FFF2-40B4-BE49-F238E27FC236}">
+                <a16:creationId xmlns:a16="http://schemas.microsoft.com/office/drawing/2014/main" id="{30D0B0BF-76E3-9B3F-CDC2-6439777C8EEE}"/>
+              </a:ext>
+            </a:extLst>
+          </p:cNvPr>
+          <p:cNvSpPr/>
+          <p:nvPr/>
+        </p:nvSpPr>
+        <p:spPr>
+          <a:xfrm>
+            <a:off x="5870731" y="2023772"/>
+            <a:ext cx="825405" cy="855443"/>
+          </a:xfrm>
+          <a:prstGeom prst="flowChartConnector">
+            <a:avLst/>
+          </a:prstGeom>
+          <a:solidFill>
+            <a:srgbClr val="92D050"/>
+          </a:solidFill>
+        </p:spPr>
+        <p:style>
+          <a:lnRef idx="2">
+            <a:schemeClr val="accent1">
+              <a:shade val="15000"/>
+            </a:schemeClr>
+          </a:lnRef>
+          <a:fillRef idx="1">
+            <a:schemeClr val="accent1"/>
+          </a:fillRef>
+          <a:effectRef idx="0">
+            <a:schemeClr val="accent1"/>
+          </a:effectRef>
+          <a:fontRef idx="minor">
+            <a:schemeClr val="lt1"/>
+          </a:fontRef>
+        </p:style>
+        <p:txBody>
+          <a:bodyPr rtlCol="0" anchor="ctr"/>
+          <a:lstStyle/>
+          <a:p>
+            <a:pPr algn="ctr"/>
+            <a:r>
+              <a:rPr lang="en-US" sz="1100" dirty="0"/>
+              <a:t>Plugin</a:t>
+            </a:r>
+          </a:p>
+        </p:txBody>
+      </p:sp>
+      <p:sp>
+        <p:nvSpPr>
+          <p:cNvPr id="7" name="Flowchart: Connector 6">
+            <a:extLst>
+              <a:ext uri="{FF2B5EF4-FFF2-40B4-BE49-F238E27FC236}">
+                <a16:creationId xmlns:a16="http://schemas.microsoft.com/office/drawing/2014/main" id="{DE1ECCD0-4656-0C45-2B66-1A8011D36D44}"/>
+              </a:ext>
+            </a:extLst>
+          </p:cNvPr>
+          <p:cNvSpPr/>
+          <p:nvPr/>
+        </p:nvSpPr>
+        <p:spPr>
+          <a:xfrm>
+            <a:off x="4803587" y="2598645"/>
+            <a:ext cx="873171" cy="870360"/>
+          </a:xfrm>
+          <a:prstGeom prst="flowChartConnector">
+            <a:avLst/>
+          </a:prstGeom>
+          <a:solidFill>
+            <a:srgbClr val="0070C0"/>
+          </a:solidFill>
+        </p:spPr>
+        <p:style>
+          <a:lnRef idx="2">
+            <a:schemeClr val="accent6">
+              <a:shade val="15000"/>
+            </a:schemeClr>
+          </a:lnRef>
+          <a:fillRef idx="1">
+            <a:schemeClr val="accent6"/>
+          </a:fillRef>
+          <a:effectRef idx="0">
+            <a:schemeClr val="accent6"/>
+          </a:effectRef>
+          <a:fontRef idx="minor">
+            <a:schemeClr val="lt1"/>
+          </a:fontRef>
+        </p:style>
+        <p:txBody>
+          <a:bodyPr rtlCol="0" anchor="ctr"/>
+          <a:lstStyle/>
+          <a:p>
+            <a:pPr algn="ctr"/>
+            <a:r>
+              <a:rPr lang="en-US" sz="800" dirty="0"/>
+              <a:t>Azure Semantic Kernel</a:t>
+            </a:r>
+          </a:p>
+        </p:txBody>
+      </p:sp>
+      <p:sp>
+        <p:nvSpPr>
+          <p:cNvPr id="9" name="Flowchart: Connector 8">
+            <a:extLst>
+              <a:ext uri="{FF2B5EF4-FFF2-40B4-BE49-F238E27FC236}">
+                <a16:creationId xmlns:a16="http://schemas.microsoft.com/office/drawing/2014/main" id="{D21853DE-6297-CC6D-9FDA-D00C0787477F}"/>
+              </a:ext>
+            </a:extLst>
+          </p:cNvPr>
+          <p:cNvSpPr/>
+          <p:nvPr/>
+        </p:nvSpPr>
+        <p:spPr>
+          <a:xfrm>
+            <a:off x="7018078" y="3462096"/>
+            <a:ext cx="1196282" cy="1134406"/>
+          </a:xfrm>
+          <a:prstGeom prst="flowChartConnector">
+            <a:avLst/>
+          </a:prstGeom>
+          <a:solidFill>
+            <a:schemeClr val="accent6">
+              <a:lumMod val="60000"/>
+              <a:lumOff val="40000"/>
+            </a:schemeClr>
+          </a:solidFill>
+        </p:spPr>
+        <p:style>
+          <a:lnRef idx="2">
+            <a:schemeClr val="accent2">
+              <a:shade val="15000"/>
+            </a:schemeClr>
+          </a:lnRef>
+          <a:fillRef idx="1">
+            <a:schemeClr val="accent2"/>
+          </a:fillRef>
+          <a:effectRef idx="0">
+            <a:schemeClr val="accent2"/>
+          </a:effectRef>
+          <a:fontRef idx="minor">
+            <a:schemeClr val="lt1"/>
+          </a:fontRef>
+        </p:style>
+        <p:txBody>
+          <a:bodyPr rtlCol="0" anchor="ctr"/>
+          <a:lstStyle/>
+          <a:p>
+            <a:pPr algn="ctr"/>
+            <a:r>
+              <a:rPr lang="en-US" sz="1600" dirty="0"/>
+              <a:t>LLM </a:t>
+            </a:r>
+          </a:p>
+        </p:txBody>
+      </p:sp>
+      <p:sp>
+        <p:nvSpPr>
+          <p:cNvPr id="4" name="Flowchart: Connector 3">
+            <a:extLst>
+              <a:ext uri="{FF2B5EF4-FFF2-40B4-BE49-F238E27FC236}">
+                <a16:creationId xmlns:a16="http://schemas.microsoft.com/office/drawing/2014/main" id="{7D3B8BFF-60D4-5638-5D7A-686275FA99DD}"/>
+              </a:ext>
+            </a:extLst>
+          </p:cNvPr>
+          <p:cNvSpPr/>
+          <p:nvPr/>
+        </p:nvSpPr>
+        <p:spPr>
+          <a:xfrm>
+            <a:off x="5233547" y="4879723"/>
+            <a:ext cx="1196282" cy="1134406"/>
+          </a:xfrm>
+          <a:prstGeom prst="flowChartConnector">
+            <a:avLst/>
+          </a:prstGeom>
+        </p:spPr>
+        <p:style>
+          <a:lnRef idx="2">
+            <a:schemeClr val="accent2">
+              <a:shade val="15000"/>
+            </a:schemeClr>
+          </a:lnRef>
+          <a:fillRef idx="1">
+            <a:schemeClr val="accent2"/>
+          </a:fillRef>
+          <a:effectRef idx="0">
+            <a:schemeClr val="accent2"/>
+          </a:effectRef>
+          <a:fontRef idx="minor">
+            <a:schemeClr val="lt1"/>
+          </a:fontRef>
+        </p:style>
+        <p:txBody>
+          <a:bodyPr rtlCol="0" anchor="ctr"/>
+          <a:lstStyle/>
+          <a:p>
+            <a:pPr algn="ctr"/>
+            <a:r>
+              <a:rPr lang="en-US" sz="1600" dirty="0"/>
+              <a:t>Service </a:t>
+            </a:r>
+          </a:p>
+        </p:txBody>
+      </p:sp>
+      <p:sp>
+        <p:nvSpPr>
+          <p:cNvPr id="10" name="Flowchart: Connector 9">
+            <a:extLst>
+              <a:ext uri="{FF2B5EF4-FFF2-40B4-BE49-F238E27FC236}">
+                <a16:creationId xmlns:a16="http://schemas.microsoft.com/office/drawing/2014/main" id="{884F9DF1-A358-2EE0-475D-32350783EC9C}"/>
+              </a:ext>
+            </a:extLst>
+          </p:cNvPr>
+          <p:cNvSpPr/>
+          <p:nvPr/>
+        </p:nvSpPr>
+        <p:spPr>
+          <a:xfrm>
+            <a:off x="5677988" y="4415649"/>
+            <a:ext cx="268133" cy="288757"/>
+          </a:xfrm>
+          <a:prstGeom prst="flowChartConnector">
+            <a:avLst/>
+          </a:prstGeom>
+          <a:solidFill>
+            <a:schemeClr val="accent2"/>
+          </a:solidFill>
+        </p:spPr>
+        <p:style>
+          <a:lnRef idx="2">
+            <a:schemeClr val="accent1">
+              <a:shade val="15000"/>
+            </a:schemeClr>
+          </a:lnRef>
+          <a:fillRef idx="1">
+            <a:schemeClr val="accent1"/>
+          </a:fillRef>
+          <a:effectRef idx="0">
+            <a:schemeClr val="accent1"/>
+          </a:effectRef>
+          <a:fontRef idx="minor">
+            <a:schemeClr val="lt1"/>
+          </a:fontRef>
+        </p:style>
+        <p:txBody>
+          <a:bodyPr rtlCol="0" anchor="ctr"/>
+          <a:lstStyle/>
+          <a:p>
+            <a:pPr algn="ctr"/>
+            <a:endParaRPr lang="en-US"/>
+          </a:p>
+        </p:txBody>
+      </p:sp>
+      <p:cxnSp>
+        <p:nvCxnSpPr>
+          <p:cNvPr id="12" name="Straight Connector 11">
+            <a:extLst>
+              <a:ext uri="{FF2B5EF4-FFF2-40B4-BE49-F238E27FC236}">
+                <a16:creationId xmlns:a16="http://schemas.microsoft.com/office/drawing/2014/main" id="{CF7BBD23-39AA-FFD2-929A-F016AB8418B6}"/>
+              </a:ext>
+            </a:extLst>
+          </p:cNvPr>
+          <p:cNvCxnSpPr>
+            <a:cxnSpLocks/>
+            <a:endCxn id="4" idx="0"/>
+          </p:cNvCxnSpPr>
+          <p:nvPr/>
+        </p:nvCxnSpPr>
+        <p:spPr>
+          <a:xfrm>
+            <a:off x="5831687" y="4704406"/>
+            <a:ext cx="1" cy="175317"/>
+          </a:xfrm>
+          <a:prstGeom prst="line">
+            <a:avLst/>
+          </a:prstGeom>
+        </p:spPr>
+        <p:style>
+          <a:lnRef idx="2">
+            <a:schemeClr val="accent1"/>
+          </a:lnRef>
+          <a:fillRef idx="0">
+            <a:schemeClr val="accent1"/>
+          </a:fillRef>
+          <a:effectRef idx="1">
+            <a:schemeClr val="accent1"/>
+          </a:effectRef>
+          <a:fontRef idx="minor">
+            <a:schemeClr val="tx1"/>
+          </a:fontRef>
+        </p:style>
+      </p:cxnSp>
+      <p:cxnSp>
+        <p:nvCxnSpPr>
+          <p:cNvPr id="16" name="Straight Arrow Connector 15">
+            <a:extLst>
+              <a:ext uri="{FF2B5EF4-FFF2-40B4-BE49-F238E27FC236}">
+                <a16:creationId xmlns:a16="http://schemas.microsoft.com/office/drawing/2014/main" id="{65F64296-A2EC-A029-C1AF-B8DA8EC68263}"/>
+              </a:ext>
+            </a:extLst>
+          </p:cNvPr>
+          <p:cNvCxnSpPr>
+            <a:cxnSpLocks/>
+            <a:stCxn id="10" idx="3"/>
+            <a:endCxn id="5" idx="6"/>
+          </p:cNvCxnSpPr>
+          <p:nvPr/>
+        </p:nvCxnSpPr>
+        <p:spPr>
+          <a:xfrm flipH="1">
+            <a:off x="3610600" y="4662119"/>
+            <a:ext cx="2106655" cy="363020"/>
+          </a:xfrm>
+          <a:prstGeom prst="straightConnector1">
+            <a:avLst/>
+          </a:prstGeom>
+          <a:ln>
+            <a:tailEnd type="triangle"/>
+          </a:ln>
+        </p:spPr>
+        <p:style>
+          <a:lnRef idx="2">
+            <a:schemeClr val="accent1"/>
+          </a:lnRef>
+          <a:fillRef idx="0">
+            <a:schemeClr val="accent1"/>
+          </a:fillRef>
+          <a:effectRef idx="1">
+            <a:schemeClr val="accent1"/>
+          </a:effectRef>
+          <a:fontRef idx="minor">
+            <a:schemeClr val="tx1"/>
+          </a:fontRef>
+        </p:style>
+      </p:cxnSp>
+      <p:cxnSp>
+        <p:nvCxnSpPr>
+          <p:cNvPr id="20" name="Straight Arrow Connector 19">
+            <a:extLst>
+              <a:ext uri="{FF2B5EF4-FFF2-40B4-BE49-F238E27FC236}">
+                <a16:creationId xmlns:a16="http://schemas.microsoft.com/office/drawing/2014/main" id="{67DE006E-99F1-A96E-E498-EEB6B2D48324}"/>
+              </a:ext>
+            </a:extLst>
+          </p:cNvPr>
+          <p:cNvCxnSpPr>
+            <a:cxnSpLocks/>
+            <a:stCxn id="6" idx="5"/>
+            <a:endCxn id="10" idx="0"/>
+          </p:cNvCxnSpPr>
+          <p:nvPr/>
+        </p:nvCxnSpPr>
+        <p:spPr>
+          <a:xfrm flipH="1">
+            <a:off x="5812055" y="2753938"/>
+            <a:ext cx="763203" cy="1661711"/>
+          </a:xfrm>
+          <a:prstGeom prst="straightConnector1">
+            <a:avLst/>
+          </a:prstGeom>
+          <a:ln>
+            <a:headEnd type="triangle"/>
+            <a:tailEnd type="triangle"/>
+          </a:ln>
+        </p:spPr>
+        <p:style>
+          <a:lnRef idx="2">
+            <a:schemeClr val="accent1"/>
+          </a:lnRef>
+          <a:fillRef idx="0">
+            <a:schemeClr val="accent1"/>
+          </a:fillRef>
+          <a:effectRef idx="1">
+            <a:schemeClr val="accent1"/>
+          </a:effectRef>
+          <a:fontRef idx="minor">
+            <a:schemeClr val="tx1"/>
+          </a:fontRef>
+        </p:style>
+      </p:cxnSp>
+      <p:sp>
+        <p:nvSpPr>
+          <p:cNvPr id="24" name="Flowchart: Connector 23">
+            <a:extLst>
+              <a:ext uri="{FF2B5EF4-FFF2-40B4-BE49-F238E27FC236}">
+                <a16:creationId xmlns:a16="http://schemas.microsoft.com/office/drawing/2014/main" id="{22570428-4C2E-235A-87A6-6A8038FEF004}"/>
+              </a:ext>
+            </a:extLst>
+          </p:cNvPr>
+          <p:cNvSpPr/>
+          <p:nvPr/>
+        </p:nvSpPr>
+        <p:spPr>
+          <a:xfrm>
+            <a:off x="7170478" y="3614496"/>
+            <a:ext cx="1196282" cy="1134406"/>
+          </a:xfrm>
+          <a:prstGeom prst="flowChartConnector">
+            <a:avLst/>
+          </a:prstGeom>
+          <a:solidFill>
+            <a:schemeClr val="accent6">
+              <a:lumMod val="60000"/>
+              <a:lumOff val="40000"/>
+            </a:schemeClr>
+          </a:solidFill>
+        </p:spPr>
+        <p:style>
+          <a:lnRef idx="2">
+            <a:schemeClr val="accent2">
+              <a:shade val="15000"/>
+            </a:schemeClr>
+          </a:lnRef>
+          <a:fillRef idx="1">
+            <a:schemeClr val="accent2"/>
+          </a:fillRef>
+          <a:effectRef idx="0">
+            <a:schemeClr val="accent2"/>
+          </a:effectRef>
+          <a:fontRef idx="minor">
+            <a:schemeClr val="lt1"/>
+          </a:fontRef>
+        </p:style>
+        <p:txBody>
+          <a:bodyPr rtlCol="0" anchor="ctr"/>
+          <a:lstStyle/>
+          <a:p>
+            <a:pPr algn="ctr"/>
+            <a:r>
+              <a:rPr lang="en-US" sz="1600" dirty="0"/>
+              <a:t>LLM </a:t>
+            </a:r>
+          </a:p>
+        </p:txBody>
+      </p:sp>
+      <p:sp>
+        <p:nvSpPr>
+          <p:cNvPr id="25" name="Flowchart: Connector 24">
+            <a:extLst>
+              <a:ext uri="{FF2B5EF4-FFF2-40B4-BE49-F238E27FC236}">
+                <a16:creationId xmlns:a16="http://schemas.microsoft.com/office/drawing/2014/main" id="{D98ED7B8-52BD-84BF-A19A-42EE14A56715}"/>
+              </a:ext>
+            </a:extLst>
+          </p:cNvPr>
+          <p:cNvSpPr/>
+          <p:nvPr/>
+        </p:nvSpPr>
+        <p:spPr>
+          <a:xfrm>
+            <a:off x="7322878" y="3766896"/>
+            <a:ext cx="1196282" cy="1134406"/>
+          </a:xfrm>
+          <a:prstGeom prst="flowChartConnector">
+            <a:avLst/>
+          </a:prstGeom>
+          <a:solidFill>
+            <a:schemeClr val="accent6">
+              <a:lumMod val="60000"/>
+              <a:lumOff val="40000"/>
+            </a:schemeClr>
+          </a:solidFill>
+        </p:spPr>
+        <p:style>
+          <a:lnRef idx="2">
+            <a:schemeClr val="accent2">
+              <a:shade val="15000"/>
+            </a:schemeClr>
+          </a:lnRef>
+          <a:fillRef idx="1">
+            <a:schemeClr val="accent2"/>
+          </a:fillRef>
+          <a:effectRef idx="0">
+            <a:schemeClr val="accent2"/>
+          </a:effectRef>
+          <a:fontRef idx="minor">
+            <a:schemeClr val="lt1"/>
+          </a:fontRef>
+        </p:style>
+        <p:txBody>
+          <a:bodyPr rtlCol="0" anchor="ctr"/>
+          <a:lstStyle/>
+          <a:p>
+            <a:pPr algn="ctr"/>
+            <a:r>
+              <a:rPr lang="en-US" sz="1600" dirty="0"/>
+              <a:t>Azure</a:t>
+            </a:r>
+          </a:p>
+          <a:p>
+            <a:pPr algn="ctr"/>
+            <a:r>
+              <a:rPr lang="en-US" sz="1600" dirty="0"/>
+              <a:t>Google… </a:t>
+            </a:r>
+          </a:p>
+        </p:txBody>
+      </p:sp>
+      <p:sp>
+        <p:nvSpPr>
+          <p:cNvPr id="26" name="Title 25">
+            <a:extLst>
+              <a:ext uri="{FF2B5EF4-FFF2-40B4-BE49-F238E27FC236}">
+                <a16:creationId xmlns:a16="http://schemas.microsoft.com/office/drawing/2014/main" id="{1B853603-486C-8803-D22E-40FA40442483}"/>
+              </a:ext>
+            </a:extLst>
+          </p:cNvPr>
+          <p:cNvSpPr>
+            <a:spLocks noGrp="1"/>
+          </p:cNvSpPr>
+          <p:nvPr>
+            <p:ph type="title"/>
+          </p:nvPr>
+        </p:nvSpPr>
+        <p:spPr>
+          <a:xfrm>
+            <a:off x="359862" y="209991"/>
+            <a:ext cx="10364451" cy="1596177"/>
+          </a:xfrm>
+        </p:spPr>
+        <p:txBody>
+          <a:bodyPr/>
+          <a:lstStyle/>
+          <a:p>
+            <a:r>
+              <a:rPr lang="en-US" dirty="0"/>
+              <a:t>Better Architecture</a:t>
+            </a:r>
+          </a:p>
+        </p:txBody>
+      </p:sp>
+      <p:cxnSp>
+        <p:nvCxnSpPr>
+          <p:cNvPr id="27" name="Straight Arrow Connector 26">
+            <a:extLst>
+              <a:ext uri="{FF2B5EF4-FFF2-40B4-BE49-F238E27FC236}">
+                <a16:creationId xmlns:a16="http://schemas.microsoft.com/office/drawing/2014/main" id="{854732D4-CD37-64EB-8216-E4233C12AB8D}"/>
+              </a:ext>
+            </a:extLst>
+          </p:cNvPr>
+          <p:cNvCxnSpPr>
+            <a:cxnSpLocks/>
+            <a:stCxn id="6" idx="6"/>
+            <a:endCxn id="2" idx="2"/>
+          </p:cNvCxnSpPr>
+          <p:nvPr/>
+        </p:nvCxnSpPr>
+        <p:spPr>
+          <a:xfrm>
+            <a:off x="6696136" y="2451494"/>
+            <a:ext cx="367599" cy="523553"/>
+          </a:xfrm>
+          <a:prstGeom prst="straightConnector1">
+            <a:avLst/>
+          </a:prstGeom>
+          <a:ln>
+            <a:headEnd type="triangle"/>
+            <a:tailEnd type="triangle"/>
+          </a:ln>
+        </p:spPr>
+        <p:style>
+          <a:lnRef idx="2">
+            <a:schemeClr val="accent1"/>
+          </a:lnRef>
+          <a:fillRef idx="0">
+            <a:schemeClr val="accent1"/>
+          </a:fillRef>
+          <a:effectRef idx="1">
+            <a:schemeClr val="accent1"/>
+          </a:effectRef>
+          <a:fontRef idx="minor">
+            <a:schemeClr val="tx1"/>
+          </a:fontRef>
+        </p:style>
+      </p:cxnSp>
+      <p:sp>
+        <p:nvSpPr>
+          <p:cNvPr id="30" name="TextBox 29">
+            <a:extLst>
+              <a:ext uri="{FF2B5EF4-FFF2-40B4-BE49-F238E27FC236}">
+                <a16:creationId xmlns:a16="http://schemas.microsoft.com/office/drawing/2014/main" id="{7271B2E5-A84A-CEEB-8318-2123C741847C}"/>
+              </a:ext>
+            </a:extLst>
+          </p:cNvPr>
+          <p:cNvSpPr txBox="1"/>
+          <p:nvPr/>
+        </p:nvSpPr>
+        <p:spPr>
+          <a:xfrm>
+            <a:off x="8405488" y="672642"/>
+            <a:ext cx="3426650" cy="1200329"/>
+          </a:xfrm>
+          <a:prstGeom prst="rect">
+            <a:avLst/>
+          </a:prstGeom>
+          <a:noFill/>
+        </p:spPr>
+        <p:txBody>
+          <a:bodyPr wrap="square" rtlCol="0">
+            <a:spAutoFit/>
+          </a:bodyPr>
+          <a:lstStyle/>
+          <a:p>
+            <a:r>
+              <a:rPr lang="en-US" dirty="0" err="1"/>
+              <a:t>OpenAPI</a:t>
+            </a:r>
+            <a:endParaRPr lang="en-US" dirty="0"/>
+          </a:p>
+          <a:p>
+            <a:r>
+              <a:rPr lang="en-US" dirty="0"/>
+              <a:t>Semantic Kernel</a:t>
+            </a:r>
+          </a:p>
+          <a:p>
+            <a:r>
+              <a:rPr lang="en-US" dirty="0"/>
+              <a:t>	OpenAI Connector</a:t>
+            </a:r>
+          </a:p>
+          <a:p>
+            <a:pPr lvl="1"/>
+            <a:r>
+              <a:rPr lang="en-US" dirty="0"/>
+              <a:t>GPT 40 mini</a:t>
+            </a:r>
+          </a:p>
+        </p:txBody>
+      </p:sp>
+      <p:sp>
+        <p:nvSpPr>
+          <p:cNvPr id="31" name="Flowchart: Connector 30">
+            <a:extLst>
+              <a:ext uri="{FF2B5EF4-FFF2-40B4-BE49-F238E27FC236}">
+                <a16:creationId xmlns:a16="http://schemas.microsoft.com/office/drawing/2014/main" id="{6B81E34A-0CD0-D60F-A6BD-EB821A65009A}"/>
+              </a:ext>
+            </a:extLst>
+          </p:cNvPr>
+          <p:cNvSpPr/>
+          <p:nvPr/>
+        </p:nvSpPr>
+        <p:spPr>
+          <a:xfrm>
+            <a:off x="5466612" y="4292956"/>
+            <a:ext cx="268133" cy="288757"/>
+          </a:xfrm>
+          <a:prstGeom prst="flowChartConnector">
+            <a:avLst/>
+          </a:prstGeom>
+          <a:solidFill>
+            <a:schemeClr val="accent2">
+              <a:lumMod val="60000"/>
+              <a:lumOff val="40000"/>
+            </a:schemeClr>
+          </a:solidFill>
+        </p:spPr>
+        <p:style>
+          <a:lnRef idx="2">
+            <a:schemeClr val="accent1">
+              <a:shade val="15000"/>
+            </a:schemeClr>
+          </a:lnRef>
+          <a:fillRef idx="1">
+            <a:schemeClr val="accent1"/>
+          </a:fillRef>
+          <a:effectRef idx="0">
+            <a:schemeClr val="accent1"/>
+          </a:effectRef>
+          <a:fontRef idx="minor">
+            <a:schemeClr val="lt1"/>
+          </a:fontRef>
+        </p:style>
+        <p:txBody>
+          <a:bodyPr rtlCol="0" anchor="ctr"/>
+          <a:lstStyle/>
+          <a:p>
+            <a:pPr algn="ctr"/>
+            <a:endParaRPr lang="en-US"/>
+          </a:p>
+        </p:txBody>
+      </p:sp>
+      <p:cxnSp>
+        <p:nvCxnSpPr>
+          <p:cNvPr id="32" name="Straight Arrow Connector 31">
+            <a:extLst>
+              <a:ext uri="{FF2B5EF4-FFF2-40B4-BE49-F238E27FC236}">
+                <a16:creationId xmlns:a16="http://schemas.microsoft.com/office/drawing/2014/main" id="{1DB67E72-707D-7494-AE93-D99862D7C313}"/>
+              </a:ext>
+            </a:extLst>
+          </p:cNvPr>
+          <p:cNvCxnSpPr>
+            <a:cxnSpLocks/>
+            <a:stCxn id="22" idx="5"/>
+            <a:endCxn id="31" idx="1"/>
+          </p:cNvCxnSpPr>
+          <p:nvPr/>
+        </p:nvCxnSpPr>
+        <p:spPr>
+          <a:xfrm>
+            <a:off x="5410640" y="3749910"/>
+            <a:ext cx="95239" cy="585333"/>
+          </a:xfrm>
+          <a:prstGeom prst="straightConnector1">
+            <a:avLst/>
+          </a:prstGeom>
+          <a:ln>
+            <a:headEnd type="none"/>
+            <a:tailEnd type="triangle"/>
+          </a:ln>
+        </p:spPr>
+        <p:style>
+          <a:lnRef idx="2">
+            <a:schemeClr val="accent1"/>
+          </a:lnRef>
+          <a:fillRef idx="0">
+            <a:schemeClr val="accent1"/>
+          </a:fillRef>
+          <a:effectRef idx="1">
+            <a:schemeClr val="accent1"/>
+          </a:effectRef>
+          <a:fontRef idx="minor">
+            <a:schemeClr val="tx1"/>
+          </a:fontRef>
+        </p:style>
+      </p:cxnSp>
+      <p:sp>
+        <p:nvSpPr>
+          <p:cNvPr id="36" name="TextBox 35">
+            <a:extLst>
+              <a:ext uri="{FF2B5EF4-FFF2-40B4-BE49-F238E27FC236}">
+                <a16:creationId xmlns:a16="http://schemas.microsoft.com/office/drawing/2014/main" id="{2FDC6E53-7AF2-2E09-4532-ED0E81DC119F}"/>
+              </a:ext>
+            </a:extLst>
+          </p:cNvPr>
+          <p:cNvSpPr txBox="1"/>
+          <p:nvPr/>
+        </p:nvSpPr>
+        <p:spPr>
+          <a:xfrm>
+            <a:off x="4682557" y="4229585"/>
+            <a:ext cx="859531" cy="415498"/>
+          </a:xfrm>
+          <a:prstGeom prst="rect">
+            <a:avLst/>
+          </a:prstGeom>
+          <a:noFill/>
+        </p:spPr>
+        <p:txBody>
+          <a:bodyPr wrap="none" rtlCol="0">
+            <a:spAutoFit/>
+          </a:bodyPr>
+          <a:lstStyle/>
+          <a:p>
+            <a:r>
+              <a:rPr lang="en-US" sz="1050" dirty="0" err="1"/>
+              <a:t>OpenAPI</a:t>
+            </a:r>
+            <a:endParaRPr lang="en-US" sz="1050" dirty="0"/>
+          </a:p>
+          <a:p>
+            <a:r>
+              <a:rPr lang="en-US" sz="1050" dirty="0"/>
+              <a:t>Description</a:t>
+            </a:r>
+          </a:p>
+        </p:txBody>
+      </p:sp>
+      <p:sp>
+        <p:nvSpPr>
+          <p:cNvPr id="2" name="Flowchart: Connector 1">
+            <a:extLst>
+              <a:ext uri="{FF2B5EF4-FFF2-40B4-BE49-F238E27FC236}">
+                <a16:creationId xmlns:a16="http://schemas.microsoft.com/office/drawing/2014/main" id="{4D04CB62-52E4-5BF9-6F81-06D8F3CBB38D}"/>
+              </a:ext>
+            </a:extLst>
+          </p:cNvPr>
+          <p:cNvSpPr/>
+          <p:nvPr/>
+        </p:nvSpPr>
+        <p:spPr>
+          <a:xfrm>
+            <a:off x="7063735" y="2396175"/>
+            <a:ext cx="1227934" cy="1157743"/>
+          </a:xfrm>
+          <a:prstGeom prst="flowChartConnector">
+            <a:avLst/>
+          </a:prstGeom>
+          <a:solidFill>
+            <a:schemeClr val="accent6">
+              <a:lumMod val="60000"/>
+              <a:lumOff val="40000"/>
+            </a:schemeClr>
+          </a:solidFill>
+          <a:ln w="38100">
+            <a:solidFill>
+              <a:schemeClr val="tx2"/>
+            </a:solidFill>
+          </a:ln>
+        </p:spPr>
+        <p:style>
+          <a:lnRef idx="2">
+            <a:schemeClr val="accent2">
+              <a:shade val="15000"/>
+            </a:schemeClr>
+          </a:lnRef>
+          <a:fillRef idx="1">
+            <a:schemeClr val="accent2"/>
+          </a:fillRef>
+          <a:effectRef idx="0">
+            <a:schemeClr val="accent2"/>
+          </a:effectRef>
+          <a:fontRef idx="minor">
+            <a:schemeClr val="lt1"/>
+          </a:fontRef>
+        </p:style>
+        <p:txBody>
+          <a:bodyPr rtlCol="0" anchor="ctr"/>
+          <a:lstStyle/>
+          <a:p>
+            <a:pPr algn="ctr"/>
+            <a:r>
+              <a:rPr lang="en-US" sz="1600" b="1" dirty="0"/>
+              <a:t>OpenAI</a:t>
+            </a:r>
+            <a:r>
+              <a:rPr lang="en-US" sz="1600" dirty="0"/>
+              <a:t> </a:t>
+            </a:r>
+          </a:p>
+        </p:txBody>
+      </p:sp>
+      <p:sp>
+        <p:nvSpPr>
+          <p:cNvPr id="11" name="Speech Bubble: Rectangle with Corners Rounded 10">
+            <a:extLst>
+              <a:ext uri="{FF2B5EF4-FFF2-40B4-BE49-F238E27FC236}">
+                <a16:creationId xmlns:a16="http://schemas.microsoft.com/office/drawing/2014/main" id="{B555FA2C-C664-F48D-8EED-561D507A366C}"/>
+              </a:ext>
+            </a:extLst>
+          </p:cNvPr>
+          <p:cNvSpPr/>
+          <p:nvPr/>
+        </p:nvSpPr>
+        <p:spPr>
+          <a:xfrm>
+            <a:off x="2210604" y="3952417"/>
+            <a:ext cx="1695805" cy="465910"/>
+          </a:xfrm>
+          <a:prstGeom prst="wedgeRoundRectCallout">
+            <a:avLst>
+              <a:gd name="adj1" fmla="val -20833"/>
+              <a:gd name="adj2" fmla="val 92299"/>
+              <a:gd name="adj3" fmla="val 16667"/>
+            </a:avLst>
+          </a:prstGeom>
+          <a:solidFill>
+            <a:schemeClr val="bg1">
+              <a:lumMod val="75000"/>
+            </a:schemeClr>
+          </a:solidFill>
+        </p:spPr>
+        <p:style>
+          <a:lnRef idx="2">
+            <a:schemeClr val="accent4">
+              <a:shade val="15000"/>
+            </a:schemeClr>
+          </a:lnRef>
+          <a:fillRef idx="1">
+            <a:schemeClr val="accent4"/>
+          </a:fillRef>
+          <a:effectRef idx="0">
+            <a:schemeClr val="accent4"/>
+          </a:effectRef>
+          <a:fontRef idx="minor">
+            <a:schemeClr val="lt1"/>
+          </a:fontRef>
+        </p:style>
+        <p:txBody>
+          <a:bodyPr rtlCol="0" anchor="ctr"/>
+          <a:lstStyle/>
+          <a:p>
+            <a:pPr algn="ctr"/>
+            <a:r>
+              <a:rPr lang="en-US" sz="1050" dirty="0"/>
+              <a:t>Just</a:t>
+            </a:r>
+            <a:r>
+              <a:rPr lang="en-US" sz="1000" dirty="0"/>
+              <a:t> a visual helper to show the state (WPF APP)</a:t>
+            </a:r>
+          </a:p>
+        </p:txBody>
+      </p:sp>
+      <p:sp>
+        <p:nvSpPr>
+          <p:cNvPr id="22" name="Flowchart: Connector 21">
+            <a:extLst>
+              <a:ext uri="{FF2B5EF4-FFF2-40B4-BE49-F238E27FC236}">
+                <a16:creationId xmlns:a16="http://schemas.microsoft.com/office/drawing/2014/main" id="{B54AE1B3-8877-D7F6-004D-4EFE05DD2F41}"/>
+              </a:ext>
+            </a:extLst>
+          </p:cNvPr>
+          <p:cNvSpPr/>
+          <p:nvPr/>
+        </p:nvSpPr>
+        <p:spPr>
+          <a:xfrm>
+            <a:off x="5036406" y="3359029"/>
+            <a:ext cx="438442" cy="457946"/>
+          </a:xfrm>
+          <a:prstGeom prst="flowChartConnector">
+            <a:avLst/>
+          </a:prstGeom>
+          <a:solidFill>
+            <a:schemeClr val="accent6">
+              <a:lumMod val="60000"/>
+              <a:lumOff val="40000"/>
+            </a:schemeClr>
+          </a:solidFill>
+        </p:spPr>
+        <p:style>
+          <a:lnRef idx="2">
+            <a:schemeClr val="accent2">
+              <a:shade val="15000"/>
+            </a:schemeClr>
+          </a:lnRef>
+          <a:fillRef idx="1">
+            <a:schemeClr val="accent2"/>
+          </a:fillRef>
+          <a:effectRef idx="0">
+            <a:schemeClr val="accent2"/>
+          </a:effectRef>
+          <a:fontRef idx="minor">
+            <a:schemeClr val="lt1"/>
+          </a:fontRef>
+        </p:style>
+        <p:txBody>
+          <a:bodyPr rtlCol="0" anchor="ctr"/>
+          <a:lstStyle/>
+          <a:p>
+            <a:pPr algn="ctr"/>
+            <a:endParaRPr lang="en-US" sz="300" dirty="0"/>
+          </a:p>
+        </p:txBody>
+      </p:sp>
+      <p:sp>
+        <p:nvSpPr>
+          <p:cNvPr id="29" name="Speech Bubble: Rectangle with Corners Rounded 28">
+            <a:extLst>
+              <a:ext uri="{FF2B5EF4-FFF2-40B4-BE49-F238E27FC236}">
+                <a16:creationId xmlns:a16="http://schemas.microsoft.com/office/drawing/2014/main" id="{2CD17966-15B3-BFFA-AB11-58911FDAFD39}"/>
+              </a:ext>
+            </a:extLst>
+          </p:cNvPr>
+          <p:cNvSpPr/>
+          <p:nvPr/>
+        </p:nvSpPr>
+        <p:spPr>
+          <a:xfrm>
+            <a:off x="3705478" y="3202565"/>
+            <a:ext cx="994050" cy="673449"/>
+          </a:xfrm>
+          <a:prstGeom prst="wedgeRoundRectCallout">
+            <a:avLst>
+              <a:gd name="adj1" fmla="val 93264"/>
+              <a:gd name="adj2" fmla="val 14374"/>
+              <a:gd name="adj3" fmla="val 16667"/>
+            </a:avLst>
+          </a:prstGeom>
+          <a:solidFill>
+            <a:srgbClr val="92D050"/>
+          </a:solidFill>
+        </p:spPr>
+        <p:style>
+          <a:lnRef idx="2">
+            <a:schemeClr val="accent4">
+              <a:shade val="15000"/>
+            </a:schemeClr>
+          </a:lnRef>
+          <a:fillRef idx="1">
+            <a:schemeClr val="accent4"/>
+          </a:fillRef>
+          <a:effectRef idx="0">
+            <a:schemeClr val="accent4"/>
+          </a:effectRef>
+          <a:fontRef idx="minor">
+            <a:schemeClr val="lt1"/>
+          </a:fontRef>
+        </p:style>
+        <p:txBody>
+          <a:bodyPr rtlCol="0" anchor="ctr"/>
+          <a:lstStyle/>
+          <a:p>
+            <a:pPr algn="ctr"/>
+            <a:r>
+              <a:rPr lang="en-US" sz="1100" dirty="0"/>
+              <a:t>Connector to OpenAI</a:t>
+            </a:r>
+            <a:endParaRPr lang="en-US" sz="800" dirty="0"/>
+          </a:p>
+        </p:txBody>
+      </p:sp>
+      <p:sp>
+        <p:nvSpPr>
+          <p:cNvPr id="21" name="Flowchart: Connector 20">
+            <a:extLst>
+              <a:ext uri="{FF2B5EF4-FFF2-40B4-BE49-F238E27FC236}">
+                <a16:creationId xmlns:a16="http://schemas.microsoft.com/office/drawing/2014/main" id="{8A2FB215-6B98-BA2F-5196-98E62FD6F6B0}"/>
+              </a:ext>
+            </a:extLst>
+          </p:cNvPr>
+          <p:cNvSpPr/>
+          <p:nvPr/>
+        </p:nvSpPr>
+        <p:spPr>
+          <a:xfrm>
+            <a:off x="1875467" y="1744809"/>
+            <a:ext cx="1196282" cy="1134406"/>
+          </a:xfrm>
+          <a:prstGeom prst="flowChartConnector">
+            <a:avLst/>
+          </a:prstGeom>
+        </p:spPr>
+        <p:style>
+          <a:lnRef idx="2">
+            <a:schemeClr val="accent4">
+              <a:shade val="15000"/>
+            </a:schemeClr>
+          </a:lnRef>
+          <a:fillRef idx="1">
+            <a:schemeClr val="accent4"/>
+          </a:fillRef>
+          <a:effectRef idx="0">
+            <a:schemeClr val="accent4"/>
+          </a:effectRef>
+          <a:fontRef idx="minor">
+            <a:schemeClr val="lt1"/>
+          </a:fontRef>
+        </p:style>
+        <p:txBody>
+          <a:bodyPr rtlCol="0" anchor="ctr"/>
+          <a:lstStyle/>
+          <a:p>
+            <a:pPr algn="ctr"/>
+            <a:r>
+              <a:rPr lang="en-US" dirty="0"/>
+              <a:t>Smart Client</a:t>
+            </a:r>
+          </a:p>
+        </p:txBody>
+      </p:sp>
+      <p:sp>
+        <p:nvSpPr>
+          <p:cNvPr id="23" name="Speech Bubble: Rectangle with Corners Rounded 22">
+            <a:extLst>
+              <a:ext uri="{FF2B5EF4-FFF2-40B4-BE49-F238E27FC236}">
+                <a16:creationId xmlns:a16="http://schemas.microsoft.com/office/drawing/2014/main" id="{F79AA6C2-B098-9A44-F23C-4C7EF78C05FE}"/>
+              </a:ext>
+            </a:extLst>
+          </p:cNvPr>
+          <p:cNvSpPr/>
+          <p:nvPr/>
+        </p:nvSpPr>
+        <p:spPr>
+          <a:xfrm>
+            <a:off x="1903902" y="1308326"/>
+            <a:ext cx="1409564" cy="385437"/>
+          </a:xfrm>
+          <a:prstGeom prst="wedgeRoundRectCallout">
+            <a:avLst>
+              <a:gd name="adj1" fmla="val -20833"/>
+              <a:gd name="adj2" fmla="val 92299"/>
+              <a:gd name="adj3" fmla="val 16667"/>
+            </a:avLst>
+          </a:prstGeom>
+        </p:spPr>
+        <p:style>
+          <a:lnRef idx="2">
+            <a:schemeClr val="accent4">
+              <a:shade val="15000"/>
+            </a:schemeClr>
+          </a:lnRef>
+          <a:fillRef idx="1">
+            <a:schemeClr val="accent4"/>
+          </a:fillRef>
+          <a:effectRef idx="0">
+            <a:schemeClr val="accent4"/>
+          </a:effectRef>
+          <a:fontRef idx="minor">
+            <a:schemeClr val="lt1"/>
+          </a:fontRef>
+        </p:style>
+        <p:txBody>
+          <a:bodyPr rtlCol="0" anchor="ctr"/>
+          <a:lstStyle/>
+          <a:p>
+            <a:pPr algn="ctr"/>
+            <a:r>
+              <a:rPr lang="en-US" sz="800" dirty="0"/>
+              <a:t>Cross Platform Client Android pixel</a:t>
+            </a:r>
+          </a:p>
+        </p:txBody>
+      </p:sp>
+      <p:sp>
+        <p:nvSpPr>
+          <p:cNvPr id="28" name="Flowchart: Connector 27">
+            <a:extLst>
+              <a:ext uri="{FF2B5EF4-FFF2-40B4-BE49-F238E27FC236}">
+                <a16:creationId xmlns:a16="http://schemas.microsoft.com/office/drawing/2014/main" id="{A1C34BDE-AED1-4C22-8B04-8C9852E21005}"/>
+              </a:ext>
+            </a:extLst>
+          </p:cNvPr>
+          <p:cNvSpPr/>
+          <p:nvPr/>
+        </p:nvSpPr>
+        <p:spPr>
+          <a:xfrm>
+            <a:off x="4269499" y="2088280"/>
+            <a:ext cx="268133" cy="288757"/>
+          </a:xfrm>
+          <a:prstGeom prst="flowChartConnector">
+            <a:avLst/>
+          </a:prstGeom>
+          <a:solidFill>
+            <a:srgbClr val="00B050"/>
+          </a:solidFill>
+        </p:spPr>
+        <p:style>
+          <a:lnRef idx="2">
+            <a:schemeClr val="accent1">
+              <a:shade val="15000"/>
+            </a:schemeClr>
+          </a:lnRef>
+          <a:fillRef idx="1">
+            <a:schemeClr val="accent1"/>
+          </a:fillRef>
+          <a:effectRef idx="0">
+            <a:schemeClr val="accent1"/>
+          </a:effectRef>
+          <a:fontRef idx="minor">
+            <a:schemeClr val="lt1"/>
+          </a:fontRef>
+        </p:style>
+        <p:txBody>
+          <a:bodyPr rtlCol="0" anchor="ctr"/>
+          <a:lstStyle/>
+          <a:p>
+            <a:pPr algn="ctr"/>
+            <a:endParaRPr lang="en-US"/>
+          </a:p>
+        </p:txBody>
+      </p:sp>
+      <p:cxnSp>
+        <p:nvCxnSpPr>
+          <p:cNvPr id="34" name="Straight Connector 33">
+            <a:extLst>
+              <a:ext uri="{FF2B5EF4-FFF2-40B4-BE49-F238E27FC236}">
+                <a16:creationId xmlns:a16="http://schemas.microsoft.com/office/drawing/2014/main" id="{E2CCC66A-D3BD-2219-B1B5-9ACAF65E0F32}"/>
+              </a:ext>
+            </a:extLst>
+          </p:cNvPr>
+          <p:cNvCxnSpPr>
+            <a:stCxn id="28" idx="6"/>
+            <a:endCxn id="8" idx="2"/>
+          </p:cNvCxnSpPr>
+          <p:nvPr/>
+        </p:nvCxnSpPr>
+        <p:spPr>
+          <a:xfrm>
+            <a:off x="4537632" y="2232659"/>
+            <a:ext cx="265955" cy="1"/>
+          </a:xfrm>
+          <a:prstGeom prst="line">
+            <a:avLst/>
+          </a:prstGeom>
+        </p:spPr>
+        <p:style>
+          <a:lnRef idx="1">
+            <a:schemeClr val="accent1"/>
+          </a:lnRef>
+          <a:fillRef idx="0">
+            <a:schemeClr val="accent1"/>
+          </a:fillRef>
+          <a:effectRef idx="0">
+            <a:schemeClr val="accent1"/>
+          </a:effectRef>
+          <a:fontRef idx="minor">
+            <a:schemeClr val="tx1"/>
+          </a:fontRef>
+        </p:style>
+      </p:cxnSp>
+      <p:cxnSp>
+        <p:nvCxnSpPr>
+          <p:cNvPr id="37" name="Straight Arrow Connector 36">
+            <a:extLst>
+              <a:ext uri="{FF2B5EF4-FFF2-40B4-BE49-F238E27FC236}">
+                <a16:creationId xmlns:a16="http://schemas.microsoft.com/office/drawing/2014/main" id="{8407C453-EDA7-B9D8-B1D4-DE9A4CC6F723}"/>
+              </a:ext>
+            </a:extLst>
+          </p:cNvPr>
+          <p:cNvCxnSpPr>
+            <a:stCxn id="21" idx="6"/>
+            <a:endCxn id="28" idx="2"/>
+          </p:cNvCxnSpPr>
+          <p:nvPr/>
+        </p:nvCxnSpPr>
+        <p:spPr>
+          <a:xfrm flipV="1">
+            <a:off x="3071749" y="2232659"/>
+            <a:ext cx="1197750" cy="79353"/>
+          </a:xfrm>
+          <a:prstGeom prst="straightConnector1">
+            <a:avLst/>
+          </a:prstGeom>
+          <a:ln>
+            <a:tailEnd type="triangle"/>
+          </a:ln>
+        </p:spPr>
+        <p:style>
+          <a:lnRef idx="1">
+            <a:schemeClr val="accent1"/>
+          </a:lnRef>
+          <a:fillRef idx="0">
+            <a:schemeClr val="accent1"/>
+          </a:fillRef>
+          <a:effectRef idx="0">
+            <a:schemeClr val="accent1"/>
+          </a:effectRef>
+          <a:fontRef idx="minor">
+            <a:schemeClr val="tx1"/>
+          </a:fontRef>
+        </p:style>
+      </p:cxnSp>
+    </p:spTree>
+    <p:extLst>
+      <p:ext uri="{BB962C8B-B14F-4D97-AF65-F5344CB8AC3E}">
+        <p14:creationId xmlns:p14="http://schemas.microsoft.com/office/powerpoint/2010/main" val="2949542158"/>
+      </p:ext>
+    </p:extLst>
+  </p:cSld>
+  <p:clrMapOvr>
+    <a:masterClrMapping/>
+  </p:clrMapOvr>
+  <p:timing>
+    <p:tnLst>
+      <p:par>
+        <p:cTn id="1" dur="indefinite" restart="never" nodeType="tmRoot">
+          <p:childTnLst>
+            <p:seq concurrent="1" nextAc="seek">
+              <p:cTn id="2" dur="indefinite" nodeType="mainSeq">
+                <p:childTnLst>
+                  <p:par>
+                    <p:cTn id="3" fill="hold">
+                      <p:stCondLst>
+                        <p:cond delay="indefinite"/>
+                      </p:stCondLst>
+                      <p:childTnLst>
+                        <p:par>
+                          <p:cTn id="4" fill="hold">
+                            <p:stCondLst>
+                              <p:cond delay="0"/>
+                            </p:stCondLst>
+                            <p:childTnLst>
+                              <p:par>
+                                <p:cTn id="5" presetID="1" presetClass="entr" presetSubtype="0" fill="hold" nodeType="clickEffect">
+                                  <p:stCondLst>
+                                    <p:cond delay="0"/>
+                                  </p:stCondLst>
+                                  <p:childTnLst>
+                                    <p:set>
+                                      <p:cBhvr>
+                                        <p:cTn id="6" dur="1" fill="hold">
+                                          <p:stCondLst>
+                                            <p:cond delay="1249"/>
+                                          </p:stCondLst>
+                                        </p:cTn>
+                                        <p:tgtEl>
+                                          <p:spTgt spid="12"/>
+                                        </p:tgtEl>
+                                        <p:attrNameLst>
+                                          <p:attrName>style.visibility</p:attrName>
+                                        </p:attrNameLst>
+                                      </p:cBhvr>
+                                      <p:to>
+                                        <p:strVal val="visible"/>
+                                      </p:to>
+                                    </p:set>
+                                  </p:childTnLst>
+                                </p:cTn>
+                              </p:par>
+                              <p:par>
+                                <p:cTn id="7" presetID="1" presetClass="entr" presetSubtype="0" fill="hold" grpId="0" nodeType="withEffect">
+                                  <p:stCondLst>
+                                    <p:cond delay="0"/>
+                                  </p:stCondLst>
+                                  <p:childTnLst>
+                                    <p:set>
+                                      <p:cBhvr>
+                                        <p:cTn id="8" dur="1" fill="hold">
+                                          <p:stCondLst>
+                                            <p:cond delay="1249"/>
+                                          </p:stCondLst>
+                                        </p:cTn>
+                                        <p:tgtEl>
+                                          <p:spTgt spid="4"/>
+                                        </p:tgtEl>
+                                        <p:attrNameLst>
+                                          <p:attrName>style.visibility</p:attrName>
+                                        </p:attrNameLst>
+                                      </p:cBhvr>
+                                      <p:to>
+                                        <p:strVal val="visible"/>
+                                      </p:to>
+                                    </p:set>
+                                  </p:childTnLst>
+                                </p:cTn>
+                              </p:par>
+                              <p:par>
+                                <p:cTn id="9" presetID="1" presetClass="entr" presetSubtype="0" fill="hold" grpId="0" nodeType="withEffect">
+                                  <p:stCondLst>
+                                    <p:cond delay="0"/>
+                                  </p:stCondLst>
+                                  <p:childTnLst>
+                                    <p:set>
+                                      <p:cBhvr>
+                                        <p:cTn id="10" dur="1" fill="hold">
+                                          <p:stCondLst>
+                                            <p:cond delay="1249"/>
+                                          </p:stCondLst>
+                                        </p:cTn>
+                                        <p:tgtEl>
+                                          <p:spTgt spid="10"/>
+                                        </p:tgtEl>
+                                        <p:attrNameLst>
+                                          <p:attrName>style.visibility</p:attrName>
+                                        </p:attrNameLst>
+                                      </p:cBhvr>
+                                      <p:to>
+                                        <p:strVal val="visible"/>
+                                      </p:to>
+                                    </p:set>
+                                  </p:childTnLst>
+                                </p:cTn>
+                              </p:par>
+                            </p:childTnLst>
+                          </p:cTn>
+                        </p:par>
+                      </p:childTnLst>
+                    </p:cTn>
+                  </p:par>
+                  <p:par>
+                    <p:cTn id="11" fill="hold">
+                      <p:stCondLst>
+                        <p:cond delay="indefinite"/>
+                      </p:stCondLst>
+                      <p:childTnLst>
+                        <p:par>
+                          <p:cTn id="12" fill="hold">
+                            <p:stCondLst>
+                              <p:cond delay="0"/>
+                            </p:stCondLst>
+                            <p:childTnLst>
+                              <p:par>
+                                <p:cTn id="13" presetID="53" presetClass="entr" presetSubtype="16" fill="hold" grpId="0" nodeType="clickEffect">
+                                  <p:stCondLst>
+                                    <p:cond delay="0"/>
+                                  </p:stCondLst>
+                                  <p:childTnLst>
+                                    <p:set>
+                                      <p:cBhvr>
+                                        <p:cTn id="14" dur="1" fill="hold">
+                                          <p:stCondLst>
+                                            <p:cond delay="0"/>
+                                          </p:stCondLst>
+                                        </p:cTn>
+                                        <p:tgtEl>
+                                          <p:spTgt spid="36"/>
+                                        </p:tgtEl>
+                                        <p:attrNameLst>
+                                          <p:attrName>style.visibility</p:attrName>
+                                        </p:attrNameLst>
+                                      </p:cBhvr>
+                                      <p:to>
+                                        <p:strVal val="visible"/>
+                                      </p:to>
+                                    </p:set>
+                                    <p:anim calcmode="lin" valueType="num">
+                                      <p:cBhvr>
+                                        <p:cTn id="15" dur="500" fill="hold"/>
+                                        <p:tgtEl>
+                                          <p:spTgt spid="36"/>
+                                        </p:tgtEl>
+                                        <p:attrNameLst>
+                                          <p:attrName>ppt_w</p:attrName>
+                                        </p:attrNameLst>
+                                      </p:cBhvr>
+                                      <p:tavLst>
+                                        <p:tav tm="0">
+                                          <p:val>
+                                            <p:fltVal val="0"/>
+                                          </p:val>
+                                        </p:tav>
+                                        <p:tav tm="100000">
+                                          <p:val>
+                                            <p:strVal val="#ppt_w"/>
+                                          </p:val>
+                                        </p:tav>
+                                      </p:tavLst>
+                                    </p:anim>
+                                    <p:anim calcmode="lin" valueType="num">
+                                      <p:cBhvr>
+                                        <p:cTn id="16" dur="500" fill="hold"/>
+                                        <p:tgtEl>
+                                          <p:spTgt spid="36"/>
+                                        </p:tgtEl>
+                                        <p:attrNameLst>
+                                          <p:attrName>ppt_h</p:attrName>
+                                        </p:attrNameLst>
+                                      </p:cBhvr>
+                                      <p:tavLst>
+                                        <p:tav tm="0">
+                                          <p:val>
+                                            <p:fltVal val="0"/>
+                                          </p:val>
+                                        </p:tav>
+                                        <p:tav tm="100000">
+                                          <p:val>
+                                            <p:strVal val="#ppt_h"/>
+                                          </p:val>
+                                        </p:tav>
+                                      </p:tavLst>
+                                    </p:anim>
+                                    <p:animEffect transition="in" filter="fade">
+                                      <p:cBhvr>
+                                        <p:cTn id="17" dur="500"/>
+                                        <p:tgtEl>
+                                          <p:spTgt spid="36"/>
+                                        </p:tgtEl>
+                                      </p:cBhvr>
+                                    </p:animEffect>
+                                  </p:childTnLst>
+                                </p:cTn>
+                              </p:par>
+                              <p:par>
+                                <p:cTn id="18" presetID="53" presetClass="entr" presetSubtype="16" fill="hold" grpId="0" nodeType="withEffect">
+                                  <p:stCondLst>
+                                    <p:cond delay="0"/>
+                                  </p:stCondLst>
+                                  <p:childTnLst>
+                                    <p:set>
+                                      <p:cBhvr>
+                                        <p:cTn id="19" dur="1" fill="hold">
+                                          <p:stCondLst>
+                                            <p:cond delay="0"/>
+                                          </p:stCondLst>
+                                        </p:cTn>
+                                        <p:tgtEl>
+                                          <p:spTgt spid="31"/>
+                                        </p:tgtEl>
+                                        <p:attrNameLst>
+                                          <p:attrName>style.visibility</p:attrName>
+                                        </p:attrNameLst>
+                                      </p:cBhvr>
+                                      <p:to>
+                                        <p:strVal val="visible"/>
+                                      </p:to>
+                                    </p:set>
+                                    <p:anim calcmode="lin" valueType="num">
+                                      <p:cBhvr>
+                                        <p:cTn id="20" dur="500" fill="hold"/>
+                                        <p:tgtEl>
+                                          <p:spTgt spid="31"/>
+                                        </p:tgtEl>
+                                        <p:attrNameLst>
+                                          <p:attrName>ppt_w</p:attrName>
+                                        </p:attrNameLst>
+                                      </p:cBhvr>
+                                      <p:tavLst>
+                                        <p:tav tm="0">
+                                          <p:val>
+                                            <p:fltVal val="0"/>
+                                          </p:val>
+                                        </p:tav>
+                                        <p:tav tm="100000">
+                                          <p:val>
+                                            <p:strVal val="#ppt_w"/>
+                                          </p:val>
+                                        </p:tav>
+                                      </p:tavLst>
+                                    </p:anim>
+                                    <p:anim calcmode="lin" valueType="num">
+                                      <p:cBhvr>
+                                        <p:cTn id="21" dur="500" fill="hold"/>
+                                        <p:tgtEl>
+                                          <p:spTgt spid="31"/>
+                                        </p:tgtEl>
+                                        <p:attrNameLst>
+                                          <p:attrName>ppt_h</p:attrName>
+                                        </p:attrNameLst>
+                                      </p:cBhvr>
+                                      <p:tavLst>
+                                        <p:tav tm="0">
+                                          <p:val>
+                                            <p:fltVal val="0"/>
+                                          </p:val>
+                                        </p:tav>
+                                        <p:tav tm="100000">
+                                          <p:val>
+                                            <p:strVal val="#ppt_h"/>
+                                          </p:val>
+                                        </p:tav>
+                                      </p:tavLst>
+                                    </p:anim>
+                                    <p:animEffect transition="in" filter="fade">
+                                      <p:cBhvr>
+                                        <p:cTn id="22" dur="500"/>
+                                        <p:tgtEl>
+                                          <p:spTgt spid="31"/>
+                                        </p:tgtEl>
+                                      </p:cBhvr>
+                                    </p:animEffect>
+                                  </p:childTnLst>
+                                </p:cTn>
+                              </p:par>
+                            </p:childTnLst>
+                          </p:cTn>
+                        </p:par>
+                      </p:childTnLst>
+                    </p:cTn>
+                  </p:par>
+                  <p:par>
+                    <p:cTn id="23" fill="hold">
+                      <p:stCondLst>
+                        <p:cond delay="indefinite"/>
+                      </p:stCondLst>
+                      <p:childTnLst>
+                        <p:par>
+                          <p:cTn id="24" fill="hold">
+                            <p:stCondLst>
+                              <p:cond delay="0"/>
+                            </p:stCondLst>
+                            <p:childTnLst>
+                              <p:par>
+                                <p:cTn id="25" presetID="53" presetClass="entr" presetSubtype="16" fill="hold" grpId="0" nodeType="clickEffect">
+                                  <p:stCondLst>
+                                    <p:cond delay="0"/>
+                                  </p:stCondLst>
+                                  <p:childTnLst>
+                                    <p:set>
+                                      <p:cBhvr>
+                                        <p:cTn id="26" dur="1" fill="hold">
+                                          <p:stCondLst>
+                                            <p:cond delay="0"/>
+                                          </p:stCondLst>
+                                        </p:cTn>
+                                        <p:tgtEl>
+                                          <p:spTgt spid="25"/>
+                                        </p:tgtEl>
+                                        <p:attrNameLst>
+                                          <p:attrName>style.visibility</p:attrName>
+                                        </p:attrNameLst>
+                                      </p:cBhvr>
+                                      <p:to>
+                                        <p:strVal val="visible"/>
+                                      </p:to>
+                                    </p:set>
+                                    <p:anim calcmode="lin" valueType="num">
+                                      <p:cBhvr>
+                                        <p:cTn id="27" dur="500" fill="hold"/>
+                                        <p:tgtEl>
+                                          <p:spTgt spid="25"/>
+                                        </p:tgtEl>
+                                        <p:attrNameLst>
+                                          <p:attrName>ppt_w</p:attrName>
+                                        </p:attrNameLst>
+                                      </p:cBhvr>
+                                      <p:tavLst>
+                                        <p:tav tm="0">
+                                          <p:val>
+                                            <p:fltVal val="0"/>
+                                          </p:val>
+                                        </p:tav>
+                                        <p:tav tm="100000">
+                                          <p:val>
+                                            <p:strVal val="#ppt_w"/>
+                                          </p:val>
+                                        </p:tav>
+                                      </p:tavLst>
+                                    </p:anim>
+                                    <p:anim calcmode="lin" valueType="num">
+                                      <p:cBhvr>
+                                        <p:cTn id="28" dur="500" fill="hold"/>
+                                        <p:tgtEl>
+                                          <p:spTgt spid="25"/>
+                                        </p:tgtEl>
+                                        <p:attrNameLst>
+                                          <p:attrName>ppt_h</p:attrName>
+                                        </p:attrNameLst>
+                                      </p:cBhvr>
+                                      <p:tavLst>
+                                        <p:tav tm="0">
+                                          <p:val>
+                                            <p:fltVal val="0"/>
+                                          </p:val>
+                                        </p:tav>
+                                        <p:tav tm="100000">
+                                          <p:val>
+                                            <p:strVal val="#ppt_h"/>
+                                          </p:val>
+                                        </p:tav>
+                                      </p:tavLst>
+                                    </p:anim>
+                                    <p:animEffect transition="in" filter="fade">
+                                      <p:cBhvr>
+                                        <p:cTn id="29" dur="500"/>
+                                        <p:tgtEl>
+                                          <p:spTgt spid="25"/>
+                                        </p:tgtEl>
+                                      </p:cBhvr>
+                                    </p:animEffect>
+                                  </p:childTnLst>
+                                </p:cTn>
+                              </p:par>
+                              <p:par>
+                                <p:cTn id="30" presetID="53" presetClass="entr" presetSubtype="16" fill="hold" grpId="0" nodeType="withEffect">
+                                  <p:stCondLst>
+                                    <p:cond delay="0"/>
+                                  </p:stCondLst>
+                                  <p:childTnLst>
+                                    <p:set>
+                                      <p:cBhvr>
+                                        <p:cTn id="31" dur="1" fill="hold">
+                                          <p:stCondLst>
+                                            <p:cond delay="0"/>
+                                          </p:stCondLst>
+                                        </p:cTn>
+                                        <p:tgtEl>
+                                          <p:spTgt spid="24"/>
+                                        </p:tgtEl>
+                                        <p:attrNameLst>
+                                          <p:attrName>style.visibility</p:attrName>
+                                        </p:attrNameLst>
+                                      </p:cBhvr>
+                                      <p:to>
+                                        <p:strVal val="visible"/>
+                                      </p:to>
+                                    </p:set>
+                                    <p:anim calcmode="lin" valueType="num">
+                                      <p:cBhvr>
+                                        <p:cTn id="32" dur="500" fill="hold"/>
+                                        <p:tgtEl>
+                                          <p:spTgt spid="24"/>
+                                        </p:tgtEl>
+                                        <p:attrNameLst>
+                                          <p:attrName>ppt_w</p:attrName>
+                                        </p:attrNameLst>
+                                      </p:cBhvr>
+                                      <p:tavLst>
+                                        <p:tav tm="0">
+                                          <p:val>
+                                            <p:fltVal val="0"/>
+                                          </p:val>
+                                        </p:tav>
+                                        <p:tav tm="100000">
+                                          <p:val>
+                                            <p:strVal val="#ppt_w"/>
+                                          </p:val>
+                                        </p:tav>
+                                      </p:tavLst>
+                                    </p:anim>
+                                    <p:anim calcmode="lin" valueType="num">
+                                      <p:cBhvr>
+                                        <p:cTn id="33" dur="500" fill="hold"/>
+                                        <p:tgtEl>
+                                          <p:spTgt spid="24"/>
+                                        </p:tgtEl>
+                                        <p:attrNameLst>
+                                          <p:attrName>ppt_h</p:attrName>
+                                        </p:attrNameLst>
+                                      </p:cBhvr>
+                                      <p:tavLst>
+                                        <p:tav tm="0">
+                                          <p:val>
+                                            <p:fltVal val="0"/>
+                                          </p:val>
+                                        </p:tav>
+                                        <p:tav tm="100000">
+                                          <p:val>
+                                            <p:strVal val="#ppt_h"/>
+                                          </p:val>
+                                        </p:tav>
+                                      </p:tavLst>
+                                    </p:anim>
+                                    <p:animEffect transition="in" filter="fade">
+                                      <p:cBhvr>
+                                        <p:cTn id="34" dur="500"/>
+                                        <p:tgtEl>
+                                          <p:spTgt spid="24"/>
+                                        </p:tgtEl>
+                                      </p:cBhvr>
+                                    </p:animEffect>
+                                  </p:childTnLst>
+                                </p:cTn>
+                              </p:par>
+                              <p:par>
+                                <p:cTn id="35" presetID="53" presetClass="entr" presetSubtype="16" fill="hold" grpId="0" nodeType="withEffect">
+                                  <p:stCondLst>
+                                    <p:cond delay="0"/>
+                                  </p:stCondLst>
+                                  <p:childTnLst>
+                                    <p:set>
+                                      <p:cBhvr>
+                                        <p:cTn id="36" dur="1" fill="hold">
+                                          <p:stCondLst>
+                                            <p:cond delay="0"/>
+                                          </p:stCondLst>
+                                        </p:cTn>
+                                        <p:tgtEl>
+                                          <p:spTgt spid="9"/>
+                                        </p:tgtEl>
+                                        <p:attrNameLst>
+                                          <p:attrName>style.visibility</p:attrName>
+                                        </p:attrNameLst>
+                                      </p:cBhvr>
+                                      <p:to>
+                                        <p:strVal val="visible"/>
+                                      </p:to>
+                                    </p:set>
+                                    <p:anim calcmode="lin" valueType="num">
+                                      <p:cBhvr>
+                                        <p:cTn id="37" dur="500" fill="hold"/>
+                                        <p:tgtEl>
+                                          <p:spTgt spid="9"/>
+                                        </p:tgtEl>
+                                        <p:attrNameLst>
+                                          <p:attrName>ppt_w</p:attrName>
+                                        </p:attrNameLst>
+                                      </p:cBhvr>
+                                      <p:tavLst>
+                                        <p:tav tm="0">
+                                          <p:val>
+                                            <p:fltVal val="0"/>
+                                          </p:val>
+                                        </p:tav>
+                                        <p:tav tm="100000">
+                                          <p:val>
+                                            <p:strVal val="#ppt_w"/>
+                                          </p:val>
+                                        </p:tav>
+                                      </p:tavLst>
+                                    </p:anim>
+                                    <p:anim calcmode="lin" valueType="num">
+                                      <p:cBhvr>
+                                        <p:cTn id="38" dur="500" fill="hold"/>
+                                        <p:tgtEl>
+                                          <p:spTgt spid="9"/>
+                                        </p:tgtEl>
+                                        <p:attrNameLst>
+                                          <p:attrName>ppt_h</p:attrName>
+                                        </p:attrNameLst>
+                                      </p:cBhvr>
+                                      <p:tavLst>
+                                        <p:tav tm="0">
+                                          <p:val>
+                                            <p:fltVal val="0"/>
+                                          </p:val>
+                                        </p:tav>
+                                        <p:tav tm="100000">
+                                          <p:val>
+                                            <p:strVal val="#ppt_h"/>
+                                          </p:val>
+                                        </p:tav>
+                                      </p:tavLst>
+                                    </p:anim>
+                                    <p:animEffect transition="in" filter="fade">
+                                      <p:cBhvr>
+                                        <p:cTn id="39" dur="500"/>
+                                        <p:tgtEl>
+                                          <p:spTgt spid="9"/>
+                                        </p:tgtEl>
+                                      </p:cBhvr>
+                                    </p:animEffect>
+                                  </p:childTnLst>
+                                </p:cTn>
+                              </p:par>
+                            </p:childTnLst>
+                          </p:cTn>
+                        </p:par>
+                      </p:childTnLst>
+                    </p:cTn>
+                  </p:par>
+                  <p:par>
+                    <p:cTn id="40" fill="hold">
+                      <p:stCondLst>
+                        <p:cond delay="indefinite"/>
+                      </p:stCondLst>
+                      <p:childTnLst>
+                        <p:par>
+                          <p:cTn id="41" fill="hold">
+                            <p:stCondLst>
+                              <p:cond delay="0"/>
+                            </p:stCondLst>
+                            <p:childTnLst>
+                              <p:par>
+                                <p:cTn id="42" presetID="31" presetClass="entr" presetSubtype="0" fill="hold" grpId="0" nodeType="clickEffect">
+                                  <p:stCondLst>
+                                    <p:cond delay="0"/>
+                                  </p:stCondLst>
+                                  <p:childTnLst>
+                                    <p:set>
+                                      <p:cBhvr>
+                                        <p:cTn id="43" dur="1" fill="hold">
+                                          <p:stCondLst>
+                                            <p:cond delay="0"/>
+                                          </p:stCondLst>
+                                        </p:cTn>
+                                        <p:tgtEl>
+                                          <p:spTgt spid="2"/>
+                                        </p:tgtEl>
+                                        <p:attrNameLst>
+                                          <p:attrName>style.visibility</p:attrName>
+                                        </p:attrNameLst>
+                                      </p:cBhvr>
+                                      <p:to>
+                                        <p:strVal val="visible"/>
+                                      </p:to>
+                                    </p:set>
+                                    <p:anim calcmode="lin" valueType="num">
+                                      <p:cBhvr>
+                                        <p:cTn id="44" dur="1000" fill="hold"/>
+                                        <p:tgtEl>
+                                          <p:spTgt spid="2"/>
+                                        </p:tgtEl>
+                                        <p:attrNameLst>
+                                          <p:attrName>ppt_w</p:attrName>
+                                        </p:attrNameLst>
+                                      </p:cBhvr>
+                                      <p:tavLst>
+                                        <p:tav tm="0">
+                                          <p:val>
+                                            <p:fltVal val="0"/>
+                                          </p:val>
+                                        </p:tav>
+                                        <p:tav tm="100000">
+                                          <p:val>
+                                            <p:strVal val="#ppt_w"/>
+                                          </p:val>
+                                        </p:tav>
+                                      </p:tavLst>
+                                    </p:anim>
+                                    <p:anim calcmode="lin" valueType="num">
+                                      <p:cBhvr>
+                                        <p:cTn id="45" dur="1000" fill="hold"/>
+                                        <p:tgtEl>
+                                          <p:spTgt spid="2"/>
+                                        </p:tgtEl>
+                                        <p:attrNameLst>
+                                          <p:attrName>ppt_h</p:attrName>
+                                        </p:attrNameLst>
+                                      </p:cBhvr>
+                                      <p:tavLst>
+                                        <p:tav tm="0">
+                                          <p:val>
+                                            <p:fltVal val="0"/>
+                                          </p:val>
+                                        </p:tav>
+                                        <p:tav tm="100000">
+                                          <p:val>
+                                            <p:strVal val="#ppt_h"/>
+                                          </p:val>
+                                        </p:tav>
+                                      </p:tavLst>
+                                    </p:anim>
+                                    <p:anim calcmode="lin" valueType="num">
+                                      <p:cBhvr>
+                                        <p:cTn id="46" dur="1000" fill="hold"/>
+                                        <p:tgtEl>
+                                          <p:spTgt spid="2"/>
+                                        </p:tgtEl>
+                                        <p:attrNameLst>
+                                          <p:attrName>style.rotation</p:attrName>
+                                        </p:attrNameLst>
+                                      </p:cBhvr>
+                                      <p:tavLst>
+                                        <p:tav tm="0">
+                                          <p:val>
+                                            <p:fltVal val="90"/>
+                                          </p:val>
+                                        </p:tav>
+                                        <p:tav tm="100000">
+                                          <p:val>
+                                            <p:fltVal val="0"/>
+                                          </p:val>
+                                        </p:tav>
+                                      </p:tavLst>
+                                    </p:anim>
+                                    <p:animEffect transition="in" filter="fade">
+                                      <p:cBhvr>
+                                        <p:cTn id="47" dur="1000"/>
+                                        <p:tgtEl>
+                                          <p:spTgt spid="2"/>
+                                        </p:tgtEl>
+                                      </p:cBhvr>
+                                    </p:animEffect>
+                                  </p:childTnLst>
+                                </p:cTn>
+                              </p:par>
+                              <p:par>
+                                <p:cTn id="48" presetID="53" presetClass="entr" presetSubtype="16" fill="hold" grpId="0" nodeType="withEffect">
+                                  <p:stCondLst>
+                                    <p:cond delay="0"/>
+                                  </p:stCondLst>
+                                  <p:childTnLst>
+                                    <p:set>
+                                      <p:cBhvr>
+                                        <p:cTn id="49" dur="1" fill="hold">
+                                          <p:stCondLst>
+                                            <p:cond delay="0"/>
+                                          </p:stCondLst>
+                                        </p:cTn>
+                                        <p:tgtEl>
+                                          <p:spTgt spid="8"/>
+                                        </p:tgtEl>
+                                        <p:attrNameLst>
+                                          <p:attrName>style.visibility</p:attrName>
+                                        </p:attrNameLst>
+                                      </p:cBhvr>
+                                      <p:to>
+                                        <p:strVal val="visible"/>
+                                      </p:to>
+                                    </p:set>
+                                    <p:anim calcmode="lin" valueType="num">
+                                      <p:cBhvr>
+                                        <p:cTn id="50" dur="500" fill="hold"/>
+                                        <p:tgtEl>
+                                          <p:spTgt spid="8"/>
+                                        </p:tgtEl>
+                                        <p:attrNameLst>
+                                          <p:attrName>ppt_w</p:attrName>
+                                        </p:attrNameLst>
+                                      </p:cBhvr>
+                                      <p:tavLst>
+                                        <p:tav tm="0">
+                                          <p:val>
+                                            <p:fltVal val="0"/>
+                                          </p:val>
+                                        </p:tav>
+                                        <p:tav tm="100000">
+                                          <p:val>
+                                            <p:strVal val="#ppt_w"/>
+                                          </p:val>
+                                        </p:tav>
+                                      </p:tavLst>
+                                    </p:anim>
+                                    <p:anim calcmode="lin" valueType="num">
+                                      <p:cBhvr>
+                                        <p:cTn id="51" dur="500" fill="hold"/>
+                                        <p:tgtEl>
+                                          <p:spTgt spid="8"/>
+                                        </p:tgtEl>
+                                        <p:attrNameLst>
+                                          <p:attrName>ppt_h</p:attrName>
+                                        </p:attrNameLst>
+                                      </p:cBhvr>
+                                      <p:tavLst>
+                                        <p:tav tm="0">
+                                          <p:val>
+                                            <p:fltVal val="0"/>
+                                          </p:val>
+                                        </p:tav>
+                                        <p:tav tm="100000">
+                                          <p:val>
+                                            <p:strVal val="#ppt_h"/>
+                                          </p:val>
+                                        </p:tav>
+                                      </p:tavLst>
+                                    </p:anim>
+                                    <p:animEffect transition="in" filter="fade">
+                                      <p:cBhvr>
+                                        <p:cTn id="52" dur="500"/>
+                                        <p:tgtEl>
+                                          <p:spTgt spid="8"/>
+                                        </p:tgtEl>
+                                      </p:cBhvr>
+                                    </p:animEffect>
+                                  </p:childTnLst>
+                                </p:cTn>
+                              </p:par>
+                            </p:childTnLst>
+                          </p:cTn>
+                        </p:par>
+                      </p:childTnLst>
+                    </p:cTn>
+                  </p:par>
+                  <p:par>
+                    <p:cTn id="53" fill="hold">
+                      <p:stCondLst>
+                        <p:cond delay="indefinite"/>
+                      </p:stCondLst>
+                      <p:childTnLst>
+                        <p:par>
+                          <p:cTn id="54" fill="hold">
+                            <p:stCondLst>
+                              <p:cond delay="0"/>
+                            </p:stCondLst>
+                            <p:childTnLst>
+                              <p:par>
+                                <p:cTn id="55" presetID="53" presetClass="entr" presetSubtype="16" fill="hold" grpId="0" nodeType="clickEffect">
+                                  <p:stCondLst>
+                                    <p:cond delay="0"/>
+                                  </p:stCondLst>
+                                  <p:childTnLst>
+                                    <p:set>
+                                      <p:cBhvr>
+                                        <p:cTn id="56" dur="1" fill="hold">
+                                          <p:stCondLst>
+                                            <p:cond delay="0"/>
+                                          </p:stCondLst>
+                                        </p:cTn>
+                                        <p:tgtEl>
+                                          <p:spTgt spid="7"/>
+                                        </p:tgtEl>
+                                        <p:attrNameLst>
+                                          <p:attrName>style.visibility</p:attrName>
+                                        </p:attrNameLst>
+                                      </p:cBhvr>
+                                      <p:to>
+                                        <p:strVal val="visible"/>
+                                      </p:to>
+                                    </p:set>
+                                    <p:anim calcmode="lin" valueType="num">
+                                      <p:cBhvr>
+                                        <p:cTn id="57" dur="500" fill="hold"/>
+                                        <p:tgtEl>
+                                          <p:spTgt spid="7"/>
+                                        </p:tgtEl>
+                                        <p:attrNameLst>
+                                          <p:attrName>ppt_w</p:attrName>
+                                        </p:attrNameLst>
+                                      </p:cBhvr>
+                                      <p:tavLst>
+                                        <p:tav tm="0">
+                                          <p:val>
+                                            <p:fltVal val="0"/>
+                                          </p:val>
+                                        </p:tav>
+                                        <p:tav tm="100000">
+                                          <p:val>
+                                            <p:strVal val="#ppt_w"/>
+                                          </p:val>
+                                        </p:tav>
+                                      </p:tavLst>
+                                    </p:anim>
+                                    <p:anim calcmode="lin" valueType="num">
+                                      <p:cBhvr>
+                                        <p:cTn id="58" dur="500" fill="hold"/>
+                                        <p:tgtEl>
+                                          <p:spTgt spid="7"/>
+                                        </p:tgtEl>
+                                        <p:attrNameLst>
+                                          <p:attrName>ppt_h</p:attrName>
+                                        </p:attrNameLst>
+                                      </p:cBhvr>
+                                      <p:tavLst>
+                                        <p:tav tm="0">
+                                          <p:val>
+                                            <p:fltVal val="0"/>
+                                          </p:val>
+                                        </p:tav>
+                                        <p:tav tm="100000">
+                                          <p:val>
+                                            <p:strVal val="#ppt_h"/>
+                                          </p:val>
+                                        </p:tav>
+                                      </p:tavLst>
+                                    </p:anim>
+                                    <p:animEffect transition="in" filter="fade">
+                                      <p:cBhvr>
+                                        <p:cTn id="59" dur="500"/>
+                                        <p:tgtEl>
+                                          <p:spTgt spid="7"/>
+                                        </p:tgtEl>
+                                      </p:cBhvr>
+                                    </p:animEffect>
+                                  </p:childTnLst>
+                                </p:cTn>
+                              </p:par>
+                              <p:par>
+                                <p:cTn id="60" presetID="53" presetClass="entr" presetSubtype="16" fill="hold" grpId="0" nodeType="withEffect">
+                                  <p:stCondLst>
+                                    <p:cond delay="0"/>
+                                  </p:stCondLst>
+                                  <p:childTnLst>
+                                    <p:set>
+                                      <p:cBhvr>
+                                        <p:cTn id="61" dur="1" fill="hold">
+                                          <p:stCondLst>
+                                            <p:cond delay="0"/>
+                                          </p:stCondLst>
+                                        </p:cTn>
+                                        <p:tgtEl>
+                                          <p:spTgt spid="22"/>
+                                        </p:tgtEl>
+                                        <p:attrNameLst>
+                                          <p:attrName>style.visibility</p:attrName>
+                                        </p:attrNameLst>
+                                      </p:cBhvr>
+                                      <p:to>
+                                        <p:strVal val="visible"/>
+                                      </p:to>
+                                    </p:set>
+                                    <p:anim calcmode="lin" valueType="num">
+                                      <p:cBhvr>
+                                        <p:cTn id="62" dur="500" fill="hold"/>
+                                        <p:tgtEl>
+                                          <p:spTgt spid="22"/>
+                                        </p:tgtEl>
+                                        <p:attrNameLst>
+                                          <p:attrName>ppt_w</p:attrName>
+                                        </p:attrNameLst>
+                                      </p:cBhvr>
+                                      <p:tavLst>
+                                        <p:tav tm="0">
+                                          <p:val>
+                                            <p:fltVal val="0"/>
+                                          </p:val>
+                                        </p:tav>
+                                        <p:tav tm="100000">
+                                          <p:val>
+                                            <p:strVal val="#ppt_w"/>
+                                          </p:val>
+                                        </p:tav>
+                                      </p:tavLst>
+                                    </p:anim>
+                                    <p:anim calcmode="lin" valueType="num">
+                                      <p:cBhvr>
+                                        <p:cTn id="63" dur="500" fill="hold"/>
+                                        <p:tgtEl>
+                                          <p:spTgt spid="22"/>
+                                        </p:tgtEl>
+                                        <p:attrNameLst>
+                                          <p:attrName>ppt_h</p:attrName>
+                                        </p:attrNameLst>
+                                      </p:cBhvr>
+                                      <p:tavLst>
+                                        <p:tav tm="0">
+                                          <p:val>
+                                            <p:fltVal val="0"/>
+                                          </p:val>
+                                        </p:tav>
+                                        <p:tav tm="100000">
+                                          <p:val>
+                                            <p:strVal val="#ppt_h"/>
+                                          </p:val>
+                                        </p:tav>
+                                      </p:tavLst>
+                                    </p:anim>
+                                    <p:animEffect transition="in" filter="fade">
+                                      <p:cBhvr>
+                                        <p:cTn id="64" dur="500"/>
+                                        <p:tgtEl>
+                                          <p:spTgt spid="22"/>
+                                        </p:tgtEl>
+                                      </p:cBhvr>
+                                    </p:animEffect>
+                                  </p:childTnLst>
+                                </p:cTn>
+                              </p:par>
+                              <p:par>
+                                <p:cTn id="65" presetID="53" presetClass="entr" presetSubtype="16" fill="hold" grpId="0" nodeType="withEffect">
+                                  <p:stCondLst>
+                                    <p:cond delay="0"/>
+                                  </p:stCondLst>
+                                  <p:childTnLst>
+                                    <p:set>
+                                      <p:cBhvr>
+                                        <p:cTn id="66" dur="1" fill="hold">
+                                          <p:stCondLst>
+                                            <p:cond delay="0"/>
+                                          </p:stCondLst>
+                                        </p:cTn>
+                                        <p:tgtEl>
+                                          <p:spTgt spid="29"/>
+                                        </p:tgtEl>
+                                        <p:attrNameLst>
+                                          <p:attrName>style.visibility</p:attrName>
+                                        </p:attrNameLst>
+                                      </p:cBhvr>
+                                      <p:to>
+                                        <p:strVal val="visible"/>
+                                      </p:to>
+                                    </p:set>
+                                    <p:anim calcmode="lin" valueType="num">
+                                      <p:cBhvr>
+                                        <p:cTn id="67" dur="500" fill="hold"/>
+                                        <p:tgtEl>
+                                          <p:spTgt spid="29"/>
+                                        </p:tgtEl>
+                                        <p:attrNameLst>
+                                          <p:attrName>ppt_w</p:attrName>
+                                        </p:attrNameLst>
+                                      </p:cBhvr>
+                                      <p:tavLst>
+                                        <p:tav tm="0">
+                                          <p:val>
+                                            <p:fltVal val="0"/>
+                                          </p:val>
+                                        </p:tav>
+                                        <p:tav tm="100000">
+                                          <p:val>
+                                            <p:strVal val="#ppt_w"/>
+                                          </p:val>
+                                        </p:tav>
+                                      </p:tavLst>
+                                    </p:anim>
+                                    <p:anim calcmode="lin" valueType="num">
+                                      <p:cBhvr>
+                                        <p:cTn id="68" dur="500" fill="hold"/>
+                                        <p:tgtEl>
+                                          <p:spTgt spid="29"/>
+                                        </p:tgtEl>
+                                        <p:attrNameLst>
+                                          <p:attrName>ppt_h</p:attrName>
+                                        </p:attrNameLst>
+                                      </p:cBhvr>
+                                      <p:tavLst>
+                                        <p:tav tm="0">
+                                          <p:val>
+                                            <p:fltVal val="0"/>
+                                          </p:val>
+                                        </p:tav>
+                                        <p:tav tm="100000">
+                                          <p:val>
+                                            <p:strVal val="#ppt_h"/>
+                                          </p:val>
+                                        </p:tav>
+                                      </p:tavLst>
+                                    </p:anim>
+                                    <p:animEffect transition="in" filter="fade">
+                                      <p:cBhvr>
+                                        <p:cTn id="69" dur="500"/>
+                                        <p:tgtEl>
+                                          <p:spTgt spid="29"/>
+                                        </p:tgtEl>
+                                      </p:cBhvr>
+                                    </p:animEffect>
+                                  </p:childTnLst>
+                                </p:cTn>
+                              </p:par>
+                            </p:childTnLst>
+                          </p:cTn>
+                        </p:par>
+                      </p:childTnLst>
+                    </p:cTn>
+                  </p:par>
+                  <p:par>
+                    <p:cTn id="70" fill="hold">
+                      <p:stCondLst>
+                        <p:cond delay="indefinite"/>
+                      </p:stCondLst>
+                      <p:childTnLst>
+                        <p:par>
+                          <p:cTn id="71" fill="hold">
+                            <p:stCondLst>
+                              <p:cond delay="0"/>
+                            </p:stCondLst>
+                            <p:childTnLst>
+                              <p:par>
+                                <p:cTn id="72" presetID="10" presetClass="entr" presetSubtype="0" fill="hold" nodeType="clickEffect">
+                                  <p:stCondLst>
+                                    <p:cond delay="0"/>
+                                  </p:stCondLst>
+                                  <p:childTnLst>
+                                    <p:set>
+                                      <p:cBhvr>
+                                        <p:cTn id="73" dur="1" fill="hold">
+                                          <p:stCondLst>
+                                            <p:cond delay="0"/>
+                                          </p:stCondLst>
+                                        </p:cTn>
+                                        <p:tgtEl>
+                                          <p:spTgt spid="32"/>
+                                        </p:tgtEl>
+                                        <p:attrNameLst>
+                                          <p:attrName>style.visibility</p:attrName>
+                                        </p:attrNameLst>
+                                      </p:cBhvr>
+                                      <p:to>
+                                        <p:strVal val="visible"/>
+                                      </p:to>
+                                    </p:set>
+                                    <p:animEffect transition="in" filter="fade">
+                                      <p:cBhvr>
+                                        <p:cTn id="74" dur="500"/>
+                                        <p:tgtEl>
+                                          <p:spTgt spid="32"/>
+                                        </p:tgtEl>
+                                      </p:cBhvr>
+                                    </p:animEffect>
+                                  </p:childTnLst>
+                                </p:cTn>
+                              </p:par>
+                            </p:childTnLst>
+                          </p:cTn>
+                        </p:par>
+                      </p:childTnLst>
+                    </p:cTn>
+                  </p:par>
+                  <p:par>
+                    <p:cTn id="75" fill="hold">
+                      <p:stCondLst>
+                        <p:cond delay="indefinite"/>
+                      </p:stCondLst>
+                      <p:childTnLst>
+                        <p:par>
+                          <p:cTn id="76" fill="hold">
+                            <p:stCondLst>
+                              <p:cond delay="0"/>
+                            </p:stCondLst>
+                            <p:childTnLst>
+                              <p:par>
+                                <p:cTn id="77" presetID="10" presetClass="entr" presetSubtype="0" fill="hold" grpId="0" nodeType="clickEffect">
+                                  <p:stCondLst>
+                                    <p:cond delay="0"/>
+                                  </p:stCondLst>
+                                  <p:childTnLst>
+                                    <p:set>
+                                      <p:cBhvr>
+                                        <p:cTn id="78" dur="1" fill="hold">
+                                          <p:stCondLst>
+                                            <p:cond delay="0"/>
+                                          </p:stCondLst>
+                                        </p:cTn>
+                                        <p:tgtEl>
+                                          <p:spTgt spid="6"/>
+                                        </p:tgtEl>
+                                        <p:attrNameLst>
+                                          <p:attrName>style.visibility</p:attrName>
+                                        </p:attrNameLst>
+                                      </p:cBhvr>
+                                      <p:to>
+                                        <p:strVal val="visible"/>
+                                      </p:to>
+                                    </p:set>
+                                    <p:animEffect transition="in" filter="fade">
+                                      <p:cBhvr>
+                                        <p:cTn id="79" dur="500"/>
+                                        <p:tgtEl>
+                                          <p:spTgt spid="6"/>
+                                        </p:tgtEl>
+                                      </p:cBhvr>
+                                    </p:animEffect>
+                                  </p:childTnLst>
+                                </p:cTn>
+                              </p:par>
+                            </p:childTnLst>
+                          </p:cTn>
+                        </p:par>
+                      </p:childTnLst>
+                    </p:cTn>
+                  </p:par>
+                  <p:par>
+                    <p:cTn id="80" fill="hold">
+                      <p:stCondLst>
+                        <p:cond delay="indefinite"/>
+                      </p:stCondLst>
+                      <p:childTnLst>
+                        <p:par>
+                          <p:cTn id="81" fill="hold">
+                            <p:stCondLst>
+                              <p:cond delay="0"/>
+                            </p:stCondLst>
+                            <p:childTnLst>
+                              <p:par>
+                                <p:cTn id="82" presetID="53" presetClass="entr" presetSubtype="16" fill="hold" grpId="0" nodeType="clickEffect">
+                                  <p:stCondLst>
+                                    <p:cond delay="0"/>
+                                  </p:stCondLst>
+                                  <p:childTnLst>
+                                    <p:set>
+                                      <p:cBhvr>
+                                        <p:cTn id="83" dur="1" fill="hold">
+                                          <p:stCondLst>
+                                            <p:cond delay="0"/>
+                                          </p:stCondLst>
+                                        </p:cTn>
+                                        <p:tgtEl>
+                                          <p:spTgt spid="11"/>
+                                        </p:tgtEl>
+                                        <p:attrNameLst>
+                                          <p:attrName>style.visibility</p:attrName>
+                                        </p:attrNameLst>
+                                      </p:cBhvr>
+                                      <p:to>
+                                        <p:strVal val="visible"/>
+                                      </p:to>
+                                    </p:set>
+                                    <p:anim calcmode="lin" valueType="num">
+                                      <p:cBhvr>
+                                        <p:cTn id="84" dur="500" fill="hold"/>
+                                        <p:tgtEl>
+                                          <p:spTgt spid="11"/>
+                                        </p:tgtEl>
+                                        <p:attrNameLst>
+                                          <p:attrName>ppt_w</p:attrName>
+                                        </p:attrNameLst>
+                                      </p:cBhvr>
+                                      <p:tavLst>
+                                        <p:tav tm="0">
+                                          <p:val>
+                                            <p:fltVal val="0"/>
+                                          </p:val>
+                                        </p:tav>
+                                        <p:tav tm="100000">
+                                          <p:val>
+                                            <p:strVal val="#ppt_w"/>
+                                          </p:val>
+                                        </p:tav>
+                                      </p:tavLst>
+                                    </p:anim>
+                                    <p:anim calcmode="lin" valueType="num">
+                                      <p:cBhvr>
+                                        <p:cTn id="85" dur="500" fill="hold"/>
+                                        <p:tgtEl>
+                                          <p:spTgt spid="11"/>
+                                        </p:tgtEl>
+                                        <p:attrNameLst>
+                                          <p:attrName>ppt_h</p:attrName>
+                                        </p:attrNameLst>
+                                      </p:cBhvr>
+                                      <p:tavLst>
+                                        <p:tav tm="0">
+                                          <p:val>
+                                            <p:fltVal val="0"/>
+                                          </p:val>
+                                        </p:tav>
+                                        <p:tav tm="100000">
+                                          <p:val>
+                                            <p:strVal val="#ppt_h"/>
+                                          </p:val>
+                                        </p:tav>
+                                      </p:tavLst>
+                                    </p:anim>
+                                    <p:animEffect transition="in" filter="fade">
+                                      <p:cBhvr>
+                                        <p:cTn id="86" dur="500"/>
+                                        <p:tgtEl>
+                                          <p:spTgt spid="11"/>
+                                        </p:tgtEl>
+                                      </p:cBhvr>
+                                    </p:animEffect>
+                                  </p:childTnLst>
+                                </p:cTn>
+                              </p:par>
+                              <p:par>
+                                <p:cTn id="87" presetID="53" presetClass="entr" presetSubtype="16" fill="hold" grpId="0" nodeType="withEffect">
+                                  <p:stCondLst>
+                                    <p:cond delay="0"/>
+                                  </p:stCondLst>
+                                  <p:childTnLst>
+                                    <p:set>
+                                      <p:cBhvr>
+                                        <p:cTn id="88" dur="1" fill="hold">
+                                          <p:stCondLst>
+                                            <p:cond delay="0"/>
+                                          </p:stCondLst>
+                                        </p:cTn>
+                                        <p:tgtEl>
+                                          <p:spTgt spid="5"/>
+                                        </p:tgtEl>
+                                        <p:attrNameLst>
+                                          <p:attrName>style.visibility</p:attrName>
+                                        </p:attrNameLst>
+                                      </p:cBhvr>
+                                      <p:to>
+                                        <p:strVal val="visible"/>
+                                      </p:to>
+                                    </p:set>
+                                    <p:anim calcmode="lin" valueType="num">
+                                      <p:cBhvr>
+                                        <p:cTn id="89" dur="500" fill="hold"/>
+                                        <p:tgtEl>
+                                          <p:spTgt spid="5"/>
+                                        </p:tgtEl>
+                                        <p:attrNameLst>
+                                          <p:attrName>ppt_w</p:attrName>
+                                        </p:attrNameLst>
+                                      </p:cBhvr>
+                                      <p:tavLst>
+                                        <p:tav tm="0">
+                                          <p:val>
+                                            <p:fltVal val="0"/>
+                                          </p:val>
+                                        </p:tav>
+                                        <p:tav tm="100000">
+                                          <p:val>
+                                            <p:strVal val="#ppt_w"/>
+                                          </p:val>
+                                        </p:tav>
+                                      </p:tavLst>
+                                    </p:anim>
+                                    <p:anim calcmode="lin" valueType="num">
+                                      <p:cBhvr>
+                                        <p:cTn id="90" dur="500" fill="hold"/>
+                                        <p:tgtEl>
+                                          <p:spTgt spid="5"/>
+                                        </p:tgtEl>
+                                        <p:attrNameLst>
+                                          <p:attrName>ppt_h</p:attrName>
+                                        </p:attrNameLst>
+                                      </p:cBhvr>
+                                      <p:tavLst>
+                                        <p:tav tm="0">
+                                          <p:val>
+                                            <p:fltVal val="0"/>
+                                          </p:val>
+                                        </p:tav>
+                                        <p:tav tm="100000">
+                                          <p:val>
+                                            <p:strVal val="#ppt_h"/>
+                                          </p:val>
+                                        </p:tav>
+                                      </p:tavLst>
+                                    </p:anim>
+                                    <p:animEffect transition="in" filter="fade">
+                                      <p:cBhvr>
+                                        <p:cTn id="91" dur="500"/>
+                                        <p:tgtEl>
+                                          <p:spTgt spid="5"/>
+                                        </p:tgtEl>
+                                      </p:cBhvr>
+                                    </p:animEffect>
+                                  </p:childTnLst>
+                                </p:cTn>
+                              </p:par>
+                            </p:childTnLst>
+                          </p:cTn>
+                        </p:par>
+                      </p:childTnLst>
+                    </p:cTn>
+                  </p:par>
+                  <p:par>
+                    <p:cTn id="92" fill="hold">
+                      <p:stCondLst>
+                        <p:cond delay="indefinite"/>
+                      </p:stCondLst>
+                      <p:childTnLst>
+                        <p:par>
+                          <p:cTn id="93" fill="hold">
+                            <p:stCondLst>
+                              <p:cond delay="0"/>
+                            </p:stCondLst>
+                            <p:childTnLst>
+                              <p:par>
+                                <p:cTn id="94" presetID="10" presetClass="entr" presetSubtype="0" fill="hold" nodeType="clickEffect">
+                                  <p:stCondLst>
+                                    <p:cond delay="0"/>
+                                  </p:stCondLst>
+                                  <p:childTnLst>
+                                    <p:set>
+                                      <p:cBhvr>
+                                        <p:cTn id="95" dur="1" fill="hold">
+                                          <p:stCondLst>
+                                            <p:cond delay="0"/>
+                                          </p:stCondLst>
+                                        </p:cTn>
+                                        <p:tgtEl>
+                                          <p:spTgt spid="16"/>
+                                        </p:tgtEl>
+                                        <p:attrNameLst>
+                                          <p:attrName>style.visibility</p:attrName>
+                                        </p:attrNameLst>
+                                      </p:cBhvr>
+                                      <p:to>
+                                        <p:strVal val="visible"/>
+                                      </p:to>
+                                    </p:set>
+                                    <p:animEffect transition="in" filter="fade">
+                                      <p:cBhvr>
+                                        <p:cTn id="96" dur="500"/>
+                                        <p:tgtEl>
+                                          <p:spTgt spid="16"/>
+                                        </p:tgtEl>
+                                      </p:cBhvr>
+                                    </p:animEffect>
+                                  </p:childTnLst>
+                                </p:cTn>
+                              </p:par>
+                            </p:childTnLst>
+                          </p:cTn>
+                        </p:par>
+                      </p:childTnLst>
+                    </p:cTn>
+                  </p:par>
+                  <p:par>
+                    <p:cTn id="97" fill="hold">
+                      <p:stCondLst>
+                        <p:cond delay="indefinite"/>
+                      </p:stCondLst>
+                      <p:childTnLst>
+                        <p:par>
+                          <p:cTn id="98" fill="hold">
+                            <p:stCondLst>
+                              <p:cond delay="0"/>
+                            </p:stCondLst>
+                            <p:childTnLst>
+                              <p:par>
+                                <p:cTn id="99" presetID="10" presetClass="entr" presetSubtype="0" fill="hold" nodeType="clickEffect">
+                                  <p:stCondLst>
+                                    <p:cond delay="0"/>
+                                  </p:stCondLst>
+                                  <p:childTnLst>
+                                    <p:set>
+                                      <p:cBhvr>
+                                        <p:cTn id="100" dur="1" fill="hold">
+                                          <p:stCondLst>
+                                            <p:cond delay="0"/>
+                                          </p:stCondLst>
+                                        </p:cTn>
+                                        <p:tgtEl>
+                                          <p:spTgt spid="27"/>
+                                        </p:tgtEl>
+                                        <p:attrNameLst>
+                                          <p:attrName>style.visibility</p:attrName>
+                                        </p:attrNameLst>
+                                      </p:cBhvr>
+                                      <p:to>
+                                        <p:strVal val="visible"/>
+                                      </p:to>
+                                    </p:set>
+                                    <p:animEffect transition="in" filter="fade">
+                                      <p:cBhvr>
+                                        <p:cTn id="101" dur="500"/>
+                                        <p:tgtEl>
+                                          <p:spTgt spid="27"/>
+                                        </p:tgtEl>
+                                      </p:cBhvr>
+                                    </p:animEffect>
+                                  </p:childTnLst>
+                                </p:cTn>
+                              </p:par>
+                            </p:childTnLst>
+                          </p:cTn>
+                        </p:par>
+                      </p:childTnLst>
+                    </p:cTn>
+                  </p:par>
+                  <p:par>
+                    <p:cTn id="102" fill="hold">
+                      <p:stCondLst>
+                        <p:cond delay="indefinite"/>
+                      </p:stCondLst>
+                      <p:childTnLst>
+                        <p:par>
+                          <p:cTn id="103" fill="hold">
+                            <p:stCondLst>
+                              <p:cond delay="0"/>
+                            </p:stCondLst>
+                            <p:childTnLst>
+                              <p:par>
+                                <p:cTn id="104" presetID="10" presetClass="entr" presetSubtype="0" fill="hold" nodeType="clickEffect">
+                                  <p:stCondLst>
+                                    <p:cond delay="0"/>
+                                  </p:stCondLst>
+                                  <p:childTnLst>
+                                    <p:set>
+                                      <p:cBhvr>
+                                        <p:cTn id="105" dur="1" fill="hold">
+                                          <p:stCondLst>
+                                            <p:cond delay="0"/>
+                                          </p:stCondLst>
+                                        </p:cTn>
+                                        <p:tgtEl>
+                                          <p:spTgt spid="20"/>
+                                        </p:tgtEl>
+                                        <p:attrNameLst>
+                                          <p:attrName>style.visibility</p:attrName>
+                                        </p:attrNameLst>
+                                      </p:cBhvr>
+                                      <p:to>
+                                        <p:strVal val="visible"/>
+                                      </p:to>
+                                    </p:set>
+                                    <p:animEffect transition="in" filter="fade">
+                                      <p:cBhvr>
+                                        <p:cTn id="106" dur="500"/>
+                                        <p:tgtEl>
+                                          <p:spTgt spid="20"/>
+                                        </p:tgtEl>
+                                      </p:cBhvr>
+                                    </p:animEffect>
+                                  </p:childTnLst>
+                                </p:cTn>
+                              </p:par>
+                            </p:childTnLst>
+                          </p:cTn>
+                        </p:par>
+                      </p:childTnLst>
+                    </p:cTn>
+                  </p:par>
+                  <p:par>
+                    <p:cTn id="107" fill="hold">
+                      <p:stCondLst>
+                        <p:cond delay="indefinite"/>
+                      </p:stCondLst>
+                      <p:childTnLst>
+                        <p:par>
+                          <p:cTn id="108" fill="hold">
+                            <p:stCondLst>
+                              <p:cond delay="0"/>
+                            </p:stCondLst>
+                            <p:childTnLst>
+                              <p:par>
+                                <p:cTn id="109" presetID="53" presetClass="entr" presetSubtype="16" fill="hold" grpId="0" nodeType="clickEffect">
+                                  <p:stCondLst>
+                                    <p:cond delay="0"/>
+                                  </p:stCondLst>
+                                  <p:childTnLst>
+                                    <p:set>
+                                      <p:cBhvr>
+                                        <p:cTn id="110" dur="1" fill="hold">
+                                          <p:stCondLst>
+                                            <p:cond delay="0"/>
+                                          </p:stCondLst>
+                                        </p:cTn>
+                                        <p:tgtEl>
+                                          <p:spTgt spid="23"/>
+                                        </p:tgtEl>
+                                        <p:attrNameLst>
+                                          <p:attrName>style.visibility</p:attrName>
+                                        </p:attrNameLst>
+                                      </p:cBhvr>
+                                      <p:to>
+                                        <p:strVal val="visible"/>
+                                      </p:to>
+                                    </p:set>
+                                    <p:anim calcmode="lin" valueType="num">
+                                      <p:cBhvr>
+                                        <p:cTn id="111" dur="500" fill="hold"/>
+                                        <p:tgtEl>
+                                          <p:spTgt spid="23"/>
+                                        </p:tgtEl>
+                                        <p:attrNameLst>
+                                          <p:attrName>ppt_w</p:attrName>
+                                        </p:attrNameLst>
+                                      </p:cBhvr>
+                                      <p:tavLst>
+                                        <p:tav tm="0">
+                                          <p:val>
+                                            <p:fltVal val="0"/>
+                                          </p:val>
+                                        </p:tav>
+                                        <p:tav tm="100000">
+                                          <p:val>
+                                            <p:strVal val="#ppt_w"/>
+                                          </p:val>
+                                        </p:tav>
+                                      </p:tavLst>
+                                    </p:anim>
+                                    <p:anim calcmode="lin" valueType="num">
+                                      <p:cBhvr>
+                                        <p:cTn id="112" dur="500" fill="hold"/>
+                                        <p:tgtEl>
+                                          <p:spTgt spid="23"/>
+                                        </p:tgtEl>
+                                        <p:attrNameLst>
+                                          <p:attrName>ppt_h</p:attrName>
+                                        </p:attrNameLst>
+                                      </p:cBhvr>
+                                      <p:tavLst>
+                                        <p:tav tm="0">
+                                          <p:val>
+                                            <p:fltVal val="0"/>
+                                          </p:val>
+                                        </p:tav>
+                                        <p:tav tm="100000">
+                                          <p:val>
+                                            <p:strVal val="#ppt_h"/>
+                                          </p:val>
+                                        </p:tav>
+                                      </p:tavLst>
+                                    </p:anim>
+                                    <p:animEffect transition="in" filter="fade">
+                                      <p:cBhvr>
+                                        <p:cTn id="113" dur="500"/>
+                                        <p:tgtEl>
+                                          <p:spTgt spid="23"/>
+                                        </p:tgtEl>
+                                      </p:cBhvr>
+                                    </p:animEffect>
+                                  </p:childTnLst>
+                                </p:cTn>
+                              </p:par>
+                              <p:par>
+                                <p:cTn id="114" presetID="53" presetClass="entr" presetSubtype="16" fill="hold" grpId="0" nodeType="withEffect">
+                                  <p:stCondLst>
+                                    <p:cond delay="0"/>
+                                  </p:stCondLst>
+                                  <p:childTnLst>
+                                    <p:set>
+                                      <p:cBhvr>
+                                        <p:cTn id="115" dur="1" fill="hold">
+                                          <p:stCondLst>
+                                            <p:cond delay="0"/>
+                                          </p:stCondLst>
+                                        </p:cTn>
+                                        <p:tgtEl>
+                                          <p:spTgt spid="21"/>
+                                        </p:tgtEl>
+                                        <p:attrNameLst>
+                                          <p:attrName>style.visibility</p:attrName>
+                                        </p:attrNameLst>
+                                      </p:cBhvr>
+                                      <p:to>
+                                        <p:strVal val="visible"/>
+                                      </p:to>
+                                    </p:set>
+                                    <p:anim calcmode="lin" valueType="num">
+                                      <p:cBhvr>
+                                        <p:cTn id="116" dur="500" fill="hold"/>
+                                        <p:tgtEl>
+                                          <p:spTgt spid="21"/>
+                                        </p:tgtEl>
+                                        <p:attrNameLst>
+                                          <p:attrName>ppt_w</p:attrName>
+                                        </p:attrNameLst>
+                                      </p:cBhvr>
+                                      <p:tavLst>
+                                        <p:tav tm="0">
+                                          <p:val>
+                                            <p:fltVal val="0"/>
+                                          </p:val>
+                                        </p:tav>
+                                        <p:tav tm="100000">
+                                          <p:val>
+                                            <p:strVal val="#ppt_w"/>
+                                          </p:val>
+                                        </p:tav>
+                                      </p:tavLst>
+                                    </p:anim>
+                                    <p:anim calcmode="lin" valueType="num">
+                                      <p:cBhvr>
+                                        <p:cTn id="117" dur="500" fill="hold"/>
+                                        <p:tgtEl>
+                                          <p:spTgt spid="21"/>
+                                        </p:tgtEl>
+                                        <p:attrNameLst>
+                                          <p:attrName>ppt_h</p:attrName>
+                                        </p:attrNameLst>
+                                      </p:cBhvr>
+                                      <p:tavLst>
+                                        <p:tav tm="0">
+                                          <p:val>
+                                            <p:fltVal val="0"/>
+                                          </p:val>
+                                        </p:tav>
+                                        <p:tav tm="100000">
+                                          <p:val>
+                                            <p:strVal val="#ppt_h"/>
+                                          </p:val>
+                                        </p:tav>
+                                      </p:tavLst>
+                                    </p:anim>
+                                    <p:animEffect transition="in" filter="fade">
+                                      <p:cBhvr>
+                                        <p:cTn id="118" dur="500"/>
+                                        <p:tgtEl>
+                                          <p:spTgt spid="21"/>
+                                        </p:tgtEl>
+                                      </p:cBhvr>
+                                    </p:animEffect>
+                                  </p:childTnLst>
+                                </p:cTn>
+                              </p:par>
+                              <p:par>
+                                <p:cTn id="119" presetID="1" presetClass="entr" presetSubtype="0" fill="hold" grpId="0" nodeType="withEffect">
+                                  <p:stCondLst>
+                                    <p:cond delay="0"/>
+                                  </p:stCondLst>
+                                  <p:childTnLst>
+                                    <p:set>
+                                      <p:cBhvr>
+                                        <p:cTn id="120" dur="1" fill="hold">
+                                          <p:stCondLst>
+                                            <p:cond delay="1249"/>
+                                          </p:stCondLst>
+                                        </p:cTn>
+                                        <p:tgtEl>
+                                          <p:spTgt spid="28"/>
+                                        </p:tgtEl>
+                                        <p:attrNameLst>
+                                          <p:attrName>style.visibility</p:attrName>
+                                        </p:attrNameLst>
+                                      </p:cBhvr>
+                                      <p:to>
+                                        <p:strVal val="visible"/>
+                                      </p:to>
+                                    </p:set>
+                                  </p:childTnLst>
+                                </p:cTn>
+                              </p:par>
+                            </p:childTnLst>
+                          </p:cTn>
+                        </p:par>
+                      </p:childTnLst>
+                    </p:cTn>
+                  </p:par>
+                </p:childTnLst>
+              </p:cTn>
+              <p:prevCondLst>
+                <p:cond evt="onPrev" delay="0">
+                  <p:tgtEl>
+                    <p:sldTgt/>
+                  </p:tgtEl>
+                </p:cond>
+              </p:prevCondLst>
+              <p:nextCondLst>
+                <p:cond evt="onNext" delay="0">
+                  <p:tgtEl>
+                    <p:sldTgt/>
+                  </p:tgtEl>
+                </p:cond>
+              </p:nextCondLst>
+            </p:seq>
+          </p:childTnLst>
+        </p:cTn>
+      </p:par>
+    </p:tnLst>
+    <p:bldLst>
+      <p:bldP spid="8" grpId="0" animBg="1"/>
+      <p:bldP spid="5" grpId="0" animBg="1"/>
+      <p:bldP spid="6" grpId="0" animBg="1"/>
+      <p:bldP spid="7" grpId="0" animBg="1"/>
+      <p:bldP spid="9" grpId="0" animBg="1"/>
+      <p:bldP spid="4" grpId="0" animBg="1"/>
+      <p:bldP spid="10" grpId="0" animBg="1"/>
+      <p:bldP spid="24" grpId="0" animBg="1"/>
+      <p:bldP spid="25" grpId="0" animBg="1"/>
+      <p:bldP spid="31" grpId="0" animBg="1"/>
+      <p:bldP spid="36" grpId="0"/>
+      <p:bldP spid="2" grpId="0" animBg="1"/>
+      <p:bldP spid="11" grpId="0" animBg="1"/>
+      <p:bldP spid="22" grpId="0" animBg="1"/>
+      <p:bldP spid="29" grpId="0" animBg="1"/>
+      <p:bldP spid="21" grpId="0" animBg="1"/>
+      <p:bldP spid="23" grpId="0" animBg="1"/>
+      <p:bldP spid="28" grpId="0" animBg="1"/>
+    </p:bldLst>
+  </p:timing>
+</p:sld>
+</file>
+
+<file path=ppt/slides/slide9.xml><?xml version="1.0" encoding="utf-8"?>
 <p:sld xmlns:a="http://schemas.openxmlformats.org/drawingml/2006/main" xmlns:r="http://schemas.openxmlformats.org/officeDocument/2006/relationships" xmlns:p="http://schemas.openxmlformats.org/presentationml/2006/main">
   <p:cSld>
     <p:spTree>
@@ -11118,4 +15395,319 @@
     </a:ext>
   </a:extLst>
 </a:theme>
+</file>
+
+<file path=ppt/theme/theme2.xml><?xml version="1.0" encoding="utf-8"?>
+<a:theme xmlns:a="http://schemas.openxmlformats.org/drawingml/2006/main" name="Office Theme">
+  <a:themeElements>
+    <a:clrScheme name="Office">
+      <a:dk1>
+        <a:sysClr val="windowText" lastClr="000000"/>
+      </a:dk1>
+      <a:lt1>
+        <a:sysClr val="window" lastClr="FFFFFF"/>
+      </a:lt1>
+      <a:dk2>
+        <a:srgbClr val="0E2841"/>
+      </a:dk2>
+      <a:lt2>
+        <a:srgbClr val="E8E8E8"/>
+      </a:lt2>
+      <a:accent1>
+        <a:srgbClr val="156082"/>
+      </a:accent1>
+      <a:accent2>
+        <a:srgbClr val="E97132"/>
+      </a:accent2>
+      <a:accent3>
+        <a:srgbClr val="196B24"/>
+      </a:accent3>
+      <a:accent4>
+        <a:srgbClr val="0F9ED5"/>
+      </a:accent4>
+      <a:accent5>
+        <a:srgbClr val="A02B93"/>
+      </a:accent5>
+      <a:accent6>
+        <a:srgbClr val="4EA72E"/>
+      </a:accent6>
+      <a:hlink>
+        <a:srgbClr val="467886"/>
+      </a:hlink>
+      <a:folHlink>
+        <a:srgbClr val="96607D"/>
+      </a:folHlink>
+    </a:clrScheme>
+    <a:fontScheme name="Office">
+      <a:majorFont>
+        <a:latin typeface="Aptos Display" panose="02110004020202020204"/>
+        <a:ea typeface=""/>
+        <a:cs typeface=""/>
+        <a:font script="Jpan" typeface="游ゴシック Light"/>
+        <a:font script="Hang" typeface="맑은 고딕"/>
+        <a:font script="Hans" typeface="等线 Light"/>
+        <a:font script="Hant" typeface="新細明體"/>
+        <a:font script="Arab" typeface="Times New Roman"/>
+        <a:font script="Hebr" typeface="Times New Roman"/>
+        <a:font script="Thai" typeface="Angsana New"/>
+        <a:font script="Ethi" typeface="Nyala"/>
+        <a:font script="Beng" typeface="Vrinda"/>
+        <a:font script="Gujr" typeface="Shruti"/>
+        <a:font script="Khmr" typeface="MoolBoran"/>
+        <a:font script="Knda" typeface="Tunga"/>
+        <a:font script="Guru" typeface="Raavi"/>
+        <a:font script="Cans" typeface="Euphemia"/>
+        <a:font script="Cher" typeface="Plantagenet Cherokee"/>
+        <a:font script="Yiii" typeface="Microsoft Yi Baiti"/>
+        <a:font script="Tibt" typeface="Microsoft Himalaya"/>
+        <a:font script="Thaa" typeface="MV Boli"/>
+        <a:font script="Deva" typeface="Mangal"/>
+        <a:font script="Telu" typeface="Gautami"/>
+        <a:font script="Taml" typeface="Latha"/>
+        <a:font script="Syrc" typeface="Estrangelo Edessa"/>
+        <a:font script="Orya" typeface="Kalinga"/>
+        <a:font script="Mlym" typeface="Kartika"/>
+        <a:font script="Laoo" typeface="DokChampa"/>
+        <a:font script="Sinh" typeface="Iskoola Pota"/>
+        <a:font script="Mong" typeface="Mongolian Baiti"/>
+        <a:font script="Viet" typeface="Times New Roman"/>
+        <a:font script="Uigh" typeface="Microsoft Uighur"/>
+        <a:font script="Geor" typeface="Sylfaen"/>
+        <a:font script="Armn" typeface="Arial"/>
+        <a:font script="Bugi" typeface="Leelawadee UI"/>
+        <a:font script="Bopo" typeface="Microsoft JhengHei"/>
+        <a:font script="Java" typeface="Javanese Text"/>
+        <a:font script="Lisu" typeface="Segoe UI"/>
+        <a:font script="Mymr" typeface="Myanmar Text"/>
+        <a:font script="Nkoo" typeface="Ebrima"/>
+        <a:font script="Olck" typeface="Nirmala UI"/>
+        <a:font script="Osma" typeface="Ebrima"/>
+        <a:font script="Phag" typeface="Phagspa"/>
+        <a:font script="Syrn" typeface="Estrangelo Edessa"/>
+        <a:font script="Syrj" typeface="Estrangelo Edessa"/>
+        <a:font script="Syre" typeface="Estrangelo Edessa"/>
+        <a:font script="Sora" typeface="Nirmala UI"/>
+        <a:font script="Tale" typeface="Microsoft Tai Le"/>
+        <a:font script="Talu" typeface="Microsoft New Tai Lue"/>
+        <a:font script="Tfng" typeface="Ebrima"/>
+      </a:majorFont>
+      <a:minorFont>
+        <a:latin typeface="Aptos" panose="02110004020202020204"/>
+        <a:ea typeface=""/>
+        <a:cs typeface=""/>
+        <a:font script="Jpan" typeface="游ゴシック"/>
+        <a:font script="Hang" typeface="맑은 고딕"/>
+        <a:font script="Hans" typeface="等线"/>
+        <a:font script="Hant" typeface="新細明體"/>
+        <a:font script="Arab" typeface="Arial"/>
+        <a:font script="Hebr" typeface="Arial"/>
+        <a:font script="Thai" typeface="Cordia New"/>
+        <a:font script="Ethi" typeface="Nyala"/>
+        <a:font script="Beng" typeface="Vrinda"/>
+        <a:font script="Gujr" typeface="Shruti"/>
+        <a:font script="Khmr" typeface="DaunPenh"/>
+        <a:font script="Knda" typeface="Tunga"/>
+        <a:font script="Guru" typeface="Raavi"/>
+        <a:font script="Cans" typeface="Euphemia"/>
+        <a:font script="Cher" typeface="Plantagenet Cherokee"/>
+        <a:font script="Yiii" typeface="Microsoft Yi Baiti"/>
+        <a:font script="Tibt" typeface="Microsoft Himalaya"/>
+        <a:font script="Thaa" typeface="MV Boli"/>
+        <a:font script="Deva" typeface="Mangal"/>
+        <a:font script="Telu" typeface="Gautami"/>
+        <a:font script="Taml" typeface="Latha"/>
+        <a:font script="Syrc" typeface="Estrangelo Edessa"/>
+        <a:font script="Orya" typeface="Kalinga"/>
+        <a:font script="Mlym" typeface="Kartika"/>
+        <a:font script="Laoo" typeface="DokChampa"/>
+        <a:font script="Sinh" typeface="Iskoola Pota"/>
+        <a:font script="Mong" typeface="Mongolian Baiti"/>
+        <a:font script="Viet" typeface="Arial"/>
+        <a:font script="Uigh" typeface="Microsoft Uighur"/>
+        <a:font script="Geor" typeface="Sylfaen"/>
+        <a:font script="Armn" typeface="Arial"/>
+        <a:font script="Bugi" typeface="Leelawadee UI"/>
+        <a:font script="Bopo" typeface="Microsoft JhengHei"/>
+        <a:font script="Java" typeface="Javanese Text"/>
+        <a:font script="Lisu" typeface="Segoe UI"/>
+        <a:font script="Mymr" typeface="Myanmar Text"/>
+        <a:font script="Nkoo" typeface="Ebrima"/>
+        <a:font script="Olck" typeface="Nirmala UI"/>
+        <a:font script="Osma" typeface="Ebrima"/>
+        <a:font script="Phag" typeface="Phagspa"/>
+        <a:font script="Syrn" typeface="Estrangelo Edessa"/>
+        <a:font script="Syrj" typeface="Estrangelo Edessa"/>
+        <a:font script="Syre" typeface="Estrangelo Edessa"/>
+        <a:font script="Sora" typeface="Nirmala UI"/>
+        <a:font script="Tale" typeface="Microsoft Tai Le"/>
+        <a:font script="Talu" typeface="Microsoft New Tai Lue"/>
+        <a:font script="Tfng" typeface="Ebrima"/>
+      </a:minorFont>
+    </a:fontScheme>
+    <a:fmtScheme name="Office">
+      <a:fillStyleLst>
+        <a:solidFill>
+          <a:schemeClr val="phClr"/>
+        </a:solidFill>
+        <a:gradFill rotWithShape="1">
+          <a:gsLst>
+            <a:gs pos="0">
+              <a:schemeClr val="phClr">
+                <a:lumMod val="110000"/>
+                <a:satMod val="105000"/>
+                <a:tint val="67000"/>
+              </a:schemeClr>
+            </a:gs>
+            <a:gs pos="50000">
+              <a:schemeClr val="phClr">
+                <a:lumMod val="105000"/>
+                <a:satMod val="103000"/>
+                <a:tint val="73000"/>
+              </a:schemeClr>
+            </a:gs>
+            <a:gs pos="100000">
+              <a:schemeClr val="phClr">
+                <a:lumMod val="105000"/>
+                <a:satMod val="109000"/>
+                <a:tint val="81000"/>
+              </a:schemeClr>
+            </a:gs>
+          </a:gsLst>
+          <a:lin ang="5400000" scaled="0"/>
+        </a:gradFill>
+        <a:gradFill rotWithShape="1">
+          <a:gsLst>
+            <a:gs pos="0">
+              <a:schemeClr val="phClr">
+                <a:satMod val="103000"/>
+                <a:lumMod val="102000"/>
+                <a:tint val="94000"/>
+              </a:schemeClr>
+            </a:gs>
+            <a:gs pos="50000">
+              <a:schemeClr val="phClr">
+                <a:satMod val="110000"/>
+                <a:lumMod val="100000"/>
+                <a:shade val="100000"/>
+              </a:schemeClr>
+            </a:gs>
+            <a:gs pos="100000">
+              <a:schemeClr val="phClr">
+                <a:lumMod val="99000"/>
+                <a:satMod val="120000"/>
+                <a:shade val="78000"/>
+              </a:schemeClr>
+            </a:gs>
+          </a:gsLst>
+          <a:lin ang="5400000" scaled="0"/>
+        </a:gradFill>
+      </a:fillStyleLst>
+      <a:lnStyleLst>
+        <a:ln w="12700" cap="flat" cmpd="sng" algn="ctr">
+          <a:solidFill>
+            <a:schemeClr val="phClr"/>
+          </a:solidFill>
+          <a:prstDash val="solid"/>
+          <a:miter lim="800000"/>
+        </a:ln>
+        <a:ln w="19050" cap="flat" cmpd="sng" algn="ctr">
+          <a:solidFill>
+            <a:schemeClr val="phClr"/>
+          </a:solidFill>
+          <a:prstDash val="solid"/>
+          <a:miter lim="800000"/>
+        </a:ln>
+        <a:ln w="25400" cap="flat" cmpd="sng" algn="ctr">
+          <a:solidFill>
+            <a:schemeClr val="phClr"/>
+          </a:solidFill>
+          <a:prstDash val="solid"/>
+          <a:miter lim="800000"/>
+        </a:ln>
+      </a:lnStyleLst>
+      <a:effectStyleLst>
+        <a:effectStyle>
+          <a:effectLst/>
+        </a:effectStyle>
+        <a:effectStyle>
+          <a:effectLst/>
+        </a:effectStyle>
+        <a:effectStyle>
+          <a:effectLst>
+            <a:outerShdw blurRad="57150" dist="19050" dir="5400000" algn="ctr" rotWithShape="0">
+              <a:srgbClr val="000000">
+                <a:alpha val="63000"/>
+              </a:srgbClr>
+            </a:outerShdw>
+          </a:effectLst>
+        </a:effectStyle>
+      </a:effectStyleLst>
+      <a:bgFillStyleLst>
+        <a:solidFill>
+          <a:schemeClr val="phClr"/>
+        </a:solidFill>
+        <a:solidFill>
+          <a:schemeClr val="phClr">
+            <a:tint val="95000"/>
+            <a:satMod val="170000"/>
+          </a:schemeClr>
+        </a:solidFill>
+        <a:gradFill rotWithShape="1">
+          <a:gsLst>
+            <a:gs pos="0">
+              <a:schemeClr val="phClr">
+                <a:tint val="93000"/>
+                <a:satMod val="150000"/>
+                <a:shade val="98000"/>
+                <a:lumMod val="102000"/>
+              </a:schemeClr>
+            </a:gs>
+            <a:gs pos="50000">
+              <a:schemeClr val="phClr">
+                <a:tint val="98000"/>
+                <a:satMod val="130000"/>
+                <a:shade val="90000"/>
+                <a:lumMod val="103000"/>
+              </a:schemeClr>
+            </a:gs>
+            <a:gs pos="100000">
+              <a:schemeClr val="phClr">
+                <a:shade val="63000"/>
+                <a:satMod val="120000"/>
+              </a:schemeClr>
+            </a:gs>
+          </a:gsLst>
+          <a:lin ang="5400000" scaled="0"/>
+        </a:gradFill>
+      </a:bgFillStyleLst>
+    </a:fmtScheme>
+  </a:themeElements>
+  <a:objectDefaults>
+    <a:lnDef>
+      <a:spPr/>
+      <a:bodyPr/>
+      <a:lstStyle/>
+      <a:style>
+        <a:lnRef idx="2">
+          <a:schemeClr val="accent1"/>
+        </a:lnRef>
+        <a:fillRef idx="0">
+          <a:schemeClr val="accent1"/>
+        </a:fillRef>
+        <a:effectRef idx="1">
+          <a:schemeClr val="accent1"/>
+        </a:effectRef>
+        <a:fontRef idx="minor">
+          <a:schemeClr val="tx1"/>
+        </a:fontRef>
+      </a:style>
+    </a:lnDef>
+  </a:objectDefaults>
+  <a:extraClrSchemeLst/>
+  <a:extLst>
+    <a:ext uri="{05A4C25C-085E-4340-85A3-A5531E510DB2}">
+      <thm15:themeFamily xmlns:thm15="http://schemas.microsoft.com/office/thememl/2012/main" name="Office Theme" id="{2E142A2C-CD16-42D6-873A-C26D2A0506FA}" vid="{1BDDFF52-6CD6-40A5-AB3C-68EB2F1E4D0A}"/>
+    </a:ext>
+  </a:extLst>
+</a:theme>
 </file>
--- a/AI Friendly APIs.pptx
+++ b/AI Friendly APIs.pptx
@@ -205,7 +205,7 @@
           <a:p>
             <a:fld id="{67EC03D2-C5C5-4BDB-9C9E-43780E2A05CE}" type="datetimeFigureOut">
               <a:rPr lang="en-US" smtClean="0"/>
-              <a:t>2/16/2025</a:t>
+              <a:t>2/25/2025</a:t>
             </a:fld>
             <a:endParaRPr lang="en-US"/>
           </a:p>
@@ -825,7 +825,7 @@
           <a:p>
             <a:fld id="{9564C4B6-AF8B-47D1-A3BA-C9921D51DAF6}" type="datetimeFigureOut">
               <a:rPr lang="en-US" smtClean="0"/>
-              <a:t>2/16/2025</a:t>
+              <a:t>2/25/2025</a:t>
             </a:fld>
             <a:endParaRPr lang="en-US"/>
           </a:p>
@@ -1137,7 +1137,7 @@
           <a:p>
             <a:fld id="{9564C4B6-AF8B-47D1-A3BA-C9921D51DAF6}" type="datetimeFigureOut">
               <a:rPr lang="en-US" smtClean="0"/>
-              <a:t>2/16/2025</a:t>
+              <a:t>2/25/2025</a:t>
             </a:fld>
             <a:endParaRPr lang="en-US"/>
           </a:p>
@@ -1359,7 +1359,7 @@
           <a:p>
             <a:fld id="{9564C4B6-AF8B-47D1-A3BA-C9921D51DAF6}" type="datetimeFigureOut">
               <a:rPr lang="en-US" smtClean="0"/>
-              <a:t>2/16/2025</a:t>
+              <a:t>2/25/2025</a:t>
             </a:fld>
             <a:endParaRPr lang="en-US"/>
           </a:p>
@@ -1650,7 +1650,7 @@
           <a:p>
             <a:fld id="{9564C4B6-AF8B-47D1-A3BA-C9921D51DAF6}" type="datetimeFigureOut">
               <a:rPr lang="en-US" smtClean="0"/>
-              <a:t>2/16/2025</a:t>
+              <a:t>2/25/2025</a:t>
             </a:fld>
             <a:endParaRPr lang="en-US"/>
           </a:p>
@@ -2104,7 +2104,7 @@
           <a:p>
             <a:fld id="{9564C4B6-AF8B-47D1-A3BA-C9921D51DAF6}" type="datetimeFigureOut">
               <a:rPr lang="en-US" smtClean="0"/>
-              <a:t>2/16/2025</a:t>
+              <a:t>2/25/2025</a:t>
             </a:fld>
             <a:endParaRPr lang="en-US"/>
           </a:p>
@@ -2680,7 +2680,7 @@
           <a:p>
             <a:fld id="{9564C4B6-AF8B-47D1-A3BA-C9921D51DAF6}" type="datetimeFigureOut">
               <a:rPr lang="en-US" smtClean="0"/>
-              <a:t>2/16/2025</a:t>
+              <a:t>2/25/2025</a:t>
             </a:fld>
             <a:endParaRPr lang="en-US"/>
           </a:p>
@@ -3532,7 +3532,7 @@
           <a:p>
             <a:fld id="{9564C4B6-AF8B-47D1-A3BA-C9921D51DAF6}" type="datetimeFigureOut">
               <a:rPr lang="en-US" smtClean="0"/>
-              <a:t>2/16/2025</a:t>
+              <a:t>2/25/2025</a:t>
             </a:fld>
             <a:endParaRPr lang="en-US"/>
           </a:p>
@@ -3737,7 +3737,7 @@
           <a:p>
             <a:fld id="{9564C4B6-AF8B-47D1-A3BA-C9921D51DAF6}" type="datetimeFigureOut">
               <a:rPr lang="en-US" smtClean="0"/>
-              <a:t>2/16/2025</a:t>
+              <a:t>2/25/2025</a:t>
             </a:fld>
             <a:endParaRPr lang="en-US"/>
           </a:p>
@@ -3951,7 +3951,7 @@
           <a:p>
             <a:fld id="{9564C4B6-AF8B-47D1-A3BA-C9921D51DAF6}" type="datetimeFigureOut">
               <a:rPr lang="en-US" smtClean="0"/>
-              <a:t>2/16/2025</a:t>
+              <a:t>2/25/2025</a:t>
             </a:fld>
             <a:endParaRPr lang="en-US"/>
           </a:p>
@@ -4156,7 +4156,7 @@
           <a:p>
             <a:fld id="{9564C4B6-AF8B-47D1-A3BA-C9921D51DAF6}" type="datetimeFigureOut">
               <a:rPr lang="en-US" smtClean="0"/>
-              <a:t>2/16/2025</a:t>
+              <a:t>2/25/2025</a:t>
             </a:fld>
             <a:endParaRPr lang="en-US"/>
           </a:p>
@@ -4436,7 +4436,7 @@
           <a:p>
             <a:fld id="{9564C4B6-AF8B-47D1-A3BA-C9921D51DAF6}" type="datetimeFigureOut">
               <a:rPr lang="en-US" smtClean="0"/>
-              <a:t>2/16/2025</a:t>
+              <a:t>2/25/2025</a:t>
             </a:fld>
             <a:endParaRPr lang="en-US"/>
           </a:p>
@@ -4703,7 +4703,7 @@
           <a:p>
             <a:fld id="{9564C4B6-AF8B-47D1-A3BA-C9921D51DAF6}" type="datetimeFigureOut">
               <a:rPr lang="en-US" smtClean="0"/>
-              <a:t>2/16/2025</a:t>
+              <a:t>2/25/2025</a:t>
             </a:fld>
             <a:endParaRPr lang="en-US"/>
           </a:p>
@@ -5118,7 +5118,7 @@
           <a:p>
             <a:fld id="{9564C4B6-AF8B-47D1-A3BA-C9921D51DAF6}" type="datetimeFigureOut">
               <a:rPr lang="en-US" smtClean="0"/>
-              <a:t>2/16/2025</a:t>
+              <a:t>2/25/2025</a:t>
             </a:fld>
             <a:endParaRPr lang="en-US"/>
           </a:p>
@@ -5266,7 +5266,7 @@
           <a:p>
             <a:fld id="{9564C4B6-AF8B-47D1-A3BA-C9921D51DAF6}" type="datetimeFigureOut">
               <a:rPr lang="en-US" smtClean="0"/>
-              <a:t>2/16/2025</a:t>
+              <a:t>2/25/2025</a:t>
             </a:fld>
             <a:endParaRPr lang="en-US"/>
           </a:p>
@@ -5391,7 +5391,7 @@
           <a:p>
             <a:fld id="{9564C4B6-AF8B-47D1-A3BA-C9921D51DAF6}" type="datetimeFigureOut">
               <a:rPr lang="en-US" smtClean="0"/>
-              <a:t>2/16/2025</a:t>
+              <a:t>2/25/2025</a:t>
             </a:fld>
             <a:endParaRPr lang="en-US"/>
           </a:p>
@@ -5670,7 +5670,7 @@
           <a:p>
             <a:fld id="{9564C4B6-AF8B-47D1-A3BA-C9921D51DAF6}" type="datetimeFigureOut">
               <a:rPr lang="en-US" smtClean="0"/>
-              <a:t>2/16/2025</a:t>
+              <a:t>2/25/2025</a:t>
             </a:fld>
             <a:endParaRPr lang="en-US"/>
           </a:p>
@@ -5982,7 +5982,7 @@
           <a:p>
             <a:fld id="{9564C4B6-AF8B-47D1-A3BA-C9921D51DAF6}" type="datetimeFigureOut">
               <a:rPr lang="en-US" smtClean="0"/>
-              <a:t>2/16/2025</a:t>
+              <a:t>2/25/2025</a:t>
             </a:fld>
             <a:endParaRPr lang="en-US"/>
           </a:p>
@@ -6235,7 +6235,7 @@
           <a:p>
             <a:fld id="{9564C4B6-AF8B-47D1-A3BA-C9921D51DAF6}" type="datetimeFigureOut">
               <a:rPr lang="en-US" smtClean="0"/>
-              <a:t>2/16/2025</a:t>
+              <a:t>2/25/2025</a:t>
             </a:fld>
             <a:endParaRPr lang="en-US"/>
           </a:p>
@@ -7026,12 +7026,12 @@
         <p:spPr>
           <a:xfrm>
             <a:off x="4634794" y="1049695"/>
-            <a:ext cx="6642806" cy="4758611"/>
+            <a:ext cx="6642806" cy="5041389"/>
           </a:xfrm>
         </p:spPr>
         <p:txBody>
           <a:bodyPr anchor="ctr">
-            <a:normAutofit/>
+            <a:normAutofit lnSpcReduction="10000"/>
           </a:bodyPr>
           <a:lstStyle/>
           <a:p>
@@ -7071,6 +7071,27 @@
             <a:r>
               <a:rPr lang="en-US" dirty="0"/>
               <a:t>Improve precision and reduce cost</a:t>
+            </a:r>
+          </a:p>
+          <a:p>
+            <a:pPr lvl="1"/>
+            <a:r>
+              <a:rPr lang="en-US" dirty="0"/>
+              <a:t>I am not going to Cover GRPC because:</a:t>
+            </a:r>
+          </a:p>
+          <a:p>
+            <a:pPr lvl="2"/>
+            <a:r>
+              <a:rPr lang="en-US" dirty="0"/>
+              <a:t>I am not an expert, but I am learning</a:t>
+            </a:r>
+          </a:p>
+          <a:p>
+            <a:pPr lvl="2"/>
+            <a:r>
+              <a:rPr lang="en-US" dirty="0"/>
+              <a:t>GRPC is more suited to private API (e.g., communication across microservices)</a:t>
             </a:r>
           </a:p>
           <a:p>
@@ -7782,7 +7803,7 @@
           <a:p>
             <a:r>
               <a:rPr lang="en-US" dirty="0"/>
-              <a:t>The model only knows the </a:t>
+              <a:t>The AI model only knows the </a:t>
             </a:r>
             <a:r>
               <a:rPr lang="en-US" dirty="0" err="1"/>
@@ -7839,7 +7860,7 @@
             <a:pPr lvl="1"/>
             <a:r>
               <a:rPr lang="en-US" dirty="0"/>
-              <a:t>SK only manages the creation of a plugin out of the </a:t>
+              <a:t>SK manages the creation of a plugin out of the </a:t>
             </a:r>
             <a:r>
               <a:rPr lang="en-US" dirty="0" err="1"/>
